--- a/Design Stuff/Narrativ/Kunden/1.1 MilaHaas.pptx
+++ b/Design Stuff/Narrativ/Kunden/1.1 MilaHaas.pptx
@@ -6,32 +6,29 @@
     <p:sldMasterId id="2147483660" r:id="rId2"/>
   </p:sldMasterIdLst>
   <p:notesMasterIdLst>
-    <p:notesMasterId r:id="rId11"/>
+    <p:notesMasterId r:id="rId8"/>
   </p:notesMasterIdLst>
   <p:sldIdLst>
     <p:sldId id="256" r:id="rId3"/>
     <p:sldId id="257" r:id="rId4"/>
     <p:sldId id="258" r:id="rId5"/>
     <p:sldId id="259" r:id="rId6"/>
-    <p:sldId id="260" r:id="rId7"/>
-    <p:sldId id="261" r:id="rId8"/>
-    <p:sldId id="262" r:id="rId9"/>
-    <p:sldId id="263" r:id="rId10"/>
+    <p:sldId id="262" r:id="rId7"/>
   </p:sldIdLst>
   <p:sldSz cx="9144000" cy="5143500" type="screen16x9"/>
   <p:notesSz cx="6858000" cy="9144000"/>
   <p:embeddedFontLst>
     <p:embeddedFont>
       <p:font typeface="Montserrat" panose="00000500000000000000" pitchFamily="2" charset="0"/>
-      <p:regular r:id="rId12"/>
-      <p:bold r:id="rId13"/>
-      <p:italic r:id="rId14"/>
-      <p:boldItalic r:id="rId15"/>
+      <p:regular r:id="rId9"/>
+      <p:bold r:id="rId10"/>
+      <p:italic r:id="rId11"/>
+      <p:boldItalic r:id="rId12"/>
     </p:embeddedFont>
     <p:embeddedFont>
       <p:font typeface="Montserrat ExtraBold" panose="00000900000000000000" pitchFamily="2" charset="0"/>
-      <p:bold r:id="rId16"/>
-      <p:boldItalic r:id="rId17"/>
+      <p:bold r:id="rId13"/>
+      <p:boldItalic r:id="rId14"/>
     </p:embeddedFont>
   </p:embeddedFontLst>
   <p:defaultTextStyle>
@@ -1370,258 +1367,6 @@
   <p:cSld>
     <p:spTree>
       <p:nvGrpSpPr>
-        <p:cNvPr id="1" name="Shape 196"/>
-        <p:cNvGrpSpPr/>
-        <p:nvPr/>
-      </p:nvGrpSpPr>
-      <p:grpSpPr>
-        <a:xfrm>
-          <a:off x="0" y="0"/>
-          <a:ext cx="0" cy="0"/>
-          <a:chOff x="0" y="0"/>
-          <a:chExt cx="0" cy="0"/>
-        </a:xfrm>
-      </p:grpSpPr>
-      <p:sp>
-        <p:nvSpPr>
-          <p:cNvPr id="197" name="Google Shape;197;p5:notes"/>
-          <p:cNvSpPr>
-            <a:spLocks noGrp="1" noRot="1" noChangeAspect="1"/>
-          </p:cNvSpPr>
-          <p:nvPr>
-            <p:ph type="sldImg" idx="2"/>
-          </p:nvPr>
-        </p:nvSpPr>
-        <p:spPr>
-          <a:xfrm>
-            <a:off x="381000" y="685800"/>
-            <a:ext cx="6096000" cy="3429000"/>
-          </a:xfrm>
-          <a:custGeom>
-            <a:avLst/>
-            <a:gdLst/>
-            <a:ahLst/>
-            <a:cxnLst/>
-            <a:rect l="l" t="t" r="r" b="b"/>
-            <a:pathLst>
-              <a:path w="120000" h="120000" extrusionOk="0">
-                <a:moveTo>
-                  <a:pt x="0" y="0"/>
-                </a:moveTo>
-                <a:lnTo>
-                  <a:pt x="120000" y="0"/>
-                </a:lnTo>
-                <a:lnTo>
-                  <a:pt x="120000" y="120000"/>
-                </a:lnTo>
-                <a:lnTo>
-                  <a:pt x="0" y="120000"/>
-                </a:lnTo>
-                <a:close/>
-              </a:path>
-            </a:pathLst>
-          </a:custGeom>
-          <a:noFill/>
-          <a:ln w="12700" cap="flat" cmpd="sng">
-            <a:solidFill>
-              <a:srgbClr val="000000"/>
-            </a:solidFill>
-            <a:prstDash val="solid"/>
-            <a:round/>
-            <a:headEnd type="none" w="sm" len="sm"/>
-            <a:tailEnd type="none" w="sm" len="sm"/>
-          </a:ln>
-        </p:spPr>
-      </p:sp>
-      <p:sp>
-        <p:nvSpPr>
-          <p:cNvPr id="198" name="Google Shape;198;p5:notes"/>
-          <p:cNvSpPr txBox="1">
-            <a:spLocks noGrp="1"/>
-          </p:cNvSpPr>
-          <p:nvPr>
-            <p:ph type="body" idx="1"/>
-          </p:nvPr>
-        </p:nvSpPr>
-        <p:spPr>
-          <a:xfrm>
-            <a:off x="685800" y="4343400"/>
-            <a:ext cx="5486400" cy="4114800"/>
-          </a:xfrm>
-          <a:prstGeom prst="rect">
-            <a:avLst/>
-          </a:prstGeom>
-          <a:noFill/>
-          <a:ln>
-            <a:noFill/>
-          </a:ln>
-        </p:spPr>
-        <p:txBody>
-          <a:bodyPr spcFirstLastPara="1" wrap="square" lIns="91425" tIns="91425" rIns="91425" bIns="91425" anchor="t" anchorCtr="0">
-            <a:noAutofit/>
-          </a:bodyPr>
-          <a:lstStyle/>
-          <a:p>
-            <a:pPr marL="0" lvl="0" indent="0" algn="l" rtl="0">
-              <a:lnSpc>
-                <a:spcPct val="100000"/>
-              </a:lnSpc>
-              <a:spcBef>
-                <a:spcPts val="0"/>
-              </a:spcBef>
-              <a:spcAft>
-                <a:spcPts val="0"/>
-              </a:spcAft>
-              <a:buClr>
-                <a:schemeClr val="dk1"/>
-              </a:buClr>
-              <a:buSzPts val="1200"/>
-              <a:buFont typeface="Calibri"/>
-              <a:buNone/>
-            </a:pPr>
-            <a:endParaRPr/>
-          </a:p>
-        </p:txBody>
-      </p:sp>
-    </p:spTree>
-  </p:cSld>
-  <p:clrMapOvr>
-    <a:masterClrMapping/>
-  </p:clrMapOvr>
-</p:notes>
-</file>
-
-<file path=ppt/notesSlides/notesSlide6.xml><?xml version="1.0" encoding="utf-8"?>
-<p:notes xmlns:a="http://schemas.openxmlformats.org/drawingml/2006/main" xmlns:r="http://schemas.openxmlformats.org/officeDocument/2006/relationships" xmlns:p="http://schemas.openxmlformats.org/presentationml/2006/main" showMasterSp="0" showMasterPhAnim="0">
-  <p:cSld>
-    <p:spTree>
-      <p:nvGrpSpPr>
-        <p:cNvPr id="1" name="Shape 209"/>
-        <p:cNvGrpSpPr/>
-        <p:nvPr/>
-      </p:nvGrpSpPr>
-      <p:grpSpPr>
-        <a:xfrm>
-          <a:off x="0" y="0"/>
-          <a:ext cx="0" cy="0"/>
-          <a:chOff x="0" y="0"/>
-          <a:chExt cx="0" cy="0"/>
-        </a:xfrm>
-      </p:grpSpPr>
-      <p:sp>
-        <p:nvSpPr>
-          <p:cNvPr id="210" name="Google Shape;210;g3b636e5de4b_0_0:notes"/>
-          <p:cNvSpPr>
-            <a:spLocks noGrp="1" noRot="1" noChangeAspect="1"/>
-          </p:cNvSpPr>
-          <p:nvPr>
-            <p:ph type="sldImg" idx="2"/>
-          </p:nvPr>
-        </p:nvSpPr>
-        <p:spPr>
-          <a:xfrm>
-            <a:off x="381000" y="685800"/>
-            <a:ext cx="6096000" cy="3429000"/>
-          </a:xfrm>
-          <a:custGeom>
-            <a:avLst/>
-            <a:gdLst/>
-            <a:ahLst/>
-            <a:cxnLst/>
-            <a:rect l="l" t="t" r="r" b="b"/>
-            <a:pathLst>
-              <a:path w="120000" h="120000" extrusionOk="0">
-                <a:moveTo>
-                  <a:pt x="0" y="0"/>
-                </a:moveTo>
-                <a:lnTo>
-                  <a:pt x="120000" y="0"/>
-                </a:lnTo>
-                <a:lnTo>
-                  <a:pt x="120000" y="120000"/>
-                </a:lnTo>
-                <a:lnTo>
-                  <a:pt x="0" y="120000"/>
-                </a:lnTo>
-                <a:close/>
-              </a:path>
-            </a:pathLst>
-          </a:custGeom>
-          <a:noFill/>
-          <a:ln w="12700" cap="flat" cmpd="sng">
-            <a:solidFill>
-              <a:srgbClr val="000000"/>
-            </a:solidFill>
-            <a:prstDash val="solid"/>
-            <a:round/>
-            <a:headEnd type="none" w="sm" len="sm"/>
-            <a:tailEnd type="none" w="sm" len="sm"/>
-          </a:ln>
-        </p:spPr>
-      </p:sp>
-      <p:sp>
-        <p:nvSpPr>
-          <p:cNvPr id="211" name="Google Shape;211;g3b636e5de4b_0_0:notes"/>
-          <p:cNvSpPr txBox="1">
-            <a:spLocks noGrp="1"/>
-          </p:cNvSpPr>
-          <p:nvPr>
-            <p:ph type="body" idx="1"/>
-          </p:nvPr>
-        </p:nvSpPr>
-        <p:spPr>
-          <a:xfrm>
-            <a:off x="685800" y="4343400"/>
-            <a:ext cx="5486400" cy="4114800"/>
-          </a:xfrm>
-          <a:prstGeom prst="rect">
-            <a:avLst/>
-          </a:prstGeom>
-          <a:noFill/>
-          <a:ln>
-            <a:noFill/>
-          </a:ln>
-        </p:spPr>
-        <p:txBody>
-          <a:bodyPr spcFirstLastPara="1" wrap="square" lIns="91425" tIns="91425" rIns="91425" bIns="91425" anchor="t" anchorCtr="0">
-            <a:noAutofit/>
-          </a:bodyPr>
-          <a:lstStyle/>
-          <a:p>
-            <a:pPr marL="0" lvl="0" indent="0" algn="l" rtl="0">
-              <a:lnSpc>
-                <a:spcPct val="100000"/>
-              </a:lnSpc>
-              <a:spcBef>
-                <a:spcPts val="0"/>
-              </a:spcBef>
-              <a:spcAft>
-                <a:spcPts val="0"/>
-              </a:spcAft>
-              <a:buClr>
-                <a:schemeClr val="dk1"/>
-              </a:buClr>
-              <a:buSzPts val="1200"/>
-              <a:buFont typeface="Calibri"/>
-              <a:buNone/>
-            </a:pPr>
-            <a:endParaRPr/>
-          </a:p>
-        </p:txBody>
-      </p:sp>
-    </p:spTree>
-  </p:cSld>
-  <p:clrMapOvr>
-    <a:masterClrMapping/>
-  </p:clrMapOvr>
-</p:notes>
-</file>
-
-<file path=ppt/notesSlides/notesSlide7.xml><?xml version="1.0" encoding="utf-8"?>
-<p:notes xmlns:a="http://schemas.openxmlformats.org/drawingml/2006/main" xmlns:r="http://schemas.openxmlformats.org/officeDocument/2006/relationships" xmlns:p="http://schemas.openxmlformats.org/presentationml/2006/main" showMasterSp="0" showMasterPhAnim="0">
-  <p:cSld>
-    <p:spTree>
-      <p:nvGrpSpPr>
         <p:cNvPr id="1" name="Shape 233"/>
         <p:cNvGrpSpPr/>
         <p:nvPr/>
@@ -1688,168 +1433,6 @@
       <p:sp>
         <p:nvSpPr>
           <p:cNvPr id="235" name="Google Shape;235;p6:notes"/>
-          <p:cNvSpPr txBox="1">
-            <a:spLocks noGrp="1"/>
-          </p:cNvSpPr>
-          <p:nvPr>
-            <p:ph type="body" idx="1"/>
-          </p:nvPr>
-        </p:nvSpPr>
-        <p:spPr>
-          <a:xfrm>
-            <a:off x="685800" y="4400550"/>
-            <a:ext cx="5486400" cy="3600600"/>
-          </a:xfrm>
-          <a:prstGeom prst="rect">
-            <a:avLst/>
-          </a:prstGeom>
-          <a:noFill/>
-          <a:ln>
-            <a:noFill/>
-          </a:ln>
-        </p:spPr>
-        <p:txBody>
-          <a:bodyPr spcFirstLastPara="1" wrap="square" lIns="91425" tIns="45700" rIns="91425" bIns="45700" anchor="t" anchorCtr="0">
-            <a:noAutofit/>
-          </a:bodyPr>
-          <a:lstStyle/>
-          <a:p>
-            <a:pPr marL="0" lvl="0" indent="0" algn="l" rtl="0">
-              <a:lnSpc>
-                <a:spcPct val="100000"/>
-              </a:lnSpc>
-              <a:spcBef>
-                <a:spcPts val="0"/>
-              </a:spcBef>
-              <a:spcAft>
-                <a:spcPts val="0"/>
-              </a:spcAft>
-              <a:buSzPts val="1400"/>
-              <a:buNone/>
-            </a:pPr>
-            <a:r>
-              <a:rPr lang="de"/>
-              <a:t>20 minutes </a:t>
-            </a:r>
-            <a:endParaRPr/>
-          </a:p>
-          <a:p>
-            <a:pPr marL="0" lvl="0" indent="0" algn="l" rtl="0">
-              <a:lnSpc>
-                <a:spcPct val="100000"/>
-              </a:lnSpc>
-              <a:spcBef>
-                <a:spcPts val="0"/>
-              </a:spcBef>
-              <a:spcAft>
-                <a:spcPts val="0"/>
-              </a:spcAft>
-              <a:buSzPts val="1400"/>
-              <a:buNone/>
-            </a:pPr>
-            <a:endParaRPr/>
-          </a:p>
-          <a:p>
-            <a:pPr marL="0" lvl="0" indent="0" algn="l" rtl="0">
-              <a:lnSpc>
-                <a:spcPct val="100000"/>
-              </a:lnSpc>
-              <a:spcBef>
-                <a:spcPts val="0"/>
-              </a:spcBef>
-              <a:spcAft>
-                <a:spcPts val="0"/>
-              </a:spcAft>
-              <a:buSzPts val="1400"/>
-              <a:buNone/>
-            </a:pPr>
-            <a:r>
-              <a:rPr lang="de"/>
-              <a:t>Remember, when you are done your first draft. YOU ARE NOT DONE.  COUNT YOUR WORDS, if you are over 20 or under 3 in any line of dialogue you must edit your own text to make it fit or expand on the world lore or to make the character speaking sound unique. </a:t>
-            </a:r>
-            <a:endParaRPr/>
-          </a:p>
-        </p:txBody>
-      </p:sp>
-    </p:spTree>
-  </p:cSld>
-  <p:clrMapOvr>
-    <a:masterClrMapping/>
-  </p:clrMapOvr>
-</p:notes>
-</file>
-
-<file path=ppt/notesSlides/notesSlide8.xml><?xml version="1.0" encoding="utf-8"?>
-<p:notes xmlns:a="http://schemas.openxmlformats.org/drawingml/2006/main" xmlns:r="http://schemas.openxmlformats.org/officeDocument/2006/relationships" xmlns:p="http://schemas.openxmlformats.org/presentationml/2006/main" showMasterSp="0" showMasterPhAnim="0">
-  <p:cSld>
-    <p:spTree>
-      <p:nvGrpSpPr>
-        <p:cNvPr id="1" name="Shape 238"/>
-        <p:cNvGrpSpPr/>
-        <p:nvPr/>
-      </p:nvGrpSpPr>
-      <p:grpSpPr>
-        <a:xfrm>
-          <a:off x="0" y="0"/>
-          <a:ext cx="0" cy="0"/>
-          <a:chOff x="0" y="0"/>
-          <a:chExt cx="0" cy="0"/>
-        </a:xfrm>
-      </p:grpSpPr>
-      <p:sp>
-        <p:nvSpPr>
-          <p:cNvPr id="239" name="Google Shape;239;p7:notes"/>
-          <p:cNvSpPr>
-            <a:spLocks noGrp="1" noRot="1" noChangeAspect="1"/>
-          </p:cNvSpPr>
-          <p:nvPr>
-            <p:ph type="sldImg" idx="2"/>
-          </p:nvPr>
-        </p:nvSpPr>
-        <p:spPr>
-          <a:xfrm>
-            <a:off x="381000" y="685800"/>
-            <a:ext cx="6096000" cy="3429000"/>
-          </a:xfrm>
-          <a:custGeom>
-            <a:avLst/>
-            <a:gdLst/>
-            <a:ahLst/>
-            <a:cxnLst/>
-            <a:rect l="l" t="t" r="r" b="b"/>
-            <a:pathLst>
-              <a:path w="120000" h="120000" extrusionOk="0">
-                <a:moveTo>
-                  <a:pt x="0" y="0"/>
-                </a:moveTo>
-                <a:lnTo>
-                  <a:pt x="120000" y="0"/>
-                </a:lnTo>
-                <a:lnTo>
-                  <a:pt x="120000" y="120000"/>
-                </a:lnTo>
-                <a:lnTo>
-                  <a:pt x="0" y="120000"/>
-                </a:lnTo>
-                <a:close/>
-              </a:path>
-            </a:pathLst>
-          </a:custGeom>
-          <a:noFill/>
-          <a:ln w="12700" cap="flat" cmpd="sng">
-            <a:solidFill>
-              <a:srgbClr val="000000"/>
-            </a:solidFill>
-            <a:prstDash val="solid"/>
-            <a:round/>
-            <a:headEnd type="none" w="sm" len="sm"/>
-            <a:tailEnd type="none" w="sm" len="sm"/>
-          </a:ln>
-        </p:spPr>
-      </p:sp>
-      <p:sp>
-        <p:nvSpPr>
-          <p:cNvPr id="240" name="Google Shape;240;p7:notes"/>
           <p:cNvSpPr txBox="1">
             <a:spLocks noGrp="1"/>
           </p:cNvSpPr>
@@ -25456,42 +25039,47 @@
         <p:nvGraphicFramePr>
           <p:cNvPr id="169" name="Google Shape;169;g3b636e5de4b_0_32"/>
           <p:cNvGraphicFramePr/>
-          <p:nvPr/>
+          <p:nvPr>
+            <p:extLst>
+              <p:ext uri="{D42A27DB-BD31-4B8C-83A1-F6EECF244321}">
+                <p14:modId xmlns:p14="http://schemas.microsoft.com/office/powerpoint/2010/main" val="1507227662"/>
+              </p:ext>
+            </p:extLst>
+          </p:nvPr>
         </p:nvGraphicFramePr>
         <p:xfrm>
-          <a:off x="21850" y="851289"/>
-          <a:ext cx="9080600" cy="4974750"/>
+          <a:off x="288322" y="828043"/>
+          <a:ext cx="8567356" cy="4236055"/>
         </p:xfrm>
         <a:graphic>
           <a:graphicData uri="http://schemas.openxmlformats.org/drawingml/2006/table">
             <a:tbl>
               <a:tblPr bandCol="1">
-                <a:noFill/>
-                <a:tableStyleId>{692E3274-4D5C-44BF-BB08-FA6336CB3DAF}</a:tableStyleId>
+                <a:tableStyleId>{284E427A-3D55-4303-BF80-6455036E1DE7}</a:tableStyleId>
               </a:tblPr>
               <a:tblGrid>
-                <a:gridCol w="2270150">
+                <a:gridCol w="2141839">
                   <a:extLst>
                     <a:ext uri="{9D8B030D-6E8A-4147-A177-3AD203B41FA5}">
                       <a16:colId xmlns:a16="http://schemas.microsoft.com/office/drawing/2014/main" val="20000"/>
                     </a:ext>
                   </a:extLst>
                 </a:gridCol>
-                <a:gridCol w="2270150">
+                <a:gridCol w="2141839">
                   <a:extLst>
                     <a:ext uri="{9D8B030D-6E8A-4147-A177-3AD203B41FA5}">
                       <a16:colId xmlns:a16="http://schemas.microsoft.com/office/drawing/2014/main" val="20001"/>
                     </a:ext>
                   </a:extLst>
                 </a:gridCol>
-                <a:gridCol w="2270150">
+                <a:gridCol w="2141839">
                   <a:extLst>
                     <a:ext uri="{9D8B030D-6E8A-4147-A177-3AD203B41FA5}">
                       <a16:colId xmlns:a16="http://schemas.microsoft.com/office/drawing/2014/main" val="20002"/>
                     </a:ext>
                   </a:extLst>
                 </a:gridCol>
-                <a:gridCol w="2270150">
+                <a:gridCol w="2141839">
                   <a:extLst>
                     <a:ext uri="{9D8B030D-6E8A-4147-A177-3AD203B41FA5}">
                       <a16:colId xmlns:a16="http://schemas.microsoft.com/office/drawing/2014/main" val="20003"/>
@@ -25499,7 +25087,7 @@
                   </a:extLst>
                 </a:gridCol>
               </a:tblGrid>
-              <a:tr h="829125">
+              <a:tr h="700905">
                 <a:tc>
                   <a:txBody>
                     <a:bodyPr/>
@@ -25524,9 +25112,7 @@
                       <a:endParaRPr/>
                     </a:p>
                   </a:txBody>
-                  <a:tcPr marL="91450" marR="91450" marT="45725" marB="45725">
-                    <a:noFill/>
-                  </a:tcPr>
+                  <a:tcPr marL="91450" marR="91450" marT="45725" marB="45725"/>
                 </a:tc>
                 <a:tc>
                   <a:txBody>
@@ -25543,15 +25129,45 @@
                         <a:buNone/>
                       </a:pPr>
                       <a:r>
-                        <a:rPr lang="de" dirty="0"/>
-                        <a:t>Why do they do, what they do</a:t>
+                        <a:rPr lang="en-GB" dirty="0" err="1"/>
+                        <a:t>Ihre</a:t>
+                      </a:r>
+                      <a:r>
+                        <a:rPr lang="en-GB" dirty="0"/>
+                        <a:t> </a:t>
+                      </a:r>
+                      <a:r>
+                        <a:rPr lang="en-GB" dirty="0" err="1"/>
+                        <a:t>Alpträume</a:t>
+                      </a:r>
+                      <a:r>
+                        <a:rPr lang="en-GB" dirty="0"/>
+                        <a:t> </a:t>
+                      </a:r>
+                      <a:r>
+                        <a:rPr lang="en-GB" dirty="0" err="1"/>
+                        <a:t>loswerden</a:t>
+                      </a:r>
+                      <a:r>
+                        <a:rPr lang="en-GB" dirty="0"/>
+                        <a:t>, </a:t>
+                      </a:r>
+                      <a:r>
+                        <a:rPr lang="en-GB" dirty="0" err="1"/>
+                        <a:t>gute</a:t>
+                      </a:r>
+                      <a:r>
+                        <a:rPr lang="en-GB" dirty="0"/>
+                        <a:t> Noten </a:t>
+                      </a:r>
+                      <a:r>
+                        <a:rPr lang="en-GB" dirty="0" err="1"/>
+                        <a:t>schreiben</a:t>
                       </a:r>
                       <a:endParaRPr dirty="0"/>
                     </a:p>
                   </a:txBody>
-                  <a:tcPr marL="91450" marR="91450" marT="45725" marB="45725">
-                    <a:noFill/>
-                  </a:tcPr>
+                  <a:tcPr marL="91450" marR="91450" marT="45725" marB="45725"/>
                 </a:tc>
                 <a:tc>
                   <a:txBody>
@@ -25577,9 +25193,7 @@
                       <a:endParaRPr sz="1400" b="1" u="none" strike="noStrike" cap="none"/>
                     </a:p>
                   </a:txBody>
-                  <a:tcPr marL="91450" marR="91450" marT="45725" marB="45725">
-                    <a:noFill/>
-                  </a:tcPr>
+                  <a:tcPr marL="91450" marR="91450" marT="45725" marB="45725"/>
                 </a:tc>
                 <a:tc>
                   <a:txBody>
@@ -25596,15 +25210,45 @@
                         <a:buNone/>
                       </a:pPr>
                       <a:r>
-                        <a:rPr lang="de"/>
-                        <a:t>What makes them different</a:t>
+                        <a:rPr lang="en-GB" dirty="0"/>
+                        <a:t>Bei </a:t>
                       </a:r>
-                      <a:endParaRPr/>
+                      <a:r>
+                        <a:rPr lang="en-GB" dirty="0" err="1"/>
+                        <a:t>Überstimulation</a:t>
+                      </a:r>
+                      <a:r>
+                        <a:rPr lang="en-GB" dirty="0"/>
+                        <a:t> </a:t>
+                      </a:r>
+                      <a:r>
+                        <a:rPr lang="en-GB" dirty="0" err="1"/>
+                        <a:t>oder</a:t>
+                      </a:r>
+                      <a:r>
+                        <a:rPr lang="en-GB" dirty="0"/>
+                        <a:t> </a:t>
+                      </a:r>
+                      <a:r>
+                        <a:rPr lang="en-GB" dirty="0" err="1"/>
+                        <a:t>Versagen</a:t>
+                      </a:r>
+                      <a:r>
+                        <a:rPr lang="en-GB" dirty="0"/>
+                        <a:t>  schnell </a:t>
+                      </a:r>
+                      <a:r>
+                        <a:rPr lang="en-GB" dirty="0" err="1"/>
+                        <a:t>genervt</a:t>
+                      </a:r>
+                      <a:r>
+                        <a:rPr lang="en-GB" dirty="0"/>
+                        <a:t> (snapping)</a:t>
+                      </a:r>
+                      <a:endParaRPr dirty="0"/>
                     </a:p>
                   </a:txBody>
-                  <a:tcPr marL="91450" marR="91450" marT="45725" marB="45725">
-                    <a:noFill/>
-                  </a:tcPr>
+                  <a:tcPr marL="91450" marR="91450" marT="45725" marB="45725"/>
                 </a:tc>
                 <a:extLst>
                   <a:ext uri="{0D108BD9-81ED-4DB2-BD59-A6C34878D82A}">
@@ -25612,7 +25256,7 @@
                   </a:ext>
                 </a:extLst>
               </a:tr>
-              <a:tr h="829125">
+              <a:tr h="700905">
                 <a:tc>
                   <a:txBody>
                     <a:bodyPr/>
@@ -25637,9 +25281,7 @@
                       <a:endParaRPr sz="1400" b="1" u="none" strike="noStrike" cap="none"/>
                     </a:p>
                   </a:txBody>
-                  <a:tcPr marL="91450" marR="91450" marT="45725" marB="45725">
-                    <a:noFill/>
-                  </a:tcPr>
+                  <a:tcPr marL="91450" marR="91450" marT="45725" marB="45725"/>
                 </a:tc>
                 <a:tc>
                   <a:txBody>
@@ -25656,15 +25298,33 @@
                         <a:buNone/>
                       </a:pPr>
                       <a:r>
-                        <a:rPr lang="de"/>
-                        <a:t>something negative about them </a:t>
+                        <a:rPr lang="en-GB" dirty="0"/>
+                        <a:t>Angst </a:t>
                       </a:r>
-                      <a:endParaRPr/>
+                      <a:r>
+                        <a:rPr lang="en-GB" dirty="0" err="1"/>
+                        <a:t>vor</a:t>
+                      </a:r>
+                      <a:r>
+                        <a:rPr lang="en-GB" dirty="0"/>
+                        <a:t> </a:t>
+                      </a:r>
+                      <a:r>
+                        <a:rPr lang="en-GB" dirty="0" err="1"/>
+                        <a:t>Ablehnung</a:t>
+                      </a:r>
+                      <a:r>
+                        <a:rPr lang="en-GB" dirty="0"/>
+                        <a:t> und </a:t>
+                      </a:r>
+                      <a:r>
+                        <a:rPr lang="en-GB" dirty="0" err="1"/>
+                        <a:t>Enttäuschung</a:t>
+                      </a:r>
+                      <a:endParaRPr dirty="0"/>
                     </a:p>
                   </a:txBody>
-                  <a:tcPr marL="91450" marR="91450" marT="45725" marB="45725">
-                    <a:noFill/>
-                  </a:tcPr>
+                  <a:tcPr marL="91450" marR="91450" marT="45725" marB="45725"/>
                 </a:tc>
                 <a:tc>
                   <a:txBody>
@@ -25690,9 +25350,7 @@
                       <a:endParaRPr/>
                     </a:p>
                   </a:txBody>
-                  <a:tcPr marL="91450" marR="91450" marT="45725" marB="45725">
-                    <a:noFill/>
-                  </a:tcPr>
+                  <a:tcPr marL="91450" marR="91450" marT="45725" marB="45725"/>
                 </a:tc>
                 <a:tc>
                   <a:txBody>
@@ -25709,15 +25367,41 @@
                         <a:buNone/>
                       </a:pPr>
                       <a:r>
-                        <a:rPr lang="de"/>
-                        <a:t>Something mysterious about them (can be silly) </a:t>
+                        <a:rPr lang="en-GB" dirty="0"/>
+                        <a:t>Der </a:t>
                       </a:r>
-                      <a:endParaRPr/>
+                      <a:r>
+                        <a:rPr lang="en-GB" dirty="0" err="1"/>
+                        <a:t>tatsächliche</a:t>
+                      </a:r>
+                      <a:r>
+                        <a:rPr lang="en-GB" dirty="0"/>
+                        <a:t> </a:t>
+                      </a:r>
+                      <a:r>
+                        <a:rPr lang="en-GB" dirty="0" err="1"/>
+                        <a:t>Inhalt</a:t>
+                      </a:r>
+                      <a:r>
+                        <a:rPr lang="en-GB" dirty="0"/>
+                        <a:t> </a:t>
+                      </a:r>
+                      <a:r>
+                        <a:rPr lang="en-GB" dirty="0" err="1"/>
+                        <a:t>ihrer</a:t>
+                      </a:r>
+                      <a:r>
+                        <a:rPr lang="en-GB" dirty="0"/>
+                        <a:t> </a:t>
+                      </a:r>
+                      <a:r>
+                        <a:rPr lang="en-GB" dirty="0" err="1"/>
+                        <a:t>Alpträume</a:t>
+                      </a:r>
+                      <a:endParaRPr dirty="0"/>
                     </a:p>
                   </a:txBody>
-                  <a:tcPr marL="91450" marR="91450" marT="45725" marB="45725">
-                    <a:noFill/>
-                  </a:tcPr>
+                  <a:tcPr marL="91450" marR="91450" marT="45725" marB="45725"/>
                 </a:tc>
                 <a:extLst>
                   <a:ext uri="{0D108BD9-81ED-4DB2-BD59-A6C34878D82A}">
@@ -25725,7 +25409,7 @@
                   </a:ext>
                 </a:extLst>
               </a:tr>
-              <a:tr h="829125">
+              <a:tr h="700905">
                 <a:tc>
                   <a:txBody>
                     <a:bodyPr/>
@@ -25744,15 +25428,13 @@
                         <a:buNone/>
                       </a:pPr>
                       <a:r>
-                        <a:rPr lang="de" sz="1400" b="1" u="none" strike="noStrike" cap="none"/>
+                        <a:rPr lang="de" sz="1400" b="1" u="none" strike="noStrike" cap="none" dirty="0"/>
                         <a:t>Belonging</a:t>
                       </a:r>
-                      <a:endParaRPr sz="1400" b="1" u="none" strike="noStrike" cap="none"/>
+                      <a:endParaRPr sz="1400" b="1" u="none" strike="noStrike" cap="none" dirty="0"/>
                     </a:p>
                   </a:txBody>
-                  <a:tcPr marL="91450" marR="91450" marT="45725" marB="45725">
-                    <a:noFill/>
-                  </a:tcPr>
+                  <a:tcPr marL="91450" marR="91450" marT="45725" marB="45725"/>
                 </a:tc>
                 <a:tc>
                   <a:txBody>
@@ -25769,15 +25451,25 @@
                         <a:buNone/>
                       </a:pPr>
                       <a:r>
-                        <a:rPr lang="de"/>
-                        <a:t>Which group do they belong too </a:t>
+                        <a:rPr lang="en-GB" dirty="0"/>
+                        <a:t>Klasse in </a:t>
                       </a:r>
-                      <a:endParaRPr/>
+                      <a:r>
+                        <a:rPr lang="en-GB" dirty="0" err="1"/>
+                        <a:t>ihrer</a:t>
+                      </a:r>
+                      <a:r>
+                        <a:rPr lang="en-GB" dirty="0"/>
+                        <a:t> </a:t>
+                      </a:r>
+                      <a:r>
+                        <a:rPr lang="en-GB" dirty="0" err="1"/>
+                        <a:t>Grundschule</a:t>
+                      </a:r>
+                      <a:endParaRPr dirty="0"/>
                     </a:p>
                   </a:txBody>
-                  <a:tcPr marL="91450" marR="91450" marT="45725" marB="45725">
-                    <a:noFill/>
-                  </a:tcPr>
+                  <a:tcPr marL="91450" marR="91450" marT="45725" marB="45725"/>
                 </a:tc>
                 <a:tc>
                   <a:txBody>
@@ -25803,9 +25495,7 @@
                       <a:endParaRPr sz="1400" b="1" u="none" strike="noStrike" cap="none"/>
                     </a:p>
                   </a:txBody>
-                  <a:tcPr marL="91450" marR="91450" marT="45725" marB="45725">
-                    <a:noFill/>
-                  </a:tcPr>
+                  <a:tcPr marL="91450" marR="91450" marT="45725" marB="45725"/>
                 </a:tc>
                 <a:tc>
                   <a:txBody>
@@ -25822,15 +25512,41 @@
                         <a:buNone/>
                       </a:pPr>
                       <a:r>
-                        <a:rPr lang="de"/>
-                        <a:t>How does he present himself </a:t>
+                        <a:rPr lang="en-GB" dirty="0" err="1"/>
+                        <a:t>Zurückhaltend</a:t>
                       </a:r>
-                      <a:endParaRPr/>
+                      <a:r>
+                        <a:rPr lang="en-GB" dirty="0"/>
+                        <a:t>, </a:t>
+                      </a:r>
+                      <a:r>
+                        <a:rPr lang="en-GB" dirty="0" err="1"/>
+                        <a:t>passt</a:t>
+                      </a:r>
+                      <a:r>
+                        <a:rPr lang="en-GB" dirty="0"/>
+                        <a:t> </a:t>
+                      </a:r>
+                      <a:r>
+                        <a:rPr lang="en-GB" dirty="0" err="1"/>
+                        <a:t>sich</a:t>
+                      </a:r>
+                      <a:r>
+                        <a:rPr lang="en-GB" dirty="0"/>
+                        <a:t> der </a:t>
+                      </a:r>
+                      <a:r>
+                        <a:rPr lang="en-GB" dirty="0" err="1"/>
+                        <a:t>Umgebung</a:t>
+                      </a:r>
+                      <a:r>
+                        <a:rPr lang="en-GB" dirty="0"/>
+                        <a:t> an</a:t>
+                      </a:r>
+                      <a:endParaRPr dirty="0"/>
                     </a:p>
                   </a:txBody>
-                  <a:tcPr marL="91450" marR="91450" marT="45725" marB="45725">
-                    <a:noFill/>
-                  </a:tcPr>
+                  <a:tcPr marL="91450" marR="91450" marT="45725" marB="45725"/>
                 </a:tc>
                 <a:extLst>
                   <a:ext uri="{0D108BD9-81ED-4DB2-BD59-A6C34878D82A}">
@@ -25838,7 +25554,7 @@
                   </a:ext>
                 </a:extLst>
               </a:tr>
-              <a:tr h="829125">
+              <a:tr h="700905">
                 <a:tc>
                   <a:txBody>
                     <a:bodyPr/>
@@ -25863,9 +25579,7 @@
                       <a:endParaRPr/>
                     </a:p>
                   </a:txBody>
-                  <a:tcPr marL="91450" marR="91450" marT="45725" marB="45725">
-                    <a:noFill/>
-                  </a:tcPr>
+                  <a:tcPr marL="91450" marR="91450" marT="45725" marB="45725"/>
                 </a:tc>
                 <a:tc>
                   <a:txBody>
@@ -25882,15 +25596,13 @@
                         <a:buNone/>
                       </a:pPr>
                       <a:r>
-                        <a:rPr lang="de"/>
-                        <a:t>In what do they believe </a:t>
+                        <a:rPr lang="de" dirty="0"/>
+                        <a:t>Weihnachtsmann, Osterhase</a:t>
                       </a:r>
-                      <a:endParaRPr/>
+                      <a:endParaRPr dirty="0"/>
                     </a:p>
                   </a:txBody>
-                  <a:tcPr marL="91450" marR="91450" marT="45725" marB="45725">
-                    <a:noFill/>
-                  </a:tcPr>
+                  <a:tcPr marL="91450" marR="91450" marT="45725" marB="45725"/>
                 </a:tc>
                 <a:tc>
                   <a:txBody>
@@ -25916,9 +25628,7 @@
                       <a:endParaRPr sz="1400" b="1" u="none" strike="noStrike" cap="none"/>
                     </a:p>
                   </a:txBody>
-                  <a:tcPr marL="91450" marR="91450" marT="45725" marB="45725">
-                    <a:noFill/>
-                  </a:tcPr>
+                  <a:tcPr marL="91450" marR="91450" marT="45725" marB="45725"/>
                 </a:tc>
                 <a:tc>
                   <a:txBody>
@@ -25935,15 +25645,17 @@
                         <a:buNone/>
                       </a:pPr>
                       <a:r>
-                        <a:rPr lang="de"/>
-                        <a:t>What do they prefer</a:t>
+                        <a:rPr lang="en-GB" dirty="0" err="1"/>
+                        <a:t>Farbenfrohe</a:t>
                       </a:r>
-                      <a:endParaRPr/>
+                      <a:r>
+                        <a:rPr lang="en-GB" dirty="0"/>
+                        <a:t> Dinge, Sterne</a:t>
+                      </a:r>
+                      <a:endParaRPr dirty="0"/>
                     </a:p>
                   </a:txBody>
-                  <a:tcPr marL="91450" marR="91450" marT="45725" marB="45725">
-                    <a:noFill/>
-                  </a:tcPr>
+                  <a:tcPr marL="91450" marR="91450" marT="45725" marB="45725"/>
                 </a:tc>
                 <a:extLst>
                   <a:ext uri="{0D108BD9-81ED-4DB2-BD59-A6C34878D82A}">
@@ -25951,7 +25663,7 @@
                   </a:ext>
                 </a:extLst>
               </a:tr>
-              <a:tr h="829125">
+              <a:tr h="700905">
                 <a:tc>
                   <a:txBody>
                     <a:bodyPr/>
@@ -25976,9 +25688,7 @@
                       <a:endParaRPr/>
                     </a:p>
                   </a:txBody>
-                  <a:tcPr marL="91450" marR="91450" marT="45725" marB="45725">
-                    <a:noFill/>
-                  </a:tcPr>
+                  <a:tcPr marL="91450" marR="91450" marT="45725" marB="45725"/>
                 </a:tc>
                 <a:tc>
                   <a:txBody>
@@ -25995,15 +25705,21 @@
                         <a:buNone/>
                       </a:pPr>
                       <a:r>
-                        <a:rPr lang="de"/>
-                        <a:t>How does he enrich the world</a:t>
+                        <a:rPr lang="en-GB">
+                          <a:solidFill>
+                            <a:schemeClr val="tx1"/>
+                          </a:solidFill>
+                        </a:rPr>
+                        <a:t>Puppy Eyes.</a:t>
                       </a:r>
-                      <a:endParaRPr/>
+                      <a:endParaRPr dirty="0">
+                        <a:solidFill>
+                          <a:schemeClr val="tx1"/>
+                        </a:solidFill>
+                      </a:endParaRPr>
                     </a:p>
                   </a:txBody>
-                  <a:tcPr marL="91450" marR="91450" marT="45725" marB="45725">
-                    <a:noFill/>
-                  </a:tcPr>
+                  <a:tcPr marL="91450" marR="91450" marT="45725" marB="45725"/>
                 </a:tc>
                 <a:tc>
                   <a:txBody>
@@ -26029,9 +25745,7 @@
                       <a:endParaRPr sz="1400" b="1" u="none" strike="noStrike" cap="none"/>
                     </a:p>
                   </a:txBody>
-                  <a:tcPr marL="91450" marR="91450" marT="45725" marB="45725">
-                    <a:noFill/>
-                  </a:tcPr>
+                  <a:tcPr marL="91450" marR="91450" marT="45725" marB="45725"/>
                 </a:tc>
                 <a:tc>
                   <a:txBody>
@@ -26048,15 +25762,25 @@
                         <a:buNone/>
                       </a:pPr>
                       <a:r>
-                        <a:rPr lang="de"/>
-                        <a:t>The most hurtful situation </a:t>
+                        <a:rPr lang="en-GB" dirty="0" err="1"/>
+                        <a:t>Krankheitsdiagnose</a:t>
                       </a:r>
-                      <a:endParaRPr/>
+                      <a:r>
+                        <a:rPr lang="en-GB" dirty="0"/>
+                        <a:t> </a:t>
+                      </a:r>
+                      <a:r>
+                        <a:rPr lang="en-GB" dirty="0" err="1"/>
+                        <a:t>ihrer</a:t>
+                      </a:r>
+                      <a:r>
+                        <a:rPr lang="en-GB" dirty="0"/>
+                        <a:t> Mutter</a:t>
+                      </a:r>
+                      <a:endParaRPr dirty="0"/>
                     </a:p>
                   </a:txBody>
-                  <a:tcPr marL="91450" marR="91450" marT="45725" marB="45725">
-                    <a:noFill/>
-                  </a:tcPr>
+                  <a:tcPr marL="91450" marR="91450" marT="45725" marB="45725"/>
                 </a:tc>
                 <a:extLst>
                   <a:ext uri="{0D108BD9-81ED-4DB2-BD59-A6C34878D82A}">
@@ -26064,7 +25788,7 @@
                   </a:ext>
                 </a:extLst>
               </a:tr>
-              <a:tr h="829125">
+              <a:tr h="700905">
                 <a:tc>
                   <a:txBody>
                     <a:bodyPr/>
@@ -26089,9 +25813,7 @@
                       <a:endParaRPr sz="1400" b="1" u="none" strike="noStrike" cap="none"/>
                     </a:p>
                   </a:txBody>
-                  <a:tcPr marL="91450" marR="91450" marT="45725" marB="45725">
-                    <a:noFill/>
-                  </a:tcPr>
+                  <a:tcPr marL="91450" marR="91450" marT="45725" marB="45725"/>
                 </a:tc>
                 <a:tc>
                   <a:txBody>
@@ -26111,15 +25833,13 @@
                         <a:buNone/>
                       </a:pPr>
                       <a:r>
-                        <a:rPr lang="de" sz="1100"/>
-                        <a:t>Give them a cool but very dumb quirk</a:t>
+                        <a:rPr lang="de" sz="1100" u="none" strike="noStrike" cap="none" dirty="0"/>
+                        <a:t>Kommuniziert und bonded äußerst gut mit ihren Kaninchen (Haustier)</a:t>
                       </a:r>
-                      <a:endParaRPr sz="1100" u="none" strike="noStrike" cap="none"/>
+                      <a:endParaRPr sz="1100" u="none" strike="noStrike" cap="none" dirty="0"/>
                     </a:p>
                   </a:txBody>
-                  <a:tcPr marL="91450" marR="91450" marT="45725" marB="45725">
-                    <a:noFill/>
-                  </a:tcPr>
+                  <a:tcPr marL="91450" marR="91450" marT="45725" marB="45725"/>
                 </a:tc>
                 <a:tc>
                   <a:txBody>
@@ -26141,9 +25861,7 @@
                       <a:endParaRPr sz="1400" b="1" u="none" strike="noStrike" cap="none"/>
                     </a:p>
                   </a:txBody>
-                  <a:tcPr marL="91450" marR="91450" marT="45725" marB="45725">
-                    <a:noFill/>
-                  </a:tcPr>
+                  <a:tcPr marL="91450" marR="91450" marT="45725" marB="45725"/>
                 </a:tc>
                 <a:tc>
                   <a:txBody>
@@ -26165,9 +25883,7 @@
                       <a:endParaRPr sz="1100" u="none" strike="noStrike" cap="none" dirty="0"/>
                     </a:p>
                   </a:txBody>
-                  <a:tcPr marL="91450" marR="91450" marT="45725" marB="45725">
-                    <a:noFill/>
-                  </a:tcPr>
+                  <a:tcPr marL="91450" marR="91450" marT="45725" marB="45725"/>
                 </a:tc>
                 <a:extLst>
                   <a:ext uri="{0D108BD9-81ED-4DB2-BD59-A6C34878D82A}">
@@ -26213,7 +25929,7 @@
         <p:spPr>
           <a:xfrm>
             <a:off x="22124" y="703635"/>
-            <a:ext cx="9122100" cy="3879000"/>
+            <a:ext cx="9122100" cy="5098288"/>
           </a:xfrm>
           <a:prstGeom prst="rect">
             <a:avLst/>
@@ -26247,7 +25963,7 @@
               <a:buNone/>
             </a:pPr>
             <a:r>
-              <a:rPr lang="de" sz="1800" b="1" i="0" u="none" strike="noStrike" cap="none">
+              <a:rPr lang="de" sz="1800" b="1" i="0" u="none" strike="noStrike" cap="none" dirty="0">
                 <a:solidFill>
                   <a:srgbClr val="FF0000"/>
                 </a:solidFill>
@@ -26258,7 +25974,19 @@
               </a:rPr>
               <a:t>Name: </a:t>
             </a:r>
-            <a:endParaRPr sz="1100" b="0" i="0" u="none" strike="noStrike" cap="none">
+            <a:r>
+              <a:rPr lang="de" sz="1800" b="1" i="0" u="none" strike="noStrike" cap="none" dirty="0">
+                <a:solidFill>
+                  <a:schemeClr val="tx1"/>
+                </a:solidFill>
+                <a:latin typeface="Calibri"/>
+                <a:ea typeface="Calibri"/>
+                <a:cs typeface="Calibri"/>
+                <a:sym typeface="Calibri"/>
+              </a:rPr>
+              <a:t>Mila Haas</a:t>
+            </a:r>
+            <a:endParaRPr sz="1100" b="0" i="0" u="none" strike="noStrike" cap="none" dirty="0">
               <a:solidFill>
                 <a:schemeClr val="dk1"/>
               </a:solidFill>
@@ -26287,7 +26015,7 @@
               <a:buNone/>
             </a:pPr>
             <a:r>
-              <a:rPr lang="de" sz="1800" b="1" i="0" u="none" strike="noStrike" cap="none">
+              <a:rPr lang="de" sz="1800" b="1" i="0" u="none" strike="noStrike" cap="none" dirty="0">
                 <a:solidFill>
                   <a:srgbClr val="FF0000"/>
                 </a:solidFill>
@@ -26298,7 +26026,71 @@
               </a:rPr>
               <a:t>Gender: </a:t>
             </a:r>
-            <a:endParaRPr sz="1800" b="1" i="0" u="none" strike="noStrike" cap="none">
+            <a:r>
+              <a:rPr lang="de" sz="1800" b="1" i="0" u="none" strike="noStrike" cap="none" dirty="0">
+                <a:solidFill>
+                  <a:schemeClr val="tx1"/>
+                </a:solidFill>
+                <a:latin typeface="Calibri"/>
+                <a:ea typeface="Calibri"/>
+                <a:cs typeface="Calibri"/>
+                <a:sym typeface="Calibri"/>
+              </a:rPr>
+              <a:t>female</a:t>
+            </a:r>
+            <a:endParaRPr sz="1800" b="1" i="0" u="none" strike="noStrike" cap="none" dirty="0">
+              <a:solidFill>
+                <a:schemeClr val="tx1"/>
+              </a:solidFill>
+              <a:latin typeface="Calibri"/>
+              <a:ea typeface="Calibri"/>
+              <a:cs typeface="Calibri"/>
+              <a:sym typeface="Calibri"/>
+            </a:endParaRPr>
+          </a:p>
+          <a:p>
+            <a:pPr marL="0" marR="0" lvl="0" indent="0" algn="l" rtl="0">
+              <a:lnSpc>
+                <a:spcPct val="115000"/>
+              </a:lnSpc>
+              <a:spcBef>
+                <a:spcPts val="0"/>
+              </a:spcBef>
+              <a:spcAft>
+                <a:spcPts val="0"/>
+              </a:spcAft>
+              <a:buClr>
+                <a:srgbClr val="000000"/>
+              </a:buClr>
+              <a:buSzPts val="1800"/>
+              <a:buFont typeface="Arial"/>
+              <a:buNone/>
+            </a:pPr>
+            <a:r>
+              <a:rPr lang="de" sz="1800" b="1" i="0" u="none" strike="noStrike" cap="none" dirty="0">
+                <a:solidFill>
+                  <a:srgbClr val="FF0000"/>
+                </a:solidFill>
+                <a:latin typeface="Calibri"/>
+                <a:ea typeface="Calibri"/>
+                <a:cs typeface="Calibri"/>
+                <a:sym typeface="Calibri"/>
+              </a:rPr>
+              <a:t>Age: </a:t>
+            </a:r>
+            <a:r>
+              <a:rPr lang="de" sz="1800" b="1" i="0" u="none" strike="noStrike" cap="none" dirty="0">
+                <a:solidFill>
+                  <a:schemeClr val="tx1"/>
+                </a:solidFill>
+                <a:latin typeface="Calibri"/>
+                <a:ea typeface="Calibri"/>
+                <a:cs typeface="Calibri"/>
+                <a:sym typeface="Calibri"/>
+              </a:rPr>
+              <a:t>8 yrs</a:t>
+            </a:r>
+            <a:endParaRPr sz="1800" b="1" i="0" u="none" strike="noStrike" cap="none" dirty="0">
               <a:solidFill>
                 <a:schemeClr val="dk1"/>
               </a:solidFill>
@@ -26327,7 +26119,7 @@
               <a:buNone/>
             </a:pPr>
             <a:r>
-              <a:rPr lang="de" sz="1800" b="1" i="0" u="none" strike="noStrike" cap="none">
+              <a:rPr lang="de" sz="1800" b="1" i="0" u="none" strike="noStrike" cap="none" dirty="0">
                 <a:solidFill>
                   <a:srgbClr val="FF0000"/>
                 </a:solidFill>
@@ -26336,11 +26128,23 @@
                 <a:cs typeface="Calibri"/>
                 <a:sym typeface="Calibri"/>
               </a:rPr>
-              <a:t>Age: </a:t>
+              <a:t>Personality: </a:t>
             </a:r>
-            <a:endParaRPr sz="1800" b="1" i="0" u="none" strike="noStrike" cap="none">
+            <a:r>
+              <a:rPr lang="de" sz="1800" b="1" i="0" u="none" strike="noStrike" cap="none" dirty="0">
+                <a:solidFill>
+                  <a:schemeClr val="tx1"/>
+                </a:solidFill>
+                <a:latin typeface="Calibri"/>
+                <a:ea typeface="Calibri"/>
+                <a:cs typeface="Calibri"/>
+                <a:sym typeface="Calibri"/>
+              </a:rPr>
+              <a:t>Explorer</a:t>
+            </a:r>
+            <a:endParaRPr sz="1800" b="1" i="0" u="none" strike="noStrike" cap="none" dirty="0">
               <a:solidFill>
-                <a:schemeClr val="dk1"/>
+                <a:schemeClr val="tx1"/>
               </a:solidFill>
               <a:latin typeface="Calibri"/>
               <a:ea typeface="Calibri"/>
@@ -26360,14 +26164,14 @@
                 <a:spcPts val="0"/>
               </a:spcAft>
               <a:buClr>
-                <a:srgbClr val="000000"/>
+                <a:schemeClr val="dk1"/>
               </a:buClr>
               <a:buSzPts val="1800"/>
               <a:buFont typeface="Arial"/>
               <a:buNone/>
             </a:pPr>
             <a:r>
-              <a:rPr lang="de" sz="1800" b="1" i="0" u="none" strike="noStrike" cap="none">
+              <a:rPr lang="de" sz="1800" b="1" i="0" u="none" strike="noStrike" cap="none" dirty="0">
                 <a:solidFill>
                   <a:srgbClr val="FF0000"/>
                 </a:solidFill>
@@ -26376,11 +26180,23 @@
                 <a:cs typeface="Calibri"/>
                 <a:sym typeface="Calibri"/>
               </a:rPr>
-              <a:t>Personality: </a:t>
+              <a:t>Alignment: </a:t>
             </a:r>
-            <a:endParaRPr sz="1800" b="1" i="0" u="none" strike="noStrike" cap="none">
+            <a:r>
+              <a:rPr lang="de" sz="1800" b="1" i="0" u="none" strike="noStrike" cap="none" dirty="0">
+                <a:solidFill>
+                  <a:schemeClr val="tx1"/>
+                </a:solidFill>
+                <a:latin typeface="Calibri"/>
+                <a:ea typeface="Calibri"/>
+                <a:cs typeface="Calibri"/>
+                <a:sym typeface="Calibri"/>
+              </a:rPr>
+              <a:t>Neutral Good</a:t>
+            </a:r>
+            <a:endParaRPr sz="1800" b="1" i="0" u="none" strike="noStrike" cap="none" dirty="0">
               <a:solidFill>
-                <a:schemeClr val="dk1"/>
+                <a:schemeClr val="tx1"/>
               </a:solidFill>
               <a:latin typeface="Calibri"/>
               <a:ea typeface="Calibri"/>
@@ -26407,47 +26223,7 @@
               <a:buNone/>
             </a:pPr>
             <a:r>
-              <a:rPr lang="de" sz="1800" b="1" i="0" u="none" strike="noStrike" cap="none">
-                <a:solidFill>
-                  <a:srgbClr val="FF0000"/>
-                </a:solidFill>
-                <a:latin typeface="Calibri"/>
-                <a:ea typeface="Calibri"/>
-                <a:cs typeface="Calibri"/>
-                <a:sym typeface="Calibri"/>
-              </a:rPr>
-              <a:t>Alignment: </a:t>
-            </a:r>
-            <a:endParaRPr sz="1800" b="1" i="0" u="none" strike="noStrike" cap="none">
-              <a:solidFill>
-                <a:schemeClr val="dk1"/>
-              </a:solidFill>
-              <a:latin typeface="Calibri"/>
-              <a:ea typeface="Calibri"/>
-              <a:cs typeface="Calibri"/>
-              <a:sym typeface="Calibri"/>
-            </a:endParaRPr>
-          </a:p>
-          <a:p>
-            <a:pPr marL="0" marR="0" lvl="0" indent="0" algn="l" rtl="0">
-              <a:lnSpc>
-                <a:spcPct val="115000"/>
-              </a:lnSpc>
-              <a:spcBef>
-                <a:spcPts val="0"/>
-              </a:spcBef>
-              <a:spcAft>
-                <a:spcPts val="0"/>
-              </a:spcAft>
-              <a:buClr>
-                <a:schemeClr val="dk1"/>
-              </a:buClr>
-              <a:buSzPts val="1800"/>
-              <a:buFont typeface="Arial"/>
-              <a:buNone/>
-            </a:pPr>
-            <a:r>
-              <a:rPr lang="de" sz="1800" b="1" i="0" u="none" strike="noStrike" cap="none">
+              <a:rPr lang="de" sz="1800" b="1" i="0" u="none" strike="noStrike" cap="none" dirty="0">
                 <a:solidFill>
                   <a:srgbClr val="FF0000"/>
                 </a:solidFill>
@@ -26458,7 +26234,19 @@
               </a:rPr>
               <a:t>Occupation: </a:t>
             </a:r>
-            <a:endParaRPr sz="1800" b="1" i="0" u="none" strike="noStrike" cap="none">
+            <a:r>
+              <a:rPr lang="de" sz="1800" b="1" i="0" u="none" strike="noStrike" cap="none" dirty="0">
+                <a:solidFill>
+                  <a:schemeClr val="tx1"/>
+                </a:solidFill>
+                <a:latin typeface="Calibri"/>
+                <a:ea typeface="Calibri"/>
+                <a:cs typeface="Calibri"/>
+                <a:sym typeface="Calibri"/>
+              </a:rPr>
+              <a:t>Preschool</a:t>
+            </a:r>
+            <a:endParaRPr lang="en-DE" sz="1800" b="1" i="0" u="none" strike="noStrike" cap="none" dirty="0">
               <a:solidFill>
                 <a:srgbClr val="FF0000"/>
               </a:solidFill>
@@ -26474,116 +26262,20 @@
                 <a:spcPct val="115000"/>
               </a:lnSpc>
               <a:spcBef>
-                <a:spcPts val="0"/>
-              </a:spcBef>
-              <a:spcAft>
-                <a:spcPts val="0"/>
-              </a:spcAft>
-              <a:buClr>
-                <a:srgbClr val="000000"/>
-              </a:buClr>
-              <a:buSzPts val="1800"/>
-              <a:buFont typeface="Arial"/>
-              <a:buNone/>
-            </a:pPr>
-            <a:endParaRPr sz="1800" b="1" i="0" u="none" strike="noStrike" cap="none">
-              <a:solidFill>
-                <a:srgbClr val="FF0000"/>
-              </a:solidFill>
-              <a:latin typeface="Calibri"/>
-              <a:ea typeface="Calibri"/>
-              <a:cs typeface="Calibri"/>
-              <a:sym typeface="Calibri"/>
-            </a:endParaRPr>
-          </a:p>
-          <a:p>
-            <a:pPr marL="0" marR="0" lvl="0" indent="0" algn="l" rtl="0">
-              <a:lnSpc>
-                <a:spcPct val="115000"/>
-              </a:lnSpc>
-              <a:spcBef>
-                <a:spcPts val="0"/>
-              </a:spcBef>
-              <a:spcAft>
-                <a:spcPts val="0"/>
-              </a:spcAft>
-              <a:buClr>
-                <a:srgbClr val="000000"/>
-              </a:buClr>
-              <a:buSzPts val="1800"/>
+                <a:spcPts val="900"/>
+              </a:spcBef>
+              <a:spcAft>
+                <a:spcPts val="0"/>
+              </a:spcAft>
+              <a:buClr>
+                <a:schemeClr val="dk1"/>
+              </a:buClr>
+              <a:buSzPts val="800"/>
               <a:buFont typeface="Arial"/>
               <a:buNone/>
             </a:pPr>
             <a:r>
-              <a:rPr lang="de" sz="1800" b="0" i="0" u="none" strike="noStrike" cap="none">
-                <a:solidFill>
-                  <a:srgbClr val="FF0000"/>
-                </a:solidFill>
-                <a:latin typeface="Calibri"/>
-                <a:ea typeface="Calibri"/>
-                <a:cs typeface="Calibri"/>
-                <a:sym typeface="Calibri"/>
-              </a:rPr>
-              <a:t> </a:t>
-            </a:r>
-            <a:endParaRPr sz="1800" b="0" i="0" u="none" strike="noStrike" cap="none">
-              <a:solidFill>
-                <a:srgbClr val="FF0000"/>
-              </a:solidFill>
-              <a:latin typeface="Calibri"/>
-              <a:ea typeface="Calibri"/>
-              <a:cs typeface="Calibri"/>
-              <a:sym typeface="Calibri"/>
-            </a:endParaRPr>
-          </a:p>
-          <a:p>
-            <a:pPr marL="0" marR="0" lvl="0" indent="0" algn="l" rtl="0">
-              <a:lnSpc>
-                <a:spcPct val="115000"/>
-              </a:lnSpc>
-              <a:spcBef>
-                <a:spcPts val="0"/>
-              </a:spcBef>
-              <a:spcAft>
-                <a:spcPts val="0"/>
-              </a:spcAft>
-              <a:buClr>
-                <a:srgbClr val="000000"/>
-              </a:buClr>
-              <a:buSzPts val="1800"/>
-              <a:buFont typeface="Arial"/>
-              <a:buNone/>
-            </a:pPr>
-            <a:endParaRPr sz="1800" b="1" i="0" u="none" strike="noStrike" cap="none">
-              <a:solidFill>
-                <a:srgbClr val="FF0000"/>
-              </a:solidFill>
-              <a:latin typeface="Calibri"/>
-              <a:ea typeface="Calibri"/>
-              <a:cs typeface="Calibri"/>
-              <a:sym typeface="Calibri"/>
-            </a:endParaRPr>
-          </a:p>
-          <a:p>
-            <a:pPr marL="0" marR="0" lvl="0" indent="0" algn="l" rtl="0">
-              <a:lnSpc>
-                <a:spcPct val="115000"/>
-              </a:lnSpc>
-              <a:spcBef>
-                <a:spcPts val="900"/>
-              </a:spcBef>
-              <a:spcAft>
-                <a:spcPts val="0"/>
-              </a:spcAft>
-              <a:buClr>
-                <a:schemeClr val="dk1"/>
-              </a:buClr>
-              <a:buSzPts val="800"/>
-              <a:buFont typeface="Arial"/>
-              <a:buNone/>
-            </a:pPr>
-            <a:r>
-              <a:rPr lang="de" sz="1800" b="1" i="0" u="none" strike="noStrike" cap="none">
+              <a:rPr lang="en-GB" sz="1800" b="1" i="0" u="none" strike="noStrike" cap="none" dirty="0">
                 <a:solidFill>
                   <a:srgbClr val="FF0000"/>
                 </a:solidFill>
@@ -26594,9 +26286,512 @@
               </a:rPr>
               <a:t>Describe the past, the what and the now shortly</a:t>
             </a:r>
-            <a:endParaRPr sz="1800" b="1" i="0" u="none" strike="noStrike" cap="none">
+          </a:p>
+          <a:p>
+            <a:pPr marL="285750" marR="0" lvl="0" indent="-285750" algn="l" rtl="0">
+              <a:lnSpc>
+                <a:spcPct val="115000"/>
+              </a:lnSpc>
+              <a:spcBef>
+                <a:spcPts val="900"/>
+              </a:spcBef>
+              <a:spcAft>
+                <a:spcPts val="0"/>
+              </a:spcAft>
+              <a:buClr>
+                <a:schemeClr val="dk1"/>
+              </a:buClr>
+              <a:buSzPts val="800"/>
+              <a:buFontTx/>
+              <a:buChar char="-"/>
+            </a:pPr>
+            <a:r>
+              <a:rPr lang="en-GB" b="1" i="0" u="none" strike="noStrike" cap="none" dirty="0" err="1">
+                <a:solidFill>
+                  <a:schemeClr val="tx1"/>
+                </a:solidFill>
+                <a:latin typeface="Arial"/>
+                <a:ea typeface="Arial"/>
+                <a:cs typeface="Arial"/>
+                <a:sym typeface="Arial"/>
+              </a:rPr>
+              <a:t>junge</a:t>
+            </a:r>
+            <a:r>
+              <a:rPr lang="en-GB" b="1" i="0" u="none" strike="noStrike" cap="none" dirty="0">
+                <a:solidFill>
+                  <a:schemeClr val="tx1"/>
+                </a:solidFill>
+                <a:latin typeface="Arial"/>
+                <a:ea typeface="Arial"/>
+                <a:cs typeface="Arial"/>
+                <a:sym typeface="Arial"/>
+              </a:rPr>
+              <a:t>, </a:t>
+            </a:r>
+            <a:r>
+              <a:rPr lang="en-GB" b="1" i="0" u="none" strike="noStrike" cap="none" dirty="0" err="1">
+                <a:solidFill>
+                  <a:schemeClr val="tx1"/>
+                </a:solidFill>
+                <a:latin typeface="Arial"/>
+                <a:ea typeface="Arial"/>
+                <a:cs typeface="Arial"/>
+                <a:sym typeface="Arial"/>
+              </a:rPr>
+              <a:t>ambitionierte</a:t>
+            </a:r>
+            <a:r>
+              <a:rPr lang="en-GB" b="1" i="0" u="none" strike="noStrike" cap="none" dirty="0">
+                <a:solidFill>
+                  <a:schemeClr val="tx1"/>
+                </a:solidFill>
+                <a:latin typeface="Arial"/>
+                <a:ea typeface="Arial"/>
+                <a:cs typeface="Arial"/>
+                <a:sym typeface="Arial"/>
+              </a:rPr>
+              <a:t> </a:t>
+            </a:r>
+            <a:r>
+              <a:rPr lang="en-GB" b="1" i="0" u="none" strike="noStrike" cap="none" dirty="0" err="1">
+                <a:solidFill>
+                  <a:schemeClr val="tx1"/>
+                </a:solidFill>
+                <a:latin typeface="Arial"/>
+                <a:ea typeface="Arial"/>
+                <a:cs typeface="Arial"/>
+                <a:sym typeface="Arial"/>
+              </a:rPr>
+              <a:t>Schülerin</a:t>
+            </a:r>
+            <a:r>
+              <a:rPr lang="en-GB" b="1" i="0" u="none" strike="noStrike" cap="none" dirty="0">
+                <a:solidFill>
+                  <a:schemeClr val="tx1"/>
+                </a:solidFill>
+                <a:latin typeface="Arial"/>
+                <a:ea typeface="Arial"/>
+                <a:cs typeface="Arial"/>
+                <a:sym typeface="Arial"/>
+              </a:rPr>
+              <a:t>, die </a:t>
+            </a:r>
+            <a:r>
+              <a:rPr lang="en-GB" b="1" i="0" u="none" strike="noStrike" cap="none" dirty="0" err="1">
+                <a:solidFill>
+                  <a:schemeClr val="tx1"/>
+                </a:solidFill>
+                <a:latin typeface="Arial"/>
+                <a:ea typeface="Arial"/>
+                <a:cs typeface="Arial"/>
+                <a:sym typeface="Arial"/>
+              </a:rPr>
+              <a:t>seit</a:t>
+            </a:r>
+            <a:r>
+              <a:rPr lang="en-GB" b="1" i="0" u="none" strike="noStrike" cap="none" dirty="0">
+                <a:solidFill>
+                  <a:schemeClr val="tx1"/>
+                </a:solidFill>
+                <a:latin typeface="Arial"/>
+                <a:ea typeface="Arial"/>
+                <a:cs typeface="Arial"/>
+                <a:sym typeface="Arial"/>
+              </a:rPr>
+              <a:t> </a:t>
+            </a:r>
+            <a:r>
+              <a:rPr lang="en-GB" b="1" i="0" u="none" strike="noStrike" cap="none" dirty="0" err="1">
+                <a:solidFill>
+                  <a:schemeClr val="tx1"/>
+                </a:solidFill>
+                <a:latin typeface="Arial"/>
+                <a:ea typeface="Arial"/>
+                <a:cs typeface="Arial"/>
+                <a:sym typeface="Arial"/>
+              </a:rPr>
+              <a:t>einiger</a:t>
+            </a:r>
+            <a:r>
+              <a:rPr lang="en-GB" b="1" i="0" u="none" strike="noStrike" cap="none" dirty="0">
+                <a:solidFill>
+                  <a:schemeClr val="tx1"/>
+                </a:solidFill>
+                <a:latin typeface="Arial"/>
+                <a:ea typeface="Arial"/>
+                <a:cs typeface="Arial"/>
+                <a:sym typeface="Arial"/>
+              </a:rPr>
+              <a:t> Zeit von </a:t>
+            </a:r>
+            <a:r>
+              <a:rPr lang="en-GB" b="1" i="0" u="none" strike="noStrike" cap="none" dirty="0" err="1">
+                <a:solidFill>
+                  <a:schemeClr val="tx1"/>
+                </a:solidFill>
+                <a:latin typeface="Arial"/>
+                <a:ea typeface="Arial"/>
+                <a:cs typeface="Arial"/>
+                <a:sym typeface="Arial"/>
+              </a:rPr>
+              <a:t>Alpträumen</a:t>
+            </a:r>
+            <a:r>
+              <a:rPr lang="en-GB" b="1" i="0" u="none" strike="noStrike" cap="none" dirty="0">
+                <a:solidFill>
+                  <a:schemeClr val="tx1"/>
+                </a:solidFill>
+                <a:latin typeface="Arial"/>
+                <a:ea typeface="Arial"/>
+                <a:cs typeface="Arial"/>
+                <a:sym typeface="Arial"/>
+              </a:rPr>
+              <a:t> </a:t>
+            </a:r>
+            <a:r>
+              <a:rPr lang="en-GB" b="1" i="0" u="none" strike="noStrike" cap="none" dirty="0" err="1">
+                <a:solidFill>
+                  <a:schemeClr val="tx1"/>
+                </a:solidFill>
+                <a:latin typeface="Arial"/>
+                <a:ea typeface="Arial"/>
+                <a:cs typeface="Arial"/>
+                <a:sym typeface="Arial"/>
+              </a:rPr>
+              <a:t>geplagt</a:t>
+            </a:r>
+            <a:r>
+              <a:rPr lang="en-GB" b="1" i="0" u="none" strike="noStrike" cap="none" dirty="0">
+                <a:solidFill>
+                  <a:schemeClr val="tx1"/>
+                </a:solidFill>
+                <a:latin typeface="Arial"/>
+                <a:ea typeface="Arial"/>
+                <a:cs typeface="Arial"/>
+                <a:sym typeface="Arial"/>
+              </a:rPr>
+              <a:t> </a:t>
+            </a:r>
+            <a:r>
+              <a:rPr lang="en-GB" b="1" i="0" u="none" strike="noStrike" cap="none" dirty="0" err="1">
+                <a:solidFill>
+                  <a:schemeClr val="tx1"/>
+                </a:solidFill>
+                <a:latin typeface="Arial"/>
+                <a:ea typeface="Arial"/>
+                <a:cs typeface="Arial"/>
+                <a:sym typeface="Arial"/>
+              </a:rPr>
+              <a:t>wird</a:t>
+            </a:r>
+            <a:endParaRPr lang="en-GB" b="1" i="0" u="none" strike="noStrike" cap="none" dirty="0">
               <a:solidFill>
-                <a:srgbClr val="FF0000"/>
+                <a:schemeClr val="tx1"/>
+              </a:solidFill>
+              <a:latin typeface="Arial"/>
+              <a:ea typeface="Arial"/>
+              <a:cs typeface="Arial"/>
+              <a:sym typeface="Arial"/>
+            </a:endParaRPr>
+          </a:p>
+          <a:p>
+            <a:pPr marL="285750" marR="0" lvl="0" indent="-285750" algn="l" rtl="0">
+              <a:lnSpc>
+                <a:spcPct val="115000"/>
+              </a:lnSpc>
+              <a:spcBef>
+                <a:spcPts val="900"/>
+              </a:spcBef>
+              <a:spcAft>
+                <a:spcPts val="0"/>
+              </a:spcAft>
+              <a:buClr>
+                <a:schemeClr val="dk1"/>
+              </a:buClr>
+              <a:buSzPts val="800"/>
+              <a:buFontTx/>
+              <a:buChar char="-"/>
+            </a:pPr>
+            <a:r>
+              <a:rPr lang="en-GB" b="1" dirty="0">
+                <a:solidFill>
+                  <a:schemeClr val="tx1"/>
+                </a:solidFill>
+              </a:rPr>
+              <a:t>Motivation, um </a:t>
+            </a:r>
+            <a:r>
+              <a:rPr lang="en-GB" b="1" dirty="0" err="1">
+                <a:solidFill>
+                  <a:schemeClr val="tx1"/>
+                </a:solidFill>
+              </a:rPr>
+              <a:t>Alpträume</a:t>
+            </a:r>
+            <a:r>
+              <a:rPr lang="en-GB" b="1" dirty="0">
+                <a:solidFill>
+                  <a:schemeClr val="tx1"/>
+                </a:solidFill>
+              </a:rPr>
+              <a:t> </a:t>
+            </a:r>
+            <a:r>
+              <a:rPr lang="en-GB" b="1" dirty="0" err="1">
+                <a:solidFill>
+                  <a:schemeClr val="tx1"/>
+                </a:solidFill>
+              </a:rPr>
+              <a:t>loszuwerden</a:t>
+            </a:r>
+            <a:r>
+              <a:rPr lang="en-GB" b="1" dirty="0">
+                <a:solidFill>
+                  <a:schemeClr val="tx1"/>
+                </a:solidFill>
+              </a:rPr>
+              <a:t>:</a:t>
+            </a:r>
+          </a:p>
+          <a:p>
+            <a:pPr lvl="1">
+              <a:lnSpc>
+                <a:spcPct val="115000"/>
+              </a:lnSpc>
+              <a:spcBef>
+                <a:spcPts val="900"/>
+              </a:spcBef>
+              <a:buClr>
+                <a:schemeClr val="dk1"/>
+              </a:buClr>
+              <a:buSzPts val="800"/>
+            </a:pPr>
+            <a:r>
+              <a:rPr lang="en-GB" b="1" dirty="0">
+                <a:solidFill>
+                  <a:schemeClr val="tx1"/>
+                </a:solidFill>
+              </a:rPr>
+              <a:t>	Angst </a:t>
+            </a:r>
+            <a:r>
+              <a:rPr lang="en-GB" b="1" dirty="0" err="1">
+                <a:solidFill>
+                  <a:schemeClr val="tx1"/>
+                </a:solidFill>
+              </a:rPr>
+              <a:t>vor</a:t>
+            </a:r>
+            <a:r>
+              <a:rPr lang="en-GB" b="1" dirty="0">
+                <a:solidFill>
+                  <a:schemeClr val="tx1"/>
+                </a:solidFill>
+              </a:rPr>
+              <a:t> </a:t>
+            </a:r>
+            <a:r>
+              <a:rPr lang="en-GB" b="1" dirty="0" err="1">
+                <a:solidFill>
+                  <a:schemeClr val="tx1"/>
+                </a:solidFill>
+              </a:rPr>
+              <a:t>Träumen</a:t>
+            </a:r>
+            <a:endParaRPr lang="en-GB" b="1" dirty="0">
+              <a:solidFill>
+                <a:schemeClr val="tx1"/>
+              </a:solidFill>
+            </a:endParaRPr>
+          </a:p>
+          <a:p>
+            <a:pPr lvl="1">
+              <a:lnSpc>
+                <a:spcPct val="115000"/>
+              </a:lnSpc>
+              <a:spcBef>
+                <a:spcPts val="900"/>
+              </a:spcBef>
+              <a:buClr>
+                <a:schemeClr val="dk1"/>
+              </a:buClr>
+              <a:buSzPts val="800"/>
+            </a:pPr>
+            <a:r>
+              <a:rPr lang="en-GB" b="1" dirty="0">
+                <a:solidFill>
+                  <a:schemeClr val="tx1"/>
+                </a:solidFill>
+              </a:rPr>
+              <a:t>	Angst </a:t>
+            </a:r>
+            <a:r>
+              <a:rPr lang="en-GB" b="1" dirty="0" err="1">
+                <a:solidFill>
+                  <a:schemeClr val="tx1"/>
+                </a:solidFill>
+              </a:rPr>
+              <a:t>vor</a:t>
+            </a:r>
+            <a:r>
+              <a:rPr lang="en-GB" b="1" dirty="0">
+                <a:solidFill>
+                  <a:schemeClr val="tx1"/>
+                </a:solidFill>
+              </a:rPr>
+              <a:t> </a:t>
+            </a:r>
+            <a:r>
+              <a:rPr lang="en-GB" b="1" dirty="0" err="1">
+                <a:solidFill>
+                  <a:schemeClr val="tx1"/>
+                </a:solidFill>
+              </a:rPr>
+              <a:t>wenig</a:t>
+            </a:r>
+            <a:r>
+              <a:rPr lang="en-GB" b="1" dirty="0">
+                <a:solidFill>
+                  <a:schemeClr val="tx1"/>
+                </a:solidFill>
+              </a:rPr>
+              <a:t> </a:t>
+            </a:r>
+            <a:r>
+              <a:rPr lang="en-GB" b="1" dirty="0" err="1">
+                <a:solidFill>
+                  <a:schemeClr val="tx1"/>
+                </a:solidFill>
+              </a:rPr>
+              <a:t>Leistungsfähigkeit</a:t>
+            </a:r>
+            <a:r>
+              <a:rPr lang="en-GB" b="1" dirty="0">
+                <a:solidFill>
+                  <a:schemeClr val="tx1"/>
+                </a:solidFill>
+              </a:rPr>
+              <a:t> (</a:t>
+            </a:r>
+            <a:r>
+              <a:rPr lang="en-GB" b="1" dirty="0" err="1">
+                <a:solidFill>
+                  <a:schemeClr val="tx1"/>
+                </a:solidFill>
+              </a:rPr>
+              <a:t>schlechte</a:t>
+            </a:r>
+            <a:r>
+              <a:rPr lang="en-GB" b="1" dirty="0">
+                <a:solidFill>
+                  <a:schemeClr val="tx1"/>
+                </a:solidFill>
+              </a:rPr>
+              <a:t> Noten -&gt; </a:t>
+            </a:r>
+            <a:r>
+              <a:rPr lang="en-GB" b="1" dirty="0" err="1">
+                <a:solidFill>
+                  <a:schemeClr val="tx1"/>
+                </a:solidFill>
+              </a:rPr>
+              <a:t>möchte</a:t>
+            </a:r>
+            <a:r>
+              <a:rPr lang="en-GB" b="1" dirty="0">
+                <a:solidFill>
+                  <a:schemeClr val="tx1"/>
+                </a:solidFill>
+              </a:rPr>
+              <a:t> </a:t>
+            </a:r>
+            <a:r>
+              <a:rPr lang="en-GB" b="1" dirty="0" err="1">
+                <a:solidFill>
+                  <a:schemeClr val="tx1"/>
+                </a:solidFill>
+              </a:rPr>
+              <a:t>Eltern</a:t>
+            </a:r>
+            <a:r>
+              <a:rPr lang="en-GB" b="1" dirty="0">
+                <a:solidFill>
+                  <a:schemeClr val="tx1"/>
+                </a:solidFill>
+              </a:rPr>
+              <a:t> </a:t>
+            </a:r>
+            <a:r>
+              <a:rPr lang="en-GB" b="1" dirty="0" err="1">
+                <a:solidFill>
+                  <a:schemeClr val="tx1"/>
+                </a:solidFill>
+              </a:rPr>
+              <a:t>keine</a:t>
+            </a:r>
+            <a:r>
+              <a:rPr lang="en-GB" b="1" dirty="0">
+                <a:solidFill>
+                  <a:schemeClr val="tx1"/>
+                </a:solidFill>
+              </a:rPr>
+              <a:t> Sorgen </a:t>
+            </a:r>
+            <a:r>
+              <a:rPr lang="en-GB" b="1" dirty="0" err="1">
+                <a:solidFill>
+                  <a:schemeClr val="tx1"/>
+                </a:solidFill>
+              </a:rPr>
+              <a:t>bereiten</a:t>
+            </a:r>
+            <a:r>
+              <a:rPr lang="en-GB" b="1" dirty="0">
+                <a:solidFill>
+                  <a:schemeClr val="tx1"/>
+                </a:solidFill>
+              </a:rPr>
+              <a:t> 	(da </a:t>
+            </a:r>
+            <a:r>
+              <a:rPr lang="en-GB" b="1" dirty="0" err="1">
+                <a:solidFill>
+                  <a:schemeClr val="tx1"/>
+                </a:solidFill>
+              </a:rPr>
+              <a:t>Krankheit</a:t>
+            </a:r>
+            <a:r>
+              <a:rPr lang="en-GB" b="1" dirty="0">
+                <a:solidFill>
+                  <a:schemeClr val="tx1"/>
+                </a:solidFill>
+              </a:rPr>
+              <a:t> von Mutter)</a:t>
+            </a:r>
+          </a:p>
+          <a:p>
+            <a:pPr marL="285750" marR="0" lvl="0" indent="-285750" algn="l" rtl="0">
+              <a:lnSpc>
+                <a:spcPct val="115000"/>
+              </a:lnSpc>
+              <a:spcBef>
+                <a:spcPts val="900"/>
+              </a:spcBef>
+              <a:spcAft>
+                <a:spcPts val="0"/>
+              </a:spcAft>
+              <a:buClr>
+                <a:schemeClr val="dk1"/>
+              </a:buClr>
+              <a:buSzPts val="800"/>
+              <a:buFontTx/>
+              <a:buChar char="-"/>
+            </a:pPr>
+            <a:endParaRPr lang="en-GB" sz="1800" b="1" i="0" u="none" strike="noStrike" cap="none" dirty="0">
+              <a:solidFill>
+                <a:schemeClr val="tx1"/>
               </a:solidFill>
               <a:latin typeface="Arial"/>
               <a:ea typeface="Arial"/>
@@ -26622,7 +26817,7 @@
               <a:buFont typeface="Arial"/>
               <a:buNone/>
             </a:pPr>
-            <a:endParaRPr sz="1800" b="0" i="0" u="none" strike="noStrike" cap="none">
+            <a:endParaRPr lang="en-DE" sz="1800" b="0" i="0" u="none" strike="noStrike" cap="none" dirty="0">
               <a:solidFill>
                 <a:srgbClr val="242424"/>
               </a:solidFill>
@@ -27043,7 +27238,7 @@
         <p:spPr>
           <a:xfrm>
             <a:off x="22124" y="703635"/>
-            <a:ext cx="9122100" cy="3250800"/>
+            <a:ext cx="9122100" cy="4983642"/>
           </a:xfrm>
           <a:prstGeom prst="rect">
             <a:avLst/>
@@ -27076,7 +27271,7 @@
               <a:buFont typeface="Arial"/>
               <a:buNone/>
             </a:pPr>
-            <a:endParaRPr sz="1100" b="0" i="0" u="none" strike="noStrike" cap="none">
+            <a:endParaRPr sz="1100" b="0" i="0" u="none" strike="noStrike" cap="none" dirty="0">
               <a:solidFill>
                 <a:srgbClr val="000000"/>
               </a:solidFill>
@@ -27104,7 +27299,7 @@
               <a:buFont typeface="Arial"/>
               <a:buNone/>
             </a:pPr>
-            <a:endParaRPr sz="1800" b="1" i="0" u="none" strike="noStrike" cap="none">
+            <a:endParaRPr sz="1800" b="1" i="0" u="none" strike="noStrike" cap="none" dirty="0">
               <a:solidFill>
                 <a:srgbClr val="FF0000"/>
               </a:solidFill>
@@ -27132,7 +27327,738 @@
               <a:buFont typeface="Arial"/>
               <a:buNone/>
             </a:pPr>
-            <a:endParaRPr sz="1800" b="1" i="0" u="none" strike="noStrike" cap="none">
+            <a:r>
+              <a:rPr lang="de" sz="1800" b="1" i="0" u="none" strike="noStrike" cap="none" dirty="0">
+                <a:solidFill>
+                  <a:srgbClr val="FF0000"/>
+                </a:solidFill>
+                <a:latin typeface="Arial"/>
+                <a:ea typeface="Arial"/>
+                <a:cs typeface="Arial"/>
+                <a:sym typeface="Arial"/>
+              </a:rPr>
+              <a:t>Describe the past, the what and the now (see the checklist)</a:t>
+            </a:r>
+          </a:p>
+          <a:p>
+            <a:pPr lvl="0">
+              <a:lnSpc>
+                <a:spcPct val="115000"/>
+              </a:lnSpc>
+              <a:spcBef>
+                <a:spcPts val="900"/>
+              </a:spcBef>
+              <a:buClr>
+                <a:schemeClr val="dk1"/>
+              </a:buClr>
+              <a:buSzPts val="800"/>
+            </a:pPr>
+            <a:r>
+              <a:rPr lang="en-GB" sz="1800" b="1" dirty="0">
+                <a:solidFill>
+                  <a:schemeClr val="tx1"/>
+                </a:solidFill>
+              </a:rPr>
+              <a:t>Mila </a:t>
+            </a:r>
+            <a:r>
+              <a:rPr lang="en-GB" sz="1800" b="1" dirty="0" err="1">
+                <a:solidFill>
+                  <a:schemeClr val="tx1"/>
+                </a:solidFill>
+              </a:rPr>
+              <a:t>ist</a:t>
+            </a:r>
+            <a:r>
+              <a:rPr lang="en-GB" sz="1800" b="1" dirty="0">
+                <a:solidFill>
+                  <a:schemeClr val="tx1"/>
+                </a:solidFill>
+              </a:rPr>
+              <a:t> </a:t>
+            </a:r>
+            <a:r>
+              <a:rPr lang="en-GB" sz="1800" b="1" dirty="0" err="1">
+                <a:solidFill>
+                  <a:schemeClr val="tx1"/>
+                </a:solidFill>
+              </a:rPr>
+              <a:t>eine</a:t>
+            </a:r>
+            <a:r>
+              <a:rPr lang="en-GB" sz="1800" b="1" dirty="0">
+                <a:solidFill>
+                  <a:schemeClr val="tx1"/>
+                </a:solidFill>
+              </a:rPr>
+              <a:t> </a:t>
+            </a:r>
+            <a:r>
+              <a:rPr lang="en-GB" sz="1800" b="1" dirty="0" err="1">
+                <a:solidFill>
+                  <a:schemeClr val="tx1"/>
+                </a:solidFill>
+              </a:rPr>
+              <a:t>junge</a:t>
+            </a:r>
+            <a:r>
+              <a:rPr lang="en-GB" sz="1800" b="1" dirty="0">
+                <a:solidFill>
+                  <a:schemeClr val="tx1"/>
+                </a:solidFill>
+              </a:rPr>
+              <a:t> und </a:t>
+            </a:r>
+            <a:r>
+              <a:rPr lang="en-GB" sz="1800" b="1" dirty="0" err="1">
+                <a:solidFill>
+                  <a:schemeClr val="tx1"/>
+                </a:solidFill>
+              </a:rPr>
+              <a:t>ambitionierte</a:t>
+            </a:r>
+            <a:r>
+              <a:rPr lang="en-GB" sz="1800" b="1" dirty="0">
+                <a:solidFill>
+                  <a:schemeClr val="tx1"/>
+                </a:solidFill>
+              </a:rPr>
+              <a:t> </a:t>
+            </a:r>
+            <a:r>
+              <a:rPr lang="en-GB" sz="1800" b="1" dirty="0" err="1">
+                <a:solidFill>
+                  <a:schemeClr val="tx1"/>
+                </a:solidFill>
+              </a:rPr>
+              <a:t>Schülerin</a:t>
+            </a:r>
+            <a:r>
+              <a:rPr lang="en-GB" sz="1800" b="1" dirty="0">
+                <a:solidFill>
+                  <a:schemeClr val="tx1"/>
+                </a:solidFill>
+              </a:rPr>
+              <a:t>, die </a:t>
+            </a:r>
+            <a:r>
+              <a:rPr lang="en-GB" sz="1800" b="1" dirty="0" err="1">
+                <a:solidFill>
+                  <a:schemeClr val="tx1"/>
+                </a:solidFill>
+              </a:rPr>
+              <a:t>jedoch</a:t>
+            </a:r>
+            <a:r>
+              <a:rPr lang="en-GB" sz="1800" b="1" dirty="0">
+                <a:solidFill>
+                  <a:schemeClr val="tx1"/>
+                </a:solidFill>
+              </a:rPr>
+              <a:t> in den </a:t>
+            </a:r>
+            <a:r>
+              <a:rPr lang="en-GB" sz="1800" b="1" dirty="0" err="1">
+                <a:solidFill>
+                  <a:schemeClr val="tx1"/>
+                </a:solidFill>
+              </a:rPr>
+              <a:t>letzten</a:t>
+            </a:r>
+            <a:r>
+              <a:rPr lang="en-GB" sz="1800" b="1" dirty="0">
+                <a:solidFill>
+                  <a:schemeClr val="tx1"/>
+                </a:solidFill>
+              </a:rPr>
+              <a:t> </a:t>
+            </a:r>
+            <a:r>
+              <a:rPr lang="en-GB" sz="1800" b="1" dirty="0" err="1">
+                <a:solidFill>
+                  <a:schemeClr val="tx1"/>
+                </a:solidFill>
+              </a:rPr>
+              <a:t>Monaten</a:t>
+            </a:r>
+            <a:r>
+              <a:rPr lang="en-GB" sz="1800" b="1" dirty="0">
+                <a:solidFill>
+                  <a:schemeClr val="tx1"/>
+                </a:solidFill>
+              </a:rPr>
+              <a:t> </a:t>
+            </a:r>
+            <a:r>
+              <a:rPr lang="en-GB" sz="1800" b="1" dirty="0" err="1">
+                <a:solidFill>
+                  <a:schemeClr val="tx1"/>
+                </a:solidFill>
+              </a:rPr>
+              <a:t>vermehrt</a:t>
+            </a:r>
+            <a:r>
+              <a:rPr lang="en-GB" sz="1800" b="1" dirty="0">
+                <a:solidFill>
+                  <a:schemeClr val="tx1"/>
+                </a:solidFill>
+              </a:rPr>
+              <a:t> </a:t>
+            </a:r>
+            <a:r>
+              <a:rPr lang="en-GB" sz="1800" b="1" dirty="0" err="1">
+                <a:solidFill>
+                  <a:schemeClr val="tx1"/>
+                </a:solidFill>
+              </a:rPr>
+              <a:t>Alpträume</a:t>
+            </a:r>
+            <a:r>
+              <a:rPr lang="en-GB" sz="1800" b="1" dirty="0">
+                <a:solidFill>
+                  <a:schemeClr val="tx1"/>
+                </a:solidFill>
+              </a:rPr>
+              <a:t> </a:t>
+            </a:r>
+            <a:r>
+              <a:rPr lang="en-GB" sz="1800" b="1" dirty="0" err="1">
+                <a:solidFill>
+                  <a:schemeClr val="tx1"/>
+                </a:solidFill>
+              </a:rPr>
+              <a:t>erlebt</a:t>
+            </a:r>
+            <a:r>
+              <a:rPr lang="en-GB" sz="1800" b="1" dirty="0">
+                <a:solidFill>
+                  <a:schemeClr val="tx1"/>
+                </a:solidFill>
+              </a:rPr>
+              <a:t>, </a:t>
+            </a:r>
+            <a:r>
+              <a:rPr lang="en-GB" sz="1800" b="1" dirty="0" err="1">
+                <a:solidFill>
+                  <a:schemeClr val="tx1"/>
+                </a:solidFill>
+              </a:rPr>
+              <a:t>welche</a:t>
+            </a:r>
+            <a:r>
+              <a:rPr lang="en-GB" sz="1800" b="1" dirty="0">
+                <a:solidFill>
+                  <a:schemeClr val="tx1"/>
+                </a:solidFill>
+              </a:rPr>
+              <a:t> </a:t>
+            </a:r>
+            <a:r>
+              <a:rPr lang="en-GB" sz="1800" b="1" dirty="0" err="1">
+                <a:solidFill>
+                  <a:schemeClr val="tx1"/>
+                </a:solidFill>
+              </a:rPr>
+              <a:t>zu</a:t>
+            </a:r>
+            <a:r>
+              <a:rPr lang="en-GB" sz="1800" b="1" dirty="0">
+                <a:solidFill>
+                  <a:schemeClr val="tx1"/>
+                </a:solidFill>
+              </a:rPr>
+              <a:t> </a:t>
+            </a:r>
+            <a:r>
+              <a:rPr lang="en-GB" sz="1800" b="1" dirty="0" err="1">
+                <a:solidFill>
+                  <a:schemeClr val="tx1"/>
+                </a:solidFill>
+              </a:rPr>
+              <a:t>Unsicherheit</a:t>
+            </a:r>
+            <a:r>
+              <a:rPr lang="en-GB" sz="1800" b="1" dirty="0">
+                <a:solidFill>
+                  <a:schemeClr val="tx1"/>
+                </a:solidFill>
+              </a:rPr>
+              <a:t>, </a:t>
+            </a:r>
+            <a:r>
+              <a:rPr lang="en-GB" sz="1800" b="1" dirty="0" err="1">
+                <a:solidFill>
+                  <a:schemeClr val="tx1"/>
+                </a:solidFill>
+              </a:rPr>
+              <a:t>Müdigkeit</a:t>
+            </a:r>
+            <a:r>
+              <a:rPr lang="en-GB" sz="1800" b="1" dirty="0">
+                <a:solidFill>
+                  <a:schemeClr val="tx1"/>
+                </a:solidFill>
+              </a:rPr>
+              <a:t> und </a:t>
+            </a:r>
+            <a:r>
+              <a:rPr lang="en-GB" sz="1800" b="1" dirty="0" err="1">
+                <a:solidFill>
+                  <a:schemeClr val="tx1"/>
+                </a:solidFill>
+              </a:rPr>
+              <a:t>schlechter</a:t>
+            </a:r>
+            <a:r>
+              <a:rPr lang="en-GB" sz="1800" b="1" dirty="0">
+                <a:solidFill>
+                  <a:schemeClr val="tx1"/>
+                </a:solidFill>
+              </a:rPr>
+              <a:t> </a:t>
+            </a:r>
+            <a:r>
+              <a:rPr lang="en-GB" sz="1800" b="1" dirty="0" err="1">
+                <a:solidFill>
+                  <a:schemeClr val="tx1"/>
+                </a:solidFill>
+              </a:rPr>
+              <a:t>Leistungsfähigkeit</a:t>
+            </a:r>
+            <a:r>
+              <a:rPr lang="en-GB" sz="1800" b="1" dirty="0">
+                <a:solidFill>
+                  <a:schemeClr val="tx1"/>
+                </a:solidFill>
+              </a:rPr>
+              <a:t> </a:t>
+            </a:r>
+            <a:r>
+              <a:rPr lang="en-GB" sz="1800" b="1" dirty="0" err="1">
+                <a:solidFill>
+                  <a:schemeClr val="tx1"/>
+                </a:solidFill>
+              </a:rPr>
+              <a:t>führen</a:t>
+            </a:r>
+            <a:r>
+              <a:rPr lang="en-GB" sz="1800" b="1" dirty="0">
+                <a:solidFill>
+                  <a:schemeClr val="tx1"/>
+                </a:solidFill>
+              </a:rPr>
+              <a:t>. Sie hat Angst um </a:t>
+            </a:r>
+            <a:r>
+              <a:rPr lang="en-GB" sz="1800" b="1" dirty="0" err="1">
+                <a:solidFill>
+                  <a:schemeClr val="tx1"/>
+                </a:solidFill>
+              </a:rPr>
+              <a:t>ihre</a:t>
+            </a:r>
+            <a:r>
+              <a:rPr lang="en-GB" sz="1800" b="1" dirty="0">
+                <a:solidFill>
+                  <a:schemeClr val="tx1"/>
+                </a:solidFill>
+              </a:rPr>
+              <a:t> Noten, </a:t>
+            </a:r>
+            <a:r>
+              <a:rPr lang="en-GB" sz="1800" b="1" dirty="0" err="1">
+                <a:solidFill>
+                  <a:schemeClr val="tx1"/>
+                </a:solidFill>
+              </a:rPr>
+              <a:t>aber</a:t>
+            </a:r>
+            <a:r>
+              <a:rPr lang="en-GB" sz="1800" b="1" dirty="0">
+                <a:solidFill>
+                  <a:schemeClr val="tx1"/>
+                </a:solidFill>
+              </a:rPr>
+              <a:t> </a:t>
+            </a:r>
+            <a:r>
+              <a:rPr lang="en-GB" sz="1800" b="1" dirty="0" err="1">
+                <a:solidFill>
+                  <a:schemeClr val="tx1"/>
+                </a:solidFill>
+              </a:rPr>
+              <a:t>auch</a:t>
+            </a:r>
+            <a:r>
+              <a:rPr lang="en-GB" sz="1800" b="1" dirty="0">
+                <a:solidFill>
+                  <a:schemeClr val="tx1"/>
+                </a:solidFill>
+              </a:rPr>
+              <a:t> </a:t>
+            </a:r>
+            <a:r>
+              <a:rPr lang="en-GB" sz="1800" b="1" dirty="0" err="1">
+                <a:solidFill>
+                  <a:schemeClr val="tx1"/>
+                </a:solidFill>
+              </a:rPr>
+              <a:t>generelle</a:t>
+            </a:r>
+            <a:r>
+              <a:rPr lang="en-GB" sz="1800" b="1" dirty="0">
+                <a:solidFill>
+                  <a:schemeClr val="tx1"/>
+                </a:solidFill>
+              </a:rPr>
+              <a:t> Angst </a:t>
+            </a:r>
+            <a:r>
+              <a:rPr lang="en-GB" sz="1800" b="1" dirty="0" err="1">
+                <a:solidFill>
+                  <a:schemeClr val="tx1"/>
+                </a:solidFill>
+              </a:rPr>
+              <a:t>vor</a:t>
+            </a:r>
+            <a:r>
+              <a:rPr lang="en-GB" sz="1800" b="1" dirty="0">
+                <a:solidFill>
+                  <a:schemeClr val="tx1"/>
+                </a:solidFill>
+              </a:rPr>
+              <a:t> </a:t>
+            </a:r>
+            <a:r>
+              <a:rPr lang="en-GB" sz="1800" b="1" dirty="0" err="1">
+                <a:solidFill>
+                  <a:schemeClr val="tx1"/>
+                </a:solidFill>
+              </a:rPr>
+              <a:t>ihren</a:t>
+            </a:r>
+            <a:r>
+              <a:rPr lang="en-GB" sz="1800" b="1" dirty="0">
+                <a:solidFill>
+                  <a:schemeClr val="tx1"/>
+                </a:solidFill>
+              </a:rPr>
+              <a:t> </a:t>
+            </a:r>
+            <a:r>
+              <a:rPr lang="en-GB" sz="1800" b="1" dirty="0" err="1">
+                <a:solidFill>
+                  <a:schemeClr val="tx1"/>
+                </a:solidFill>
+              </a:rPr>
+              <a:t>Träumen</a:t>
+            </a:r>
+            <a:r>
+              <a:rPr lang="en-GB" sz="1800" b="1" dirty="0">
+                <a:solidFill>
+                  <a:schemeClr val="tx1"/>
+                </a:solidFill>
+              </a:rPr>
+              <a:t>. </a:t>
+            </a:r>
+          </a:p>
+          <a:p>
+            <a:pPr lvl="0">
+              <a:lnSpc>
+                <a:spcPct val="115000"/>
+              </a:lnSpc>
+              <a:spcBef>
+                <a:spcPts val="900"/>
+              </a:spcBef>
+              <a:buClr>
+                <a:schemeClr val="dk1"/>
+              </a:buClr>
+              <a:buSzPts val="800"/>
+            </a:pPr>
+            <a:r>
+              <a:rPr lang="en-GB" sz="1800" b="1" dirty="0">
+                <a:solidFill>
+                  <a:schemeClr val="tx1"/>
+                </a:solidFill>
+              </a:rPr>
+              <a:t>Mila </a:t>
+            </a:r>
+            <a:r>
+              <a:rPr lang="en-GB" sz="1800" b="1" dirty="0" err="1">
+                <a:solidFill>
+                  <a:schemeClr val="tx1"/>
+                </a:solidFill>
+              </a:rPr>
+              <a:t>möchte</a:t>
+            </a:r>
+            <a:r>
+              <a:rPr lang="en-GB" sz="1800" b="1" dirty="0">
+                <a:solidFill>
+                  <a:schemeClr val="tx1"/>
+                </a:solidFill>
+              </a:rPr>
+              <a:t> </a:t>
+            </a:r>
+            <a:r>
+              <a:rPr lang="en-GB" sz="1800" b="1" dirty="0" err="1">
+                <a:solidFill>
+                  <a:schemeClr val="tx1"/>
+                </a:solidFill>
+              </a:rPr>
+              <a:t>ihre</a:t>
+            </a:r>
+            <a:r>
+              <a:rPr lang="en-GB" sz="1800" b="1" dirty="0">
+                <a:solidFill>
+                  <a:schemeClr val="tx1"/>
+                </a:solidFill>
+              </a:rPr>
+              <a:t> </a:t>
+            </a:r>
+            <a:r>
+              <a:rPr lang="en-GB" sz="1800" b="1" dirty="0" err="1">
+                <a:solidFill>
+                  <a:schemeClr val="tx1"/>
+                </a:solidFill>
+              </a:rPr>
+              <a:t>Eltern</a:t>
+            </a:r>
+            <a:r>
+              <a:rPr lang="en-GB" sz="1800" b="1" dirty="0">
+                <a:solidFill>
+                  <a:schemeClr val="tx1"/>
+                </a:solidFill>
+              </a:rPr>
+              <a:t> nicht </a:t>
+            </a:r>
+            <a:r>
+              <a:rPr lang="en-GB" sz="1800" b="1" dirty="0" err="1">
+                <a:solidFill>
+                  <a:schemeClr val="tx1"/>
+                </a:solidFill>
+              </a:rPr>
+              <a:t>enttäuschen</a:t>
+            </a:r>
+            <a:r>
+              <a:rPr lang="en-GB" sz="1800" b="1" dirty="0">
+                <a:solidFill>
+                  <a:schemeClr val="tx1"/>
+                </a:solidFill>
+              </a:rPr>
+              <a:t>, da </a:t>
+            </a:r>
+            <a:r>
+              <a:rPr lang="en-GB" sz="1800" b="1" dirty="0" err="1">
+                <a:solidFill>
+                  <a:schemeClr val="tx1"/>
+                </a:solidFill>
+              </a:rPr>
+              <a:t>diese</a:t>
+            </a:r>
+            <a:r>
+              <a:rPr lang="en-GB" sz="1800" b="1" dirty="0">
+                <a:solidFill>
+                  <a:schemeClr val="tx1"/>
+                </a:solidFill>
+              </a:rPr>
+              <a:t> </a:t>
+            </a:r>
+            <a:r>
+              <a:rPr lang="en-GB" sz="1800" b="1" dirty="0" err="1">
+                <a:solidFill>
+                  <a:schemeClr val="tx1"/>
+                </a:solidFill>
+              </a:rPr>
+              <a:t>schon</a:t>
+            </a:r>
+            <a:r>
+              <a:rPr lang="en-GB" sz="1800" b="1" dirty="0">
+                <a:solidFill>
+                  <a:schemeClr val="tx1"/>
+                </a:solidFill>
+              </a:rPr>
+              <a:t> </a:t>
+            </a:r>
+            <a:r>
+              <a:rPr lang="en-GB" sz="1800" b="1" dirty="0" err="1">
+                <a:solidFill>
+                  <a:schemeClr val="tx1"/>
+                </a:solidFill>
+              </a:rPr>
+              <a:t>genug</a:t>
+            </a:r>
+            <a:r>
+              <a:rPr lang="en-GB" sz="1800" b="1" dirty="0">
+                <a:solidFill>
+                  <a:schemeClr val="tx1"/>
+                </a:solidFill>
+              </a:rPr>
+              <a:t> Sorgen </a:t>
+            </a:r>
+            <a:r>
+              <a:rPr lang="en-GB" sz="1800" b="1" dirty="0" err="1">
+                <a:solidFill>
+                  <a:schemeClr val="tx1"/>
+                </a:solidFill>
+              </a:rPr>
+              <a:t>haben</a:t>
+            </a:r>
+            <a:r>
+              <a:rPr lang="en-GB" sz="1800" b="1" dirty="0">
+                <a:solidFill>
+                  <a:schemeClr val="tx1"/>
+                </a:solidFill>
+              </a:rPr>
+              <a:t>, </a:t>
+            </a:r>
+            <a:r>
+              <a:rPr lang="en-GB" sz="1800" b="1" dirty="0" err="1">
+                <a:solidFill>
+                  <a:schemeClr val="tx1"/>
+                </a:solidFill>
+              </a:rPr>
+              <a:t>seit</a:t>
+            </a:r>
+            <a:r>
+              <a:rPr lang="en-GB" sz="1800" b="1" dirty="0">
+                <a:solidFill>
+                  <a:schemeClr val="tx1"/>
+                </a:solidFill>
+              </a:rPr>
+              <a:t> </a:t>
+            </a:r>
+            <a:r>
+              <a:rPr lang="en-GB" sz="1800" b="1" dirty="0" err="1">
+                <a:solidFill>
+                  <a:schemeClr val="tx1"/>
+                </a:solidFill>
+              </a:rPr>
+              <a:t>ihre</a:t>
+            </a:r>
+            <a:r>
+              <a:rPr lang="en-GB" sz="1800" b="1" dirty="0">
+                <a:solidFill>
+                  <a:schemeClr val="tx1"/>
+                </a:solidFill>
+              </a:rPr>
+              <a:t> Mutter </a:t>
+            </a:r>
+            <a:r>
+              <a:rPr lang="en-GB" sz="1800" b="1" dirty="0" err="1">
+                <a:solidFill>
+                  <a:schemeClr val="tx1"/>
+                </a:solidFill>
+              </a:rPr>
+              <a:t>mit</a:t>
+            </a:r>
+            <a:r>
+              <a:rPr lang="en-GB" sz="1800" b="1" dirty="0">
+                <a:solidFill>
+                  <a:schemeClr val="tx1"/>
+                </a:solidFill>
+              </a:rPr>
+              <a:t> </a:t>
+            </a:r>
+            <a:r>
+              <a:rPr lang="en-GB" sz="1800" b="1" dirty="0" err="1">
+                <a:solidFill>
+                  <a:schemeClr val="tx1"/>
+                </a:solidFill>
+              </a:rPr>
+              <a:t>einer</a:t>
+            </a:r>
+            <a:r>
+              <a:rPr lang="en-GB" sz="1800" b="1" dirty="0">
+                <a:solidFill>
+                  <a:schemeClr val="tx1"/>
+                </a:solidFill>
+              </a:rPr>
+              <a:t> </a:t>
+            </a:r>
+            <a:r>
+              <a:rPr lang="en-GB" sz="1800" b="1" dirty="0" err="1">
+                <a:solidFill>
+                  <a:schemeClr val="tx1"/>
+                </a:solidFill>
+              </a:rPr>
+              <a:t>schweren</a:t>
+            </a:r>
+            <a:r>
+              <a:rPr lang="en-GB" sz="1800" b="1" dirty="0">
+                <a:solidFill>
+                  <a:schemeClr val="tx1"/>
+                </a:solidFill>
+              </a:rPr>
+              <a:t> </a:t>
+            </a:r>
+            <a:r>
+              <a:rPr lang="en-GB" sz="1800" b="1" dirty="0" err="1">
+                <a:solidFill>
+                  <a:schemeClr val="tx1"/>
+                </a:solidFill>
+              </a:rPr>
+              <a:t>Krankheit</a:t>
+            </a:r>
+            <a:r>
+              <a:rPr lang="en-GB" sz="1800" b="1" dirty="0">
+                <a:solidFill>
+                  <a:schemeClr val="tx1"/>
+                </a:solidFill>
+              </a:rPr>
+              <a:t> </a:t>
+            </a:r>
+            <a:r>
+              <a:rPr lang="en-GB" sz="1800" b="1" dirty="0" err="1">
+                <a:solidFill>
+                  <a:schemeClr val="tx1"/>
+                </a:solidFill>
+              </a:rPr>
+              <a:t>diagnostiziert</a:t>
+            </a:r>
+            <a:r>
+              <a:rPr lang="en-GB" sz="1800" b="1" dirty="0">
+                <a:solidFill>
+                  <a:schemeClr val="tx1"/>
+                </a:solidFill>
+              </a:rPr>
+              <a:t> </a:t>
+            </a:r>
+            <a:r>
+              <a:rPr lang="en-GB" sz="1800" b="1" dirty="0" err="1">
+                <a:solidFill>
+                  <a:schemeClr val="tx1"/>
+                </a:solidFill>
+              </a:rPr>
+              <a:t>wurde</a:t>
+            </a:r>
+            <a:r>
+              <a:rPr lang="en-GB" sz="1800" b="1" dirty="0">
+                <a:solidFill>
+                  <a:schemeClr val="tx1"/>
+                </a:solidFill>
+              </a:rPr>
+              <a:t>.</a:t>
+            </a:r>
+          </a:p>
+          <a:p>
+            <a:pPr marL="0" marR="0" lvl="0" indent="0" algn="l" rtl="0">
+              <a:lnSpc>
+                <a:spcPct val="115000"/>
+              </a:lnSpc>
+              <a:spcBef>
+                <a:spcPts val="900"/>
+              </a:spcBef>
+              <a:spcAft>
+                <a:spcPts val="0"/>
+              </a:spcAft>
+              <a:buClr>
+                <a:schemeClr val="dk1"/>
+              </a:buClr>
+              <a:buSzPts val="800"/>
+              <a:buFont typeface="Arial"/>
+              <a:buNone/>
+            </a:pPr>
+            <a:endParaRPr sz="1800" b="1" i="0" u="none" strike="noStrike" cap="none" dirty="0">
               <a:solidFill>
                 <a:srgbClr val="FF0000"/>
               </a:solidFill>
@@ -27160,7 +28086,35 @@
               <a:buFont typeface="Arial"/>
               <a:buNone/>
             </a:pPr>
-            <a:endParaRPr sz="1800" b="1" i="0" u="none" strike="noStrike" cap="none">
+            <a:endParaRPr sz="1200" b="0" i="0" u="none" strike="noStrike" cap="none" dirty="0">
+              <a:solidFill>
+                <a:srgbClr val="242424"/>
+              </a:solidFill>
+              <a:latin typeface="Arial"/>
+              <a:ea typeface="Arial"/>
+              <a:cs typeface="Arial"/>
+              <a:sym typeface="Arial"/>
+            </a:endParaRPr>
+          </a:p>
+          <a:p>
+            <a:pPr marL="0" marR="0" lvl="0" indent="0" algn="l" rtl="0">
+              <a:lnSpc>
+                <a:spcPct val="115000"/>
+              </a:lnSpc>
+              <a:spcBef>
+                <a:spcPts val="900"/>
+              </a:spcBef>
+              <a:spcAft>
+                <a:spcPts val="0"/>
+              </a:spcAft>
+              <a:buClr>
+                <a:schemeClr val="dk1"/>
+              </a:buClr>
+              <a:buSzPts val="800"/>
+              <a:buFont typeface="Arial"/>
+              <a:buNone/>
+            </a:pPr>
+            <a:endParaRPr sz="1200" b="1" i="0" u="none" strike="noStrike" cap="none" dirty="0">
               <a:solidFill>
                 <a:srgbClr val="FF0000"/>
               </a:solidFill>
@@ -27182,25 +28136,13 @@
                 <a:spcPts val="0"/>
               </a:spcAft>
               <a:buClr>
-                <a:schemeClr val="dk1"/>
-              </a:buClr>
-              <a:buSzPts val="800"/>
+                <a:srgbClr val="000000"/>
+              </a:buClr>
+              <a:buSzPts val="1800"/>
               <a:buFont typeface="Arial"/>
               <a:buNone/>
             </a:pPr>
-            <a:r>
-              <a:rPr lang="de" sz="1800" b="1" i="0" u="none" strike="noStrike" cap="none">
-                <a:solidFill>
-                  <a:srgbClr val="FF0000"/>
-                </a:solidFill>
-                <a:latin typeface="Arial"/>
-                <a:ea typeface="Arial"/>
-                <a:cs typeface="Arial"/>
-                <a:sym typeface="Arial"/>
-              </a:rPr>
-              <a:t>Describe the past, the what and the now (see the checklist)</a:t>
-            </a:r>
-            <a:endParaRPr sz="1800" b="1" i="0" u="none" strike="noStrike" cap="none">
+            <a:endParaRPr sz="1100" b="1" i="0" u="none" strike="noStrike" cap="none" dirty="0">
               <a:solidFill>
                 <a:srgbClr val="FF0000"/>
               </a:solidFill>
@@ -27216,63 +28158,7 @@
                 <a:spcPct val="115000"/>
               </a:lnSpc>
               <a:spcBef>
-                <a:spcPts val="900"/>
-              </a:spcBef>
-              <a:spcAft>
-                <a:spcPts val="0"/>
-              </a:spcAft>
-              <a:buClr>
-                <a:schemeClr val="dk1"/>
-              </a:buClr>
-              <a:buSzPts val="800"/>
-              <a:buFont typeface="Arial"/>
-              <a:buNone/>
-            </a:pPr>
-            <a:endParaRPr sz="1200" b="0" i="0" u="none" strike="noStrike" cap="none">
-              <a:solidFill>
-                <a:srgbClr val="242424"/>
-              </a:solidFill>
-              <a:latin typeface="Arial"/>
-              <a:ea typeface="Arial"/>
-              <a:cs typeface="Arial"/>
-              <a:sym typeface="Arial"/>
-            </a:endParaRPr>
-          </a:p>
-          <a:p>
-            <a:pPr marL="0" marR="0" lvl="0" indent="0" algn="l" rtl="0">
-              <a:lnSpc>
-                <a:spcPct val="115000"/>
-              </a:lnSpc>
-              <a:spcBef>
-                <a:spcPts val="900"/>
-              </a:spcBef>
-              <a:spcAft>
-                <a:spcPts val="0"/>
-              </a:spcAft>
-              <a:buClr>
-                <a:schemeClr val="dk1"/>
-              </a:buClr>
-              <a:buSzPts val="800"/>
-              <a:buFont typeface="Arial"/>
-              <a:buNone/>
-            </a:pPr>
-            <a:endParaRPr sz="1200" b="1" i="0" u="none" strike="noStrike" cap="none">
-              <a:solidFill>
-                <a:srgbClr val="FF0000"/>
-              </a:solidFill>
-              <a:latin typeface="Arial"/>
-              <a:ea typeface="Arial"/>
-              <a:cs typeface="Arial"/>
-              <a:sym typeface="Arial"/>
-            </a:endParaRPr>
-          </a:p>
-          <a:p>
-            <a:pPr marL="0" marR="0" lvl="0" indent="0" algn="l" rtl="0">
-              <a:lnSpc>
-                <a:spcPct val="115000"/>
-              </a:lnSpc>
-              <a:spcBef>
-                <a:spcPts val="900"/>
+                <a:spcPts val="0"/>
               </a:spcBef>
               <a:spcAft>
                 <a:spcPts val="0"/>
@@ -27284,35 +28170,7 @@
               <a:buFont typeface="Arial"/>
               <a:buNone/>
             </a:pPr>
-            <a:endParaRPr sz="1100" b="1" i="0" u="none" strike="noStrike" cap="none">
-              <a:solidFill>
-                <a:srgbClr val="FF0000"/>
-              </a:solidFill>
-              <a:latin typeface="Arial"/>
-              <a:ea typeface="Arial"/>
-              <a:cs typeface="Arial"/>
-              <a:sym typeface="Arial"/>
-            </a:endParaRPr>
-          </a:p>
-          <a:p>
-            <a:pPr marL="0" marR="0" lvl="0" indent="0" algn="l" rtl="0">
-              <a:lnSpc>
-                <a:spcPct val="115000"/>
-              </a:lnSpc>
-              <a:spcBef>
-                <a:spcPts val="0"/>
-              </a:spcBef>
-              <a:spcAft>
-                <a:spcPts val="0"/>
-              </a:spcAft>
-              <a:buClr>
-                <a:srgbClr val="000000"/>
-              </a:buClr>
-              <a:buSzPts val="1800"/>
-              <a:buFont typeface="Arial"/>
-              <a:buNone/>
-            </a:pPr>
-            <a:endParaRPr sz="1100" b="0" i="0" u="none" strike="noStrike" cap="none">
+            <a:endParaRPr sz="1100" b="0" i="0" u="none" strike="noStrike" cap="none" dirty="0">
               <a:solidFill>
                 <a:srgbClr val="000000"/>
               </a:solidFill>
@@ -27712,1784 +28570,6 @@
   <p:cSld>
     <p:spTree>
       <p:nvGrpSpPr>
-        <p:cNvPr id="1" name="Shape 199"/>
-        <p:cNvGrpSpPr/>
-        <p:nvPr/>
-      </p:nvGrpSpPr>
-      <p:grpSpPr>
-        <a:xfrm>
-          <a:off x="0" y="0"/>
-          <a:ext cx="0" cy="0"/>
-          <a:chOff x="0" y="0"/>
-          <a:chExt cx="0" cy="0"/>
-        </a:xfrm>
-      </p:grpSpPr>
-      <p:grpSp>
-        <p:nvGrpSpPr>
-          <p:cNvPr id="200" name="Google Shape;200;p5"/>
-          <p:cNvGrpSpPr/>
-          <p:nvPr/>
-        </p:nvGrpSpPr>
-        <p:grpSpPr>
-          <a:xfrm>
-            <a:off x="27169" y="24983"/>
-            <a:ext cx="2858365" cy="550436"/>
-            <a:chOff x="0" y="214638"/>
-            <a:chExt cx="3107932" cy="815582"/>
-          </a:xfrm>
-        </p:grpSpPr>
-        <p:grpSp>
-          <p:nvGrpSpPr>
-            <p:cNvPr id="201" name="Google Shape;201;p5"/>
-            <p:cNvGrpSpPr/>
-            <p:nvPr/>
-          </p:nvGrpSpPr>
-          <p:grpSpPr>
-            <a:xfrm>
-              <a:off x="0" y="291855"/>
-              <a:ext cx="3107932" cy="738365"/>
-              <a:chOff x="0" y="225393"/>
-              <a:chExt cx="3076856" cy="738365"/>
-            </a:xfrm>
-          </p:grpSpPr>
-          <p:sp>
-            <p:nvSpPr>
-              <p:cNvPr id="202" name="Google Shape;202;p5"/>
-              <p:cNvSpPr/>
-              <p:nvPr/>
-            </p:nvSpPr>
-            <p:spPr>
-              <a:xfrm>
-                <a:off x="0" y="225393"/>
-                <a:ext cx="2275500" cy="738300"/>
-              </a:xfrm>
-              <a:prstGeom prst="rect">
-                <a:avLst/>
-              </a:prstGeom>
-              <a:solidFill>
-                <a:srgbClr val="5562EB"/>
-              </a:solidFill>
-              <a:ln>
-                <a:noFill/>
-              </a:ln>
-            </p:spPr>
-            <p:txBody>
-              <a:bodyPr spcFirstLastPara="1" wrap="square" lIns="91425" tIns="91425" rIns="91425" bIns="91425" anchor="ctr" anchorCtr="0">
-                <a:noAutofit/>
-              </a:bodyPr>
-              <a:lstStyle/>
-              <a:p>
-                <a:pPr marL="0" marR="0" lvl="0" indent="0" algn="ctr" rtl="0">
-                  <a:lnSpc>
-                    <a:spcPct val="100000"/>
-                  </a:lnSpc>
-                  <a:spcBef>
-                    <a:spcPts val="0"/>
-                  </a:spcBef>
-                  <a:spcAft>
-                    <a:spcPts val="0"/>
-                  </a:spcAft>
-                  <a:buClr>
-                    <a:schemeClr val="dk1"/>
-                  </a:buClr>
-                  <a:buSzPts val="1400"/>
-                  <a:buFont typeface="Calibri"/>
-                  <a:buNone/>
-                </a:pPr>
-                <a:endParaRPr sz="1400" b="0" i="0" u="none" strike="noStrike" cap="none">
-                  <a:solidFill>
-                    <a:schemeClr val="dk1"/>
-                  </a:solidFill>
-                  <a:latin typeface="Montserrat"/>
-                  <a:ea typeface="Montserrat"/>
-                  <a:cs typeface="Montserrat"/>
-                  <a:sym typeface="Montserrat"/>
-                </a:endParaRPr>
-              </a:p>
-            </p:txBody>
-          </p:sp>
-          <p:sp>
-            <p:nvSpPr>
-              <p:cNvPr id="203" name="Google Shape;203;p5"/>
-              <p:cNvSpPr/>
-              <p:nvPr/>
-            </p:nvSpPr>
-            <p:spPr>
-              <a:xfrm>
-                <a:off x="1938759" y="225393"/>
-                <a:ext cx="1138097" cy="738365"/>
-              </a:xfrm>
-              <a:prstGeom prst="flowChartInputOutput">
-                <a:avLst/>
-              </a:prstGeom>
-              <a:solidFill>
-                <a:srgbClr val="5562EB"/>
-              </a:solidFill>
-              <a:ln>
-                <a:noFill/>
-              </a:ln>
-            </p:spPr>
-            <p:txBody>
-              <a:bodyPr spcFirstLastPara="1" wrap="square" lIns="91425" tIns="91425" rIns="91425" bIns="91425" anchor="ctr" anchorCtr="0">
-                <a:noAutofit/>
-              </a:bodyPr>
-              <a:lstStyle/>
-              <a:p>
-                <a:pPr marL="0" marR="0" lvl="0" indent="0" algn="ctr" rtl="0">
-                  <a:lnSpc>
-                    <a:spcPct val="100000"/>
-                  </a:lnSpc>
-                  <a:spcBef>
-                    <a:spcPts val="0"/>
-                  </a:spcBef>
-                  <a:spcAft>
-                    <a:spcPts val="0"/>
-                  </a:spcAft>
-                  <a:buClr>
-                    <a:schemeClr val="dk1"/>
-                  </a:buClr>
-                  <a:buSzPts val="1400"/>
-                  <a:buFont typeface="Calibri"/>
-                  <a:buNone/>
-                </a:pPr>
-                <a:endParaRPr sz="1400" b="0" i="0" u="none" strike="noStrike" cap="none">
-                  <a:solidFill>
-                    <a:schemeClr val="dk1"/>
-                  </a:solidFill>
-                  <a:latin typeface="Montserrat"/>
-                  <a:ea typeface="Montserrat"/>
-                  <a:cs typeface="Montserrat"/>
-                  <a:sym typeface="Montserrat"/>
-                </a:endParaRPr>
-              </a:p>
-            </p:txBody>
-          </p:sp>
-        </p:grpSp>
-        <p:grpSp>
-          <p:nvGrpSpPr>
-            <p:cNvPr id="204" name="Google Shape;204;p5"/>
-            <p:cNvGrpSpPr/>
-            <p:nvPr/>
-          </p:nvGrpSpPr>
-          <p:grpSpPr>
-            <a:xfrm>
-              <a:off x="0" y="214638"/>
-              <a:ext cx="3047301" cy="738365"/>
-              <a:chOff x="0" y="214638"/>
-              <a:chExt cx="3047301" cy="738365"/>
-            </a:xfrm>
-          </p:grpSpPr>
-          <p:sp>
-            <p:nvSpPr>
-              <p:cNvPr id="205" name="Google Shape;205;p5"/>
-              <p:cNvSpPr/>
-              <p:nvPr/>
-            </p:nvSpPr>
-            <p:spPr>
-              <a:xfrm>
-                <a:off x="0" y="214638"/>
-                <a:ext cx="2275500" cy="738300"/>
-              </a:xfrm>
-              <a:prstGeom prst="rect">
-                <a:avLst/>
-              </a:prstGeom>
-              <a:solidFill>
-                <a:srgbClr val="152044"/>
-              </a:solidFill>
-              <a:ln>
-                <a:noFill/>
-              </a:ln>
-            </p:spPr>
-            <p:txBody>
-              <a:bodyPr spcFirstLastPara="1" wrap="square" lIns="91425" tIns="91425" rIns="91425" bIns="91425" anchor="ctr" anchorCtr="0">
-                <a:noAutofit/>
-              </a:bodyPr>
-              <a:lstStyle/>
-              <a:p>
-                <a:pPr marL="0" marR="0" lvl="0" indent="0" algn="ctr" rtl="0">
-                  <a:lnSpc>
-                    <a:spcPct val="100000"/>
-                  </a:lnSpc>
-                  <a:spcBef>
-                    <a:spcPts val="0"/>
-                  </a:spcBef>
-                  <a:spcAft>
-                    <a:spcPts val="0"/>
-                  </a:spcAft>
-                  <a:buClr>
-                    <a:schemeClr val="dk1"/>
-                  </a:buClr>
-                  <a:buSzPts val="1400"/>
-                  <a:buFont typeface="Calibri"/>
-                  <a:buNone/>
-                </a:pPr>
-                <a:endParaRPr sz="1400" b="0" i="0" u="none" strike="noStrike" cap="none">
-                  <a:solidFill>
-                    <a:schemeClr val="dk1"/>
-                  </a:solidFill>
-                  <a:latin typeface="Montserrat"/>
-                  <a:ea typeface="Montserrat"/>
-                  <a:cs typeface="Montserrat"/>
-                  <a:sym typeface="Montserrat"/>
-                </a:endParaRPr>
-              </a:p>
-            </p:txBody>
-          </p:sp>
-          <p:sp>
-            <p:nvSpPr>
-              <p:cNvPr id="206" name="Google Shape;206;p5"/>
-              <p:cNvSpPr/>
-              <p:nvPr/>
-            </p:nvSpPr>
-            <p:spPr>
-              <a:xfrm>
-                <a:off x="1909204" y="214638"/>
-                <a:ext cx="1138097" cy="738365"/>
-              </a:xfrm>
-              <a:prstGeom prst="flowChartInputOutput">
-                <a:avLst/>
-              </a:prstGeom>
-              <a:solidFill>
-                <a:srgbClr val="152044"/>
-              </a:solidFill>
-              <a:ln>
-                <a:noFill/>
-              </a:ln>
-            </p:spPr>
-            <p:txBody>
-              <a:bodyPr spcFirstLastPara="1" wrap="square" lIns="91425" tIns="91425" rIns="91425" bIns="91425" anchor="ctr" anchorCtr="0">
-                <a:noAutofit/>
-              </a:bodyPr>
-              <a:lstStyle/>
-              <a:p>
-                <a:pPr marL="0" marR="0" lvl="0" indent="0" algn="ctr" rtl="0">
-                  <a:lnSpc>
-                    <a:spcPct val="100000"/>
-                  </a:lnSpc>
-                  <a:spcBef>
-                    <a:spcPts val="0"/>
-                  </a:spcBef>
-                  <a:spcAft>
-                    <a:spcPts val="0"/>
-                  </a:spcAft>
-                  <a:buClr>
-                    <a:schemeClr val="dk1"/>
-                  </a:buClr>
-                  <a:buSzPts val="1400"/>
-                  <a:buFont typeface="Calibri"/>
-                  <a:buNone/>
-                </a:pPr>
-                <a:endParaRPr sz="1400" b="0" i="0" u="none" strike="noStrike" cap="none">
-                  <a:solidFill>
-                    <a:schemeClr val="dk1"/>
-                  </a:solidFill>
-                  <a:latin typeface="Montserrat"/>
-                  <a:ea typeface="Montserrat"/>
-                  <a:cs typeface="Montserrat"/>
-                  <a:sym typeface="Montserrat"/>
-                </a:endParaRPr>
-              </a:p>
-            </p:txBody>
-          </p:sp>
-        </p:grpSp>
-      </p:grpSp>
-      <p:sp>
-        <p:nvSpPr>
-          <p:cNvPr id="207" name="Google Shape;207;p5"/>
-          <p:cNvSpPr txBox="1"/>
-          <p:nvPr/>
-        </p:nvSpPr>
-        <p:spPr>
-          <a:xfrm flipH="1">
-            <a:off x="81385" y="-232075"/>
-            <a:ext cx="2838000" cy="873300"/>
-          </a:xfrm>
-          <a:prstGeom prst="rect">
-            <a:avLst/>
-          </a:prstGeom>
-          <a:noFill/>
-          <a:ln>
-            <a:noFill/>
-          </a:ln>
-        </p:spPr>
-        <p:txBody>
-          <a:bodyPr spcFirstLastPara="1" wrap="square" lIns="68575" tIns="34275" rIns="68575" bIns="34275" anchor="ctr" anchorCtr="0">
-            <a:noAutofit/>
-          </a:bodyPr>
-          <a:lstStyle/>
-          <a:p>
-            <a:pPr marL="0" marR="0" lvl="0" indent="0" algn="l" rtl="0">
-              <a:lnSpc>
-                <a:spcPct val="115000"/>
-              </a:lnSpc>
-              <a:spcBef>
-                <a:spcPts val="0"/>
-              </a:spcBef>
-              <a:spcAft>
-                <a:spcPts val="0"/>
-              </a:spcAft>
-              <a:buClr>
-                <a:schemeClr val="lt1"/>
-              </a:buClr>
-              <a:buSzPts val="1800"/>
-              <a:buFont typeface="Montserrat ExtraBold"/>
-              <a:buNone/>
-            </a:pPr>
-            <a:r>
-              <a:rPr lang="de" sz="1800" b="0" i="0" u="none" strike="noStrike" cap="none">
-                <a:solidFill>
-                  <a:schemeClr val="lt1"/>
-                </a:solidFill>
-                <a:latin typeface="Montserrat ExtraBold"/>
-                <a:ea typeface="Montserrat ExtraBold"/>
-                <a:cs typeface="Montserrat ExtraBold"/>
-                <a:sym typeface="Montserrat ExtraBold"/>
-              </a:rPr>
-              <a:t>Weapons</a:t>
-            </a:r>
-            <a:endParaRPr sz="1100" b="0" i="0" u="none" strike="noStrike" cap="none">
-              <a:solidFill>
-                <a:srgbClr val="000000"/>
-              </a:solidFill>
-              <a:latin typeface="Arial"/>
-              <a:ea typeface="Arial"/>
-              <a:cs typeface="Arial"/>
-              <a:sym typeface="Arial"/>
-            </a:endParaRPr>
-          </a:p>
-        </p:txBody>
-      </p:sp>
-      <p:sp>
-        <p:nvSpPr>
-          <p:cNvPr id="208" name="Google Shape;208;p5"/>
-          <p:cNvSpPr txBox="1"/>
-          <p:nvPr/>
-        </p:nvSpPr>
-        <p:spPr>
-          <a:xfrm>
-            <a:off x="16389" y="771225"/>
-            <a:ext cx="2634600" cy="754200"/>
-          </a:xfrm>
-          <a:prstGeom prst="rect">
-            <a:avLst/>
-          </a:prstGeom>
-          <a:noFill/>
-          <a:ln>
-            <a:noFill/>
-          </a:ln>
-        </p:spPr>
-        <p:txBody>
-          <a:bodyPr spcFirstLastPara="1" wrap="square" lIns="68575" tIns="68575" rIns="68575" bIns="68575" anchor="t" anchorCtr="0">
-            <a:spAutoFit/>
-          </a:bodyPr>
-          <a:lstStyle/>
-          <a:p>
-            <a:pPr marL="0" marR="0" lvl="0" indent="0" algn="l" rtl="0">
-              <a:lnSpc>
-                <a:spcPct val="100000"/>
-              </a:lnSpc>
-              <a:spcBef>
-                <a:spcPts val="0"/>
-              </a:spcBef>
-              <a:spcAft>
-                <a:spcPts val="0"/>
-              </a:spcAft>
-              <a:buClr>
-                <a:srgbClr val="000000"/>
-              </a:buClr>
-              <a:buSzPts val="1800"/>
-              <a:buFont typeface="Arial"/>
-              <a:buNone/>
-            </a:pPr>
-            <a:r>
-              <a:rPr lang="de" sz="1800" b="0" i="0" u="none" strike="noStrike" cap="none">
-                <a:solidFill>
-                  <a:schemeClr val="dk1"/>
-                </a:solidFill>
-                <a:latin typeface="Calibri"/>
-                <a:ea typeface="Calibri"/>
-                <a:cs typeface="Calibri"/>
-                <a:sym typeface="Calibri"/>
-              </a:rPr>
-              <a:t>Weapon  - </a:t>
-            </a:r>
-            <a:endParaRPr sz="1800" b="0" i="0" u="none" strike="noStrike" cap="none">
-              <a:solidFill>
-                <a:schemeClr val="dk1"/>
-              </a:solidFill>
-              <a:latin typeface="Calibri"/>
-              <a:ea typeface="Calibri"/>
-              <a:cs typeface="Calibri"/>
-              <a:sym typeface="Calibri"/>
-            </a:endParaRPr>
-          </a:p>
-          <a:p>
-            <a:pPr marL="0" marR="0" lvl="0" indent="0" algn="l" rtl="0">
-              <a:lnSpc>
-                <a:spcPct val="100000"/>
-              </a:lnSpc>
-              <a:spcBef>
-                <a:spcPts val="0"/>
-              </a:spcBef>
-              <a:spcAft>
-                <a:spcPts val="0"/>
-              </a:spcAft>
-              <a:buClr>
-                <a:srgbClr val="000000"/>
-              </a:buClr>
-              <a:buSzPts val="1100"/>
-              <a:buFont typeface="Arial"/>
-              <a:buNone/>
-            </a:pPr>
-            <a:r>
-              <a:rPr lang="de" sz="1100" b="0" i="0" u="none" strike="noStrike" cap="none">
-                <a:solidFill>
-                  <a:schemeClr val="dk1"/>
-                </a:solidFill>
-                <a:latin typeface="Calibri"/>
-                <a:ea typeface="Calibri"/>
-                <a:cs typeface="Calibri"/>
-                <a:sym typeface="Calibri"/>
-              </a:rPr>
-              <a:t>Detailed Description: </a:t>
-            </a:r>
-            <a:endParaRPr sz="1100" b="0" i="0" u="none" strike="noStrike" cap="none">
-              <a:solidFill>
-                <a:schemeClr val="dk1"/>
-              </a:solidFill>
-              <a:latin typeface="Calibri"/>
-              <a:ea typeface="Calibri"/>
-              <a:cs typeface="Calibri"/>
-              <a:sym typeface="Calibri"/>
-            </a:endParaRPr>
-          </a:p>
-          <a:p>
-            <a:pPr marL="342900" marR="0" lvl="0" indent="-234950" algn="l" rtl="0">
-              <a:lnSpc>
-                <a:spcPct val="100000"/>
-              </a:lnSpc>
-              <a:spcBef>
-                <a:spcPts val="0"/>
-              </a:spcBef>
-              <a:spcAft>
-                <a:spcPts val="0"/>
-              </a:spcAft>
-              <a:buClr>
-                <a:schemeClr val="dk1"/>
-              </a:buClr>
-              <a:buSzPts val="1100"/>
-              <a:buFont typeface="Calibri"/>
-              <a:buChar char="-"/>
-            </a:pPr>
-            <a:endParaRPr sz="1100" b="0" i="0" u="none" strike="noStrike" cap="none">
-              <a:solidFill>
-                <a:schemeClr val="dk1"/>
-              </a:solidFill>
-              <a:latin typeface="Calibri"/>
-              <a:ea typeface="Calibri"/>
-              <a:cs typeface="Calibri"/>
-              <a:sym typeface="Calibri"/>
-            </a:endParaRPr>
-          </a:p>
-        </p:txBody>
-      </p:sp>
-    </p:spTree>
-  </p:cSld>
-  <p:clrMapOvr>
-    <a:masterClrMapping/>
-  </p:clrMapOvr>
-</p:sld>
-</file>
-
-<file path=ppt/slides/slide6.xml><?xml version="1.0" encoding="utf-8"?>
-<p:sld xmlns:a="http://schemas.openxmlformats.org/drawingml/2006/main" xmlns:r="http://schemas.openxmlformats.org/officeDocument/2006/relationships" xmlns:p="http://schemas.openxmlformats.org/presentationml/2006/main">
-  <p:cSld>
-    <p:spTree>
-      <p:nvGrpSpPr>
-        <p:cNvPr id="1" name="Shape 212"/>
-        <p:cNvGrpSpPr/>
-        <p:nvPr/>
-      </p:nvGrpSpPr>
-      <p:grpSpPr>
-        <a:xfrm>
-          <a:off x="0" y="0"/>
-          <a:ext cx="0" cy="0"/>
-          <a:chOff x="0" y="0"/>
-          <a:chExt cx="0" cy="0"/>
-        </a:xfrm>
-      </p:grpSpPr>
-      <p:sp>
-        <p:nvSpPr>
-          <p:cNvPr id="213" name="Google Shape;213;g3b636e5de4b_0_0"/>
-          <p:cNvSpPr/>
-          <p:nvPr/>
-        </p:nvSpPr>
-        <p:spPr>
-          <a:xfrm>
-            <a:off x="245556" y="997143"/>
-            <a:ext cx="2394900" cy="250200"/>
-          </a:xfrm>
-          <a:prstGeom prst="rect">
-            <a:avLst/>
-          </a:prstGeom>
-          <a:solidFill>
-            <a:schemeClr val="lt2"/>
-          </a:solidFill>
-          <a:ln w="9525" cap="flat" cmpd="sng">
-            <a:solidFill>
-              <a:schemeClr val="dk2"/>
-            </a:solidFill>
-            <a:prstDash val="solid"/>
-            <a:round/>
-            <a:headEnd type="none" w="sm" len="sm"/>
-            <a:tailEnd type="none" w="sm" len="sm"/>
-          </a:ln>
-        </p:spPr>
-        <p:txBody>
-          <a:bodyPr spcFirstLastPara="1" wrap="square" lIns="91425" tIns="91425" rIns="91425" bIns="91425" anchor="ctr" anchorCtr="0">
-            <a:noAutofit/>
-          </a:bodyPr>
-          <a:lstStyle/>
-          <a:p>
-            <a:pPr marL="0" marR="0" lvl="0" indent="0" algn="ctr" rtl="0">
-              <a:lnSpc>
-                <a:spcPct val="100000"/>
-              </a:lnSpc>
-              <a:spcBef>
-                <a:spcPts val="0"/>
-              </a:spcBef>
-              <a:spcAft>
-                <a:spcPts val="0"/>
-              </a:spcAft>
-              <a:buClr>
-                <a:srgbClr val="000000"/>
-              </a:buClr>
-              <a:buSzPts val="1400"/>
-              <a:buFont typeface="Arial"/>
-              <a:buNone/>
-            </a:pPr>
-            <a:r>
-              <a:rPr lang="de" sz="1400" b="0" i="0" u="none" strike="noStrike" cap="none">
-                <a:solidFill>
-                  <a:schemeClr val="dk1"/>
-                </a:solidFill>
-                <a:latin typeface="Calibri"/>
-                <a:ea typeface="Calibri"/>
-                <a:cs typeface="Calibri"/>
-                <a:sym typeface="Calibri"/>
-              </a:rPr>
-              <a:t>- Attack</a:t>
-            </a:r>
-            <a:r>
-              <a:rPr lang="de">
-                <a:solidFill>
-                  <a:schemeClr val="dk1"/>
-                </a:solidFill>
-                <a:latin typeface="Calibri"/>
-                <a:ea typeface="Calibri"/>
-                <a:cs typeface="Calibri"/>
-                <a:sym typeface="Calibri"/>
-              </a:rPr>
-              <a:t>/Abillity -</a:t>
-            </a:r>
-            <a:endParaRPr>
-              <a:solidFill>
-                <a:schemeClr val="dk1"/>
-              </a:solidFill>
-              <a:latin typeface="Calibri"/>
-              <a:ea typeface="Calibri"/>
-              <a:cs typeface="Calibri"/>
-              <a:sym typeface="Calibri"/>
-            </a:endParaRPr>
-          </a:p>
-        </p:txBody>
-      </p:sp>
-      <p:sp>
-        <p:nvSpPr>
-          <p:cNvPr id="214" name="Google Shape;214;g3b636e5de4b_0_0"/>
-          <p:cNvSpPr txBox="1"/>
-          <p:nvPr/>
-        </p:nvSpPr>
-        <p:spPr>
-          <a:xfrm>
-            <a:off x="245556" y="1266338"/>
-            <a:ext cx="2947800" cy="550500"/>
-          </a:xfrm>
-          <a:prstGeom prst="rect">
-            <a:avLst/>
-          </a:prstGeom>
-          <a:noFill/>
-          <a:ln>
-            <a:noFill/>
-          </a:ln>
-        </p:spPr>
-        <p:txBody>
-          <a:bodyPr spcFirstLastPara="1" wrap="square" lIns="91425" tIns="91425" rIns="91425" bIns="91425" anchor="t" anchorCtr="0">
-            <a:noAutofit/>
-          </a:bodyPr>
-          <a:lstStyle/>
-          <a:p>
-            <a:pPr marL="0" marR="0" lvl="0" indent="0" algn="l" rtl="0">
-              <a:lnSpc>
-                <a:spcPct val="100000"/>
-              </a:lnSpc>
-              <a:spcBef>
-                <a:spcPts val="0"/>
-              </a:spcBef>
-              <a:spcAft>
-                <a:spcPts val="0"/>
-              </a:spcAft>
-              <a:buClr>
-                <a:srgbClr val="000000"/>
-              </a:buClr>
-              <a:buSzPts val="1100"/>
-              <a:buFont typeface="Arial"/>
-              <a:buNone/>
-            </a:pPr>
-            <a:r>
-              <a:rPr lang="de" sz="1100" b="0" i="0" u="none" strike="noStrike" cap="none">
-                <a:solidFill>
-                  <a:schemeClr val="dk1"/>
-                </a:solidFill>
-                <a:latin typeface="Calibri"/>
-                <a:ea typeface="Calibri"/>
-                <a:cs typeface="Calibri"/>
-                <a:sym typeface="Calibri"/>
-              </a:rPr>
-              <a:t>- </a:t>
-            </a:r>
-            <a:endParaRPr sz="1800" b="0" i="0" u="none" strike="noStrike" cap="none">
-              <a:solidFill>
-                <a:schemeClr val="dk1"/>
-              </a:solidFill>
-              <a:latin typeface="Calibri"/>
-              <a:ea typeface="Calibri"/>
-              <a:cs typeface="Calibri"/>
-              <a:sym typeface="Calibri"/>
-            </a:endParaRPr>
-          </a:p>
-        </p:txBody>
-      </p:sp>
-      <p:grpSp>
-        <p:nvGrpSpPr>
-          <p:cNvPr id="215" name="Google Shape;215;g3b636e5de4b_0_0"/>
-          <p:cNvGrpSpPr/>
-          <p:nvPr/>
-        </p:nvGrpSpPr>
-        <p:grpSpPr>
-          <a:xfrm>
-            <a:off x="27169" y="24983"/>
-            <a:ext cx="2858365" cy="550436"/>
-            <a:chOff x="0" y="214638"/>
-            <a:chExt cx="3107932" cy="815582"/>
-          </a:xfrm>
-        </p:grpSpPr>
-        <p:grpSp>
-          <p:nvGrpSpPr>
-            <p:cNvPr id="216" name="Google Shape;216;g3b636e5de4b_0_0"/>
-            <p:cNvGrpSpPr/>
-            <p:nvPr/>
-          </p:nvGrpSpPr>
-          <p:grpSpPr>
-            <a:xfrm>
-              <a:off x="0" y="291855"/>
-              <a:ext cx="3107932" cy="738365"/>
-              <a:chOff x="0" y="225393"/>
-              <a:chExt cx="3076856" cy="738365"/>
-            </a:xfrm>
-          </p:grpSpPr>
-          <p:sp>
-            <p:nvSpPr>
-              <p:cNvPr id="217" name="Google Shape;217;g3b636e5de4b_0_0"/>
-              <p:cNvSpPr/>
-              <p:nvPr/>
-            </p:nvSpPr>
-            <p:spPr>
-              <a:xfrm>
-                <a:off x="0" y="225393"/>
-                <a:ext cx="2275500" cy="738300"/>
-              </a:xfrm>
-              <a:prstGeom prst="rect">
-                <a:avLst/>
-              </a:prstGeom>
-              <a:solidFill>
-                <a:srgbClr val="5562EB"/>
-              </a:solidFill>
-              <a:ln>
-                <a:noFill/>
-              </a:ln>
-            </p:spPr>
-            <p:txBody>
-              <a:bodyPr spcFirstLastPara="1" wrap="square" lIns="91425" tIns="91425" rIns="91425" bIns="91425" anchor="ctr" anchorCtr="0">
-                <a:noAutofit/>
-              </a:bodyPr>
-              <a:lstStyle/>
-              <a:p>
-                <a:pPr marL="0" marR="0" lvl="0" indent="0" algn="ctr" rtl="0">
-                  <a:lnSpc>
-                    <a:spcPct val="100000"/>
-                  </a:lnSpc>
-                  <a:spcBef>
-                    <a:spcPts val="0"/>
-                  </a:spcBef>
-                  <a:spcAft>
-                    <a:spcPts val="0"/>
-                  </a:spcAft>
-                  <a:buClr>
-                    <a:schemeClr val="dk1"/>
-                  </a:buClr>
-                  <a:buSzPts val="1400"/>
-                  <a:buFont typeface="Calibri"/>
-                  <a:buNone/>
-                </a:pPr>
-                <a:endParaRPr sz="1400" b="0" i="0" u="none" strike="noStrike" cap="none">
-                  <a:solidFill>
-                    <a:schemeClr val="dk1"/>
-                  </a:solidFill>
-                  <a:latin typeface="Montserrat"/>
-                  <a:ea typeface="Montserrat"/>
-                  <a:cs typeface="Montserrat"/>
-                  <a:sym typeface="Montserrat"/>
-                </a:endParaRPr>
-              </a:p>
-            </p:txBody>
-          </p:sp>
-          <p:sp>
-            <p:nvSpPr>
-              <p:cNvPr id="218" name="Google Shape;218;g3b636e5de4b_0_0"/>
-              <p:cNvSpPr/>
-              <p:nvPr/>
-            </p:nvSpPr>
-            <p:spPr>
-              <a:xfrm>
-                <a:off x="1938759" y="225393"/>
-                <a:ext cx="1138097" cy="738365"/>
-              </a:xfrm>
-              <a:prstGeom prst="flowChartInputOutput">
-                <a:avLst/>
-              </a:prstGeom>
-              <a:solidFill>
-                <a:srgbClr val="5562EB"/>
-              </a:solidFill>
-              <a:ln>
-                <a:noFill/>
-              </a:ln>
-            </p:spPr>
-            <p:txBody>
-              <a:bodyPr spcFirstLastPara="1" wrap="square" lIns="91425" tIns="91425" rIns="91425" bIns="91425" anchor="ctr" anchorCtr="0">
-                <a:noAutofit/>
-              </a:bodyPr>
-              <a:lstStyle/>
-              <a:p>
-                <a:pPr marL="0" marR="0" lvl="0" indent="0" algn="ctr" rtl="0">
-                  <a:lnSpc>
-                    <a:spcPct val="100000"/>
-                  </a:lnSpc>
-                  <a:spcBef>
-                    <a:spcPts val="0"/>
-                  </a:spcBef>
-                  <a:spcAft>
-                    <a:spcPts val="0"/>
-                  </a:spcAft>
-                  <a:buClr>
-                    <a:schemeClr val="dk1"/>
-                  </a:buClr>
-                  <a:buSzPts val="1400"/>
-                  <a:buFont typeface="Calibri"/>
-                  <a:buNone/>
-                </a:pPr>
-                <a:endParaRPr sz="1400" b="0" i="0" u="none" strike="noStrike" cap="none">
-                  <a:solidFill>
-                    <a:schemeClr val="dk1"/>
-                  </a:solidFill>
-                  <a:latin typeface="Montserrat"/>
-                  <a:ea typeface="Montserrat"/>
-                  <a:cs typeface="Montserrat"/>
-                  <a:sym typeface="Montserrat"/>
-                </a:endParaRPr>
-              </a:p>
-            </p:txBody>
-          </p:sp>
-        </p:grpSp>
-        <p:grpSp>
-          <p:nvGrpSpPr>
-            <p:cNvPr id="219" name="Google Shape;219;g3b636e5de4b_0_0"/>
-            <p:cNvGrpSpPr/>
-            <p:nvPr/>
-          </p:nvGrpSpPr>
-          <p:grpSpPr>
-            <a:xfrm>
-              <a:off x="0" y="214638"/>
-              <a:ext cx="3047301" cy="738365"/>
-              <a:chOff x="0" y="214638"/>
-              <a:chExt cx="3047301" cy="738365"/>
-            </a:xfrm>
-          </p:grpSpPr>
-          <p:sp>
-            <p:nvSpPr>
-              <p:cNvPr id="220" name="Google Shape;220;g3b636e5de4b_0_0"/>
-              <p:cNvSpPr/>
-              <p:nvPr/>
-            </p:nvSpPr>
-            <p:spPr>
-              <a:xfrm>
-                <a:off x="0" y="214638"/>
-                <a:ext cx="2275500" cy="738300"/>
-              </a:xfrm>
-              <a:prstGeom prst="rect">
-                <a:avLst/>
-              </a:prstGeom>
-              <a:solidFill>
-                <a:srgbClr val="152044"/>
-              </a:solidFill>
-              <a:ln>
-                <a:noFill/>
-              </a:ln>
-            </p:spPr>
-            <p:txBody>
-              <a:bodyPr spcFirstLastPara="1" wrap="square" lIns="91425" tIns="91425" rIns="91425" bIns="91425" anchor="ctr" anchorCtr="0">
-                <a:noAutofit/>
-              </a:bodyPr>
-              <a:lstStyle/>
-              <a:p>
-                <a:pPr marL="0" marR="0" lvl="0" indent="0" algn="ctr" rtl="0">
-                  <a:lnSpc>
-                    <a:spcPct val="100000"/>
-                  </a:lnSpc>
-                  <a:spcBef>
-                    <a:spcPts val="0"/>
-                  </a:spcBef>
-                  <a:spcAft>
-                    <a:spcPts val="0"/>
-                  </a:spcAft>
-                  <a:buClr>
-                    <a:schemeClr val="dk1"/>
-                  </a:buClr>
-                  <a:buSzPts val="1400"/>
-                  <a:buFont typeface="Calibri"/>
-                  <a:buNone/>
-                </a:pPr>
-                <a:endParaRPr sz="1400" b="0" i="0" u="none" strike="noStrike" cap="none">
-                  <a:solidFill>
-                    <a:schemeClr val="dk1"/>
-                  </a:solidFill>
-                  <a:latin typeface="Montserrat"/>
-                  <a:ea typeface="Montserrat"/>
-                  <a:cs typeface="Montserrat"/>
-                  <a:sym typeface="Montserrat"/>
-                </a:endParaRPr>
-              </a:p>
-            </p:txBody>
-          </p:sp>
-          <p:sp>
-            <p:nvSpPr>
-              <p:cNvPr id="221" name="Google Shape;221;g3b636e5de4b_0_0"/>
-              <p:cNvSpPr/>
-              <p:nvPr/>
-            </p:nvSpPr>
-            <p:spPr>
-              <a:xfrm>
-                <a:off x="1909204" y="214638"/>
-                <a:ext cx="1138097" cy="738365"/>
-              </a:xfrm>
-              <a:prstGeom prst="flowChartInputOutput">
-                <a:avLst/>
-              </a:prstGeom>
-              <a:solidFill>
-                <a:srgbClr val="152044"/>
-              </a:solidFill>
-              <a:ln>
-                <a:noFill/>
-              </a:ln>
-            </p:spPr>
-            <p:txBody>
-              <a:bodyPr spcFirstLastPara="1" wrap="square" lIns="91425" tIns="91425" rIns="91425" bIns="91425" anchor="ctr" anchorCtr="0">
-                <a:noAutofit/>
-              </a:bodyPr>
-              <a:lstStyle/>
-              <a:p>
-                <a:pPr marL="0" marR="0" lvl="0" indent="0" algn="ctr" rtl="0">
-                  <a:lnSpc>
-                    <a:spcPct val="100000"/>
-                  </a:lnSpc>
-                  <a:spcBef>
-                    <a:spcPts val="0"/>
-                  </a:spcBef>
-                  <a:spcAft>
-                    <a:spcPts val="0"/>
-                  </a:spcAft>
-                  <a:buClr>
-                    <a:schemeClr val="dk1"/>
-                  </a:buClr>
-                  <a:buSzPts val="1400"/>
-                  <a:buFont typeface="Calibri"/>
-                  <a:buNone/>
-                </a:pPr>
-                <a:endParaRPr sz="1400" b="0" i="0" u="none" strike="noStrike" cap="none">
-                  <a:solidFill>
-                    <a:schemeClr val="dk1"/>
-                  </a:solidFill>
-                  <a:latin typeface="Montserrat"/>
-                  <a:ea typeface="Montserrat"/>
-                  <a:cs typeface="Montserrat"/>
-                  <a:sym typeface="Montserrat"/>
-                </a:endParaRPr>
-              </a:p>
-            </p:txBody>
-          </p:sp>
-        </p:grpSp>
-      </p:grpSp>
-      <p:sp>
-        <p:nvSpPr>
-          <p:cNvPr id="222" name="Google Shape;222;g3b636e5de4b_0_0"/>
-          <p:cNvSpPr txBox="1"/>
-          <p:nvPr/>
-        </p:nvSpPr>
-        <p:spPr>
-          <a:xfrm flipH="1">
-            <a:off x="50585" y="-232050"/>
-            <a:ext cx="2838000" cy="873300"/>
-          </a:xfrm>
-          <a:prstGeom prst="rect">
-            <a:avLst/>
-          </a:prstGeom>
-          <a:noFill/>
-          <a:ln>
-            <a:noFill/>
-          </a:ln>
-        </p:spPr>
-        <p:txBody>
-          <a:bodyPr spcFirstLastPara="1" wrap="square" lIns="68575" tIns="34275" rIns="68575" bIns="34275" anchor="ctr" anchorCtr="0">
-            <a:noAutofit/>
-          </a:bodyPr>
-          <a:lstStyle/>
-          <a:p>
-            <a:pPr marL="0" marR="0" lvl="0" indent="0" algn="l" rtl="0">
-              <a:lnSpc>
-                <a:spcPct val="115000"/>
-              </a:lnSpc>
-              <a:spcBef>
-                <a:spcPts val="0"/>
-              </a:spcBef>
-              <a:spcAft>
-                <a:spcPts val="0"/>
-              </a:spcAft>
-              <a:buClr>
-                <a:schemeClr val="lt1"/>
-              </a:buClr>
-              <a:buSzPts val="1800"/>
-              <a:buFont typeface="Montserrat ExtraBold"/>
-              <a:buNone/>
-            </a:pPr>
-            <a:r>
-              <a:rPr lang="de" sz="1800" b="0" i="0" u="none" strike="noStrike" cap="none">
-                <a:solidFill>
-                  <a:schemeClr val="lt1"/>
-                </a:solidFill>
-                <a:latin typeface="Montserrat ExtraBold"/>
-                <a:ea typeface="Montserrat ExtraBold"/>
-                <a:cs typeface="Montserrat ExtraBold"/>
-                <a:sym typeface="Montserrat ExtraBold"/>
-              </a:rPr>
-              <a:t>Attacks </a:t>
-            </a:r>
-            <a:r>
-              <a:rPr lang="de" sz="1800">
-                <a:solidFill>
-                  <a:schemeClr val="lt1"/>
-                </a:solidFill>
-                <a:latin typeface="Montserrat ExtraBold"/>
-                <a:ea typeface="Montserrat ExtraBold"/>
-                <a:cs typeface="Montserrat ExtraBold"/>
-                <a:sym typeface="Montserrat ExtraBold"/>
-              </a:rPr>
-              <a:t>&amp; Abillities</a:t>
-            </a:r>
-            <a:endParaRPr sz="1100" b="0" i="0" u="none" strike="noStrike" cap="none">
-              <a:solidFill>
-                <a:srgbClr val="000000"/>
-              </a:solidFill>
-              <a:latin typeface="Arial"/>
-              <a:ea typeface="Arial"/>
-              <a:cs typeface="Arial"/>
-              <a:sym typeface="Arial"/>
-            </a:endParaRPr>
-          </a:p>
-        </p:txBody>
-      </p:sp>
-      <p:sp>
-        <p:nvSpPr>
-          <p:cNvPr id="223" name="Google Shape;223;g3b636e5de4b_0_0"/>
-          <p:cNvSpPr/>
-          <p:nvPr/>
-        </p:nvSpPr>
-        <p:spPr>
-          <a:xfrm>
-            <a:off x="2885531" y="997143"/>
-            <a:ext cx="2394900" cy="250200"/>
-          </a:xfrm>
-          <a:prstGeom prst="rect">
-            <a:avLst/>
-          </a:prstGeom>
-          <a:solidFill>
-            <a:schemeClr val="lt2"/>
-          </a:solidFill>
-          <a:ln w="9525" cap="flat" cmpd="sng">
-            <a:solidFill>
-              <a:schemeClr val="dk2"/>
-            </a:solidFill>
-            <a:prstDash val="solid"/>
-            <a:round/>
-            <a:headEnd type="none" w="sm" len="sm"/>
-            <a:tailEnd type="none" w="sm" len="sm"/>
-          </a:ln>
-        </p:spPr>
-        <p:txBody>
-          <a:bodyPr spcFirstLastPara="1" wrap="square" lIns="91425" tIns="91425" rIns="91425" bIns="91425" anchor="ctr" anchorCtr="0">
-            <a:noAutofit/>
-          </a:bodyPr>
-          <a:lstStyle/>
-          <a:p>
-            <a:pPr marL="0" marR="0" lvl="0" indent="0" algn="ctr" rtl="0">
-              <a:lnSpc>
-                <a:spcPct val="100000"/>
-              </a:lnSpc>
-              <a:spcBef>
-                <a:spcPts val="0"/>
-              </a:spcBef>
-              <a:spcAft>
-                <a:spcPts val="0"/>
-              </a:spcAft>
-              <a:buClr>
-                <a:srgbClr val="000000"/>
-              </a:buClr>
-              <a:buSzPts val="1400"/>
-              <a:buFont typeface="Arial"/>
-              <a:buNone/>
-            </a:pPr>
-            <a:r>
-              <a:rPr lang="de" sz="1400" b="0" i="0" u="none" strike="noStrike" cap="none">
-                <a:solidFill>
-                  <a:schemeClr val="dk1"/>
-                </a:solidFill>
-                <a:latin typeface="Calibri"/>
-                <a:ea typeface="Calibri"/>
-                <a:cs typeface="Calibri"/>
-                <a:sym typeface="Calibri"/>
-              </a:rPr>
-              <a:t>- Attack</a:t>
-            </a:r>
-            <a:r>
-              <a:rPr lang="de">
-                <a:solidFill>
-                  <a:schemeClr val="dk1"/>
-                </a:solidFill>
-                <a:latin typeface="Calibri"/>
-                <a:ea typeface="Calibri"/>
-                <a:cs typeface="Calibri"/>
-                <a:sym typeface="Calibri"/>
-              </a:rPr>
-              <a:t>/Abillity -</a:t>
-            </a:r>
-            <a:endParaRPr>
-              <a:solidFill>
-                <a:schemeClr val="dk1"/>
-              </a:solidFill>
-              <a:latin typeface="Calibri"/>
-              <a:ea typeface="Calibri"/>
-              <a:cs typeface="Calibri"/>
-              <a:sym typeface="Calibri"/>
-            </a:endParaRPr>
-          </a:p>
-        </p:txBody>
-      </p:sp>
-      <p:sp>
-        <p:nvSpPr>
-          <p:cNvPr id="224" name="Google Shape;224;g3b636e5de4b_0_0"/>
-          <p:cNvSpPr txBox="1"/>
-          <p:nvPr/>
-        </p:nvSpPr>
-        <p:spPr>
-          <a:xfrm>
-            <a:off x="2885531" y="1266338"/>
-            <a:ext cx="2947800" cy="550500"/>
-          </a:xfrm>
-          <a:prstGeom prst="rect">
-            <a:avLst/>
-          </a:prstGeom>
-          <a:noFill/>
-          <a:ln>
-            <a:noFill/>
-          </a:ln>
-        </p:spPr>
-        <p:txBody>
-          <a:bodyPr spcFirstLastPara="1" wrap="square" lIns="91425" tIns="91425" rIns="91425" bIns="91425" anchor="t" anchorCtr="0">
-            <a:noAutofit/>
-          </a:bodyPr>
-          <a:lstStyle/>
-          <a:p>
-            <a:pPr marL="0" marR="0" lvl="0" indent="0" algn="l" rtl="0">
-              <a:lnSpc>
-                <a:spcPct val="100000"/>
-              </a:lnSpc>
-              <a:spcBef>
-                <a:spcPts val="0"/>
-              </a:spcBef>
-              <a:spcAft>
-                <a:spcPts val="0"/>
-              </a:spcAft>
-              <a:buClr>
-                <a:srgbClr val="000000"/>
-              </a:buClr>
-              <a:buSzPts val="1100"/>
-              <a:buFont typeface="Arial"/>
-              <a:buNone/>
-            </a:pPr>
-            <a:r>
-              <a:rPr lang="de" sz="1100" b="0" i="0" u="none" strike="noStrike" cap="none">
-                <a:solidFill>
-                  <a:schemeClr val="dk1"/>
-                </a:solidFill>
-                <a:latin typeface="Calibri"/>
-                <a:ea typeface="Calibri"/>
-                <a:cs typeface="Calibri"/>
-                <a:sym typeface="Calibri"/>
-              </a:rPr>
-              <a:t>- </a:t>
-            </a:r>
-            <a:endParaRPr sz="1800" b="0" i="0" u="none" strike="noStrike" cap="none">
-              <a:solidFill>
-                <a:schemeClr val="dk1"/>
-              </a:solidFill>
-              <a:latin typeface="Calibri"/>
-              <a:ea typeface="Calibri"/>
-              <a:cs typeface="Calibri"/>
-              <a:sym typeface="Calibri"/>
-            </a:endParaRPr>
-          </a:p>
-        </p:txBody>
-      </p:sp>
-      <p:sp>
-        <p:nvSpPr>
-          <p:cNvPr id="225" name="Google Shape;225;g3b636e5de4b_0_0"/>
-          <p:cNvSpPr/>
-          <p:nvPr/>
-        </p:nvSpPr>
-        <p:spPr>
-          <a:xfrm>
-            <a:off x="5525506" y="997143"/>
-            <a:ext cx="2394900" cy="250200"/>
-          </a:xfrm>
-          <a:prstGeom prst="rect">
-            <a:avLst/>
-          </a:prstGeom>
-          <a:solidFill>
-            <a:schemeClr val="lt2"/>
-          </a:solidFill>
-          <a:ln w="9525" cap="flat" cmpd="sng">
-            <a:solidFill>
-              <a:schemeClr val="dk2"/>
-            </a:solidFill>
-            <a:prstDash val="solid"/>
-            <a:round/>
-            <a:headEnd type="none" w="sm" len="sm"/>
-            <a:tailEnd type="none" w="sm" len="sm"/>
-          </a:ln>
-        </p:spPr>
-        <p:txBody>
-          <a:bodyPr spcFirstLastPara="1" wrap="square" lIns="91425" tIns="91425" rIns="91425" bIns="91425" anchor="ctr" anchorCtr="0">
-            <a:noAutofit/>
-          </a:bodyPr>
-          <a:lstStyle/>
-          <a:p>
-            <a:pPr marL="0" marR="0" lvl="0" indent="0" algn="ctr" rtl="0">
-              <a:lnSpc>
-                <a:spcPct val="100000"/>
-              </a:lnSpc>
-              <a:spcBef>
-                <a:spcPts val="0"/>
-              </a:spcBef>
-              <a:spcAft>
-                <a:spcPts val="0"/>
-              </a:spcAft>
-              <a:buClr>
-                <a:srgbClr val="000000"/>
-              </a:buClr>
-              <a:buSzPts val="1400"/>
-              <a:buFont typeface="Arial"/>
-              <a:buNone/>
-            </a:pPr>
-            <a:r>
-              <a:rPr lang="de" sz="1400" b="0" i="0" u="none" strike="noStrike" cap="none">
-                <a:solidFill>
-                  <a:schemeClr val="dk1"/>
-                </a:solidFill>
-                <a:latin typeface="Calibri"/>
-                <a:ea typeface="Calibri"/>
-                <a:cs typeface="Calibri"/>
-                <a:sym typeface="Calibri"/>
-              </a:rPr>
-              <a:t>- Attack</a:t>
-            </a:r>
-            <a:r>
-              <a:rPr lang="de">
-                <a:solidFill>
-                  <a:schemeClr val="dk1"/>
-                </a:solidFill>
-                <a:latin typeface="Calibri"/>
-                <a:ea typeface="Calibri"/>
-                <a:cs typeface="Calibri"/>
-                <a:sym typeface="Calibri"/>
-              </a:rPr>
-              <a:t>/Abillity -</a:t>
-            </a:r>
-            <a:endParaRPr>
-              <a:solidFill>
-                <a:schemeClr val="dk1"/>
-              </a:solidFill>
-              <a:latin typeface="Calibri"/>
-              <a:ea typeface="Calibri"/>
-              <a:cs typeface="Calibri"/>
-              <a:sym typeface="Calibri"/>
-            </a:endParaRPr>
-          </a:p>
-        </p:txBody>
-      </p:sp>
-      <p:sp>
-        <p:nvSpPr>
-          <p:cNvPr id="226" name="Google Shape;226;g3b636e5de4b_0_0"/>
-          <p:cNvSpPr txBox="1"/>
-          <p:nvPr/>
-        </p:nvSpPr>
-        <p:spPr>
-          <a:xfrm>
-            <a:off x="5525506" y="1266338"/>
-            <a:ext cx="2947800" cy="550500"/>
-          </a:xfrm>
-          <a:prstGeom prst="rect">
-            <a:avLst/>
-          </a:prstGeom>
-          <a:noFill/>
-          <a:ln>
-            <a:noFill/>
-          </a:ln>
-        </p:spPr>
-        <p:txBody>
-          <a:bodyPr spcFirstLastPara="1" wrap="square" lIns="91425" tIns="91425" rIns="91425" bIns="91425" anchor="t" anchorCtr="0">
-            <a:noAutofit/>
-          </a:bodyPr>
-          <a:lstStyle/>
-          <a:p>
-            <a:pPr marL="0" marR="0" lvl="0" indent="0" algn="l" rtl="0">
-              <a:lnSpc>
-                <a:spcPct val="100000"/>
-              </a:lnSpc>
-              <a:spcBef>
-                <a:spcPts val="0"/>
-              </a:spcBef>
-              <a:spcAft>
-                <a:spcPts val="0"/>
-              </a:spcAft>
-              <a:buClr>
-                <a:srgbClr val="000000"/>
-              </a:buClr>
-              <a:buSzPts val="1100"/>
-              <a:buFont typeface="Arial"/>
-              <a:buNone/>
-            </a:pPr>
-            <a:r>
-              <a:rPr lang="de" sz="1100" b="0" i="0" u="none" strike="noStrike" cap="none">
-                <a:solidFill>
-                  <a:schemeClr val="dk1"/>
-                </a:solidFill>
-                <a:latin typeface="Calibri"/>
-                <a:ea typeface="Calibri"/>
-                <a:cs typeface="Calibri"/>
-                <a:sym typeface="Calibri"/>
-              </a:rPr>
-              <a:t>- </a:t>
-            </a:r>
-            <a:endParaRPr sz="1800" b="0" i="0" u="none" strike="noStrike" cap="none">
-              <a:solidFill>
-                <a:schemeClr val="dk1"/>
-              </a:solidFill>
-              <a:latin typeface="Calibri"/>
-              <a:ea typeface="Calibri"/>
-              <a:cs typeface="Calibri"/>
-              <a:sym typeface="Calibri"/>
-            </a:endParaRPr>
-          </a:p>
-        </p:txBody>
-      </p:sp>
-      <p:sp>
-        <p:nvSpPr>
-          <p:cNvPr id="227" name="Google Shape;227;g3b636e5de4b_0_0"/>
-          <p:cNvSpPr/>
-          <p:nvPr/>
-        </p:nvSpPr>
-        <p:spPr>
-          <a:xfrm>
-            <a:off x="245556" y="2571743"/>
-            <a:ext cx="2394900" cy="250200"/>
-          </a:xfrm>
-          <a:prstGeom prst="rect">
-            <a:avLst/>
-          </a:prstGeom>
-          <a:solidFill>
-            <a:schemeClr val="lt2"/>
-          </a:solidFill>
-          <a:ln w="9525" cap="flat" cmpd="sng">
-            <a:solidFill>
-              <a:schemeClr val="dk2"/>
-            </a:solidFill>
-            <a:prstDash val="solid"/>
-            <a:round/>
-            <a:headEnd type="none" w="sm" len="sm"/>
-            <a:tailEnd type="none" w="sm" len="sm"/>
-          </a:ln>
-        </p:spPr>
-        <p:txBody>
-          <a:bodyPr spcFirstLastPara="1" wrap="square" lIns="91425" tIns="91425" rIns="91425" bIns="91425" anchor="ctr" anchorCtr="0">
-            <a:noAutofit/>
-          </a:bodyPr>
-          <a:lstStyle/>
-          <a:p>
-            <a:pPr marL="0" marR="0" lvl="0" indent="0" algn="ctr" rtl="0">
-              <a:lnSpc>
-                <a:spcPct val="100000"/>
-              </a:lnSpc>
-              <a:spcBef>
-                <a:spcPts val="0"/>
-              </a:spcBef>
-              <a:spcAft>
-                <a:spcPts val="0"/>
-              </a:spcAft>
-              <a:buClr>
-                <a:srgbClr val="000000"/>
-              </a:buClr>
-              <a:buSzPts val="1400"/>
-              <a:buFont typeface="Arial"/>
-              <a:buNone/>
-            </a:pPr>
-            <a:r>
-              <a:rPr lang="de" sz="1400" b="0" i="0" u="none" strike="noStrike" cap="none">
-                <a:solidFill>
-                  <a:schemeClr val="dk1"/>
-                </a:solidFill>
-                <a:latin typeface="Calibri"/>
-                <a:ea typeface="Calibri"/>
-                <a:cs typeface="Calibri"/>
-                <a:sym typeface="Calibri"/>
-              </a:rPr>
-              <a:t>- Attack</a:t>
-            </a:r>
-            <a:r>
-              <a:rPr lang="de">
-                <a:solidFill>
-                  <a:schemeClr val="dk1"/>
-                </a:solidFill>
-                <a:latin typeface="Calibri"/>
-                <a:ea typeface="Calibri"/>
-                <a:cs typeface="Calibri"/>
-                <a:sym typeface="Calibri"/>
-              </a:rPr>
-              <a:t>/Abillity -</a:t>
-            </a:r>
-            <a:endParaRPr>
-              <a:solidFill>
-                <a:schemeClr val="dk1"/>
-              </a:solidFill>
-              <a:latin typeface="Calibri"/>
-              <a:ea typeface="Calibri"/>
-              <a:cs typeface="Calibri"/>
-              <a:sym typeface="Calibri"/>
-            </a:endParaRPr>
-          </a:p>
-        </p:txBody>
-      </p:sp>
-      <p:sp>
-        <p:nvSpPr>
-          <p:cNvPr id="228" name="Google Shape;228;g3b636e5de4b_0_0"/>
-          <p:cNvSpPr txBox="1"/>
-          <p:nvPr/>
-        </p:nvSpPr>
-        <p:spPr>
-          <a:xfrm>
-            <a:off x="245556" y="2840938"/>
-            <a:ext cx="2947800" cy="550500"/>
-          </a:xfrm>
-          <a:prstGeom prst="rect">
-            <a:avLst/>
-          </a:prstGeom>
-          <a:noFill/>
-          <a:ln>
-            <a:noFill/>
-          </a:ln>
-        </p:spPr>
-        <p:txBody>
-          <a:bodyPr spcFirstLastPara="1" wrap="square" lIns="91425" tIns="91425" rIns="91425" bIns="91425" anchor="t" anchorCtr="0">
-            <a:noAutofit/>
-          </a:bodyPr>
-          <a:lstStyle/>
-          <a:p>
-            <a:pPr marL="0" marR="0" lvl="0" indent="0" algn="l" rtl="0">
-              <a:lnSpc>
-                <a:spcPct val="100000"/>
-              </a:lnSpc>
-              <a:spcBef>
-                <a:spcPts val="0"/>
-              </a:spcBef>
-              <a:spcAft>
-                <a:spcPts val="0"/>
-              </a:spcAft>
-              <a:buClr>
-                <a:srgbClr val="000000"/>
-              </a:buClr>
-              <a:buSzPts val="1100"/>
-              <a:buFont typeface="Arial"/>
-              <a:buNone/>
-            </a:pPr>
-            <a:r>
-              <a:rPr lang="de" sz="1100" b="0" i="0" u="none" strike="noStrike" cap="none">
-                <a:solidFill>
-                  <a:schemeClr val="dk1"/>
-                </a:solidFill>
-                <a:latin typeface="Calibri"/>
-                <a:ea typeface="Calibri"/>
-                <a:cs typeface="Calibri"/>
-                <a:sym typeface="Calibri"/>
-              </a:rPr>
-              <a:t>- </a:t>
-            </a:r>
-            <a:endParaRPr sz="1800" b="0" i="0" u="none" strike="noStrike" cap="none">
-              <a:solidFill>
-                <a:schemeClr val="dk1"/>
-              </a:solidFill>
-              <a:latin typeface="Calibri"/>
-              <a:ea typeface="Calibri"/>
-              <a:cs typeface="Calibri"/>
-              <a:sym typeface="Calibri"/>
-            </a:endParaRPr>
-          </a:p>
-        </p:txBody>
-      </p:sp>
-      <p:sp>
-        <p:nvSpPr>
-          <p:cNvPr id="229" name="Google Shape;229;g3b636e5de4b_0_0"/>
-          <p:cNvSpPr/>
-          <p:nvPr/>
-        </p:nvSpPr>
-        <p:spPr>
-          <a:xfrm>
-            <a:off x="2885531" y="2571743"/>
-            <a:ext cx="2394900" cy="250200"/>
-          </a:xfrm>
-          <a:prstGeom prst="rect">
-            <a:avLst/>
-          </a:prstGeom>
-          <a:solidFill>
-            <a:schemeClr val="lt2"/>
-          </a:solidFill>
-          <a:ln w="9525" cap="flat" cmpd="sng">
-            <a:solidFill>
-              <a:schemeClr val="dk2"/>
-            </a:solidFill>
-            <a:prstDash val="solid"/>
-            <a:round/>
-            <a:headEnd type="none" w="sm" len="sm"/>
-            <a:tailEnd type="none" w="sm" len="sm"/>
-          </a:ln>
-        </p:spPr>
-        <p:txBody>
-          <a:bodyPr spcFirstLastPara="1" wrap="square" lIns="91425" tIns="91425" rIns="91425" bIns="91425" anchor="ctr" anchorCtr="0">
-            <a:noAutofit/>
-          </a:bodyPr>
-          <a:lstStyle/>
-          <a:p>
-            <a:pPr marL="0" marR="0" lvl="0" indent="0" algn="ctr" rtl="0">
-              <a:lnSpc>
-                <a:spcPct val="100000"/>
-              </a:lnSpc>
-              <a:spcBef>
-                <a:spcPts val="0"/>
-              </a:spcBef>
-              <a:spcAft>
-                <a:spcPts val="0"/>
-              </a:spcAft>
-              <a:buClr>
-                <a:srgbClr val="000000"/>
-              </a:buClr>
-              <a:buSzPts val="1400"/>
-              <a:buFont typeface="Arial"/>
-              <a:buNone/>
-            </a:pPr>
-            <a:r>
-              <a:rPr lang="de" sz="1400" b="0" i="0" u="none" strike="noStrike" cap="none">
-                <a:solidFill>
-                  <a:schemeClr val="dk1"/>
-                </a:solidFill>
-                <a:latin typeface="Calibri"/>
-                <a:ea typeface="Calibri"/>
-                <a:cs typeface="Calibri"/>
-                <a:sym typeface="Calibri"/>
-              </a:rPr>
-              <a:t>- Attack</a:t>
-            </a:r>
-            <a:r>
-              <a:rPr lang="de">
-                <a:solidFill>
-                  <a:schemeClr val="dk1"/>
-                </a:solidFill>
-                <a:latin typeface="Calibri"/>
-                <a:ea typeface="Calibri"/>
-                <a:cs typeface="Calibri"/>
-                <a:sym typeface="Calibri"/>
-              </a:rPr>
-              <a:t>/Abillity -</a:t>
-            </a:r>
-            <a:endParaRPr>
-              <a:solidFill>
-                <a:schemeClr val="dk1"/>
-              </a:solidFill>
-              <a:latin typeface="Calibri"/>
-              <a:ea typeface="Calibri"/>
-              <a:cs typeface="Calibri"/>
-              <a:sym typeface="Calibri"/>
-            </a:endParaRPr>
-          </a:p>
-        </p:txBody>
-      </p:sp>
-      <p:sp>
-        <p:nvSpPr>
-          <p:cNvPr id="230" name="Google Shape;230;g3b636e5de4b_0_0"/>
-          <p:cNvSpPr txBox="1"/>
-          <p:nvPr/>
-        </p:nvSpPr>
-        <p:spPr>
-          <a:xfrm>
-            <a:off x="2885531" y="2840938"/>
-            <a:ext cx="2947800" cy="550500"/>
-          </a:xfrm>
-          <a:prstGeom prst="rect">
-            <a:avLst/>
-          </a:prstGeom>
-          <a:noFill/>
-          <a:ln>
-            <a:noFill/>
-          </a:ln>
-        </p:spPr>
-        <p:txBody>
-          <a:bodyPr spcFirstLastPara="1" wrap="square" lIns="91425" tIns="91425" rIns="91425" bIns="91425" anchor="t" anchorCtr="0">
-            <a:noAutofit/>
-          </a:bodyPr>
-          <a:lstStyle/>
-          <a:p>
-            <a:pPr marL="0" marR="0" lvl="0" indent="0" algn="l" rtl="0">
-              <a:lnSpc>
-                <a:spcPct val="100000"/>
-              </a:lnSpc>
-              <a:spcBef>
-                <a:spcPts val="0"/>
-              </a:spcBef>
-              <a:spcAft>
-                <a:spcPts val="0"/>
-              </a:spcAft>
-              <a:buClr>
-                <a:srgbClr val="000000"/>
-              </a:buClr>
-              <a:buSzPts val="1100"/>
-              <a:buFont typeface="Arial"/>
-              <a:buNone/>
-            </a:pPr>
-            <a:r>
-              <a:rPr lang="de" sz="1100" b="0" i="0" u="none" strike="noStrike" cap="none">
-                <a:solidFill>
-                  <a:schemeClr val="dk1"/>
-                </a:solidFill>
-                <a:latin typeface="Calibri"/>
-                <a:ea typeface="Calibri"/>
-                <a:cs typeface="Calibri"/>
-                <a:sym typeface="Calibri"/>
-              </a:rPr>
-              <a:t>- </a:t>
-            </a:r>
-            <a:endParaRPr sz="1800" b="0" i="0" u="none" strike="noStrike" cap="none">
-              <a:solidFill>
-                <a:schemeClr val="dk1"/>
-              </a:solidFill>
-              <a:latin typeface="Calibri"/>
-              <a:ea typeface="Calibri"/>
-              <a:cs typeface="Calibri"/>
-              <a:sym typeface="Calibri"/>
-            </a:endParaRPr>
-          </a:p>
-        </p:txBody>
-      </p:sp>
-      <p:sp>
-        <p:nvSpPr>
-          <p:cNvPr id="231" name="Google Shape;231;g3b636e5de4b_0_0"/>
-          <p:cNvSpPr/>
-          <p:nvPr/>
-        </p:nvSpPr>
-        <p:spPr>
-          <a:xfrm>
-            <a:off x="5525506" y="2571743"/>
-            <a:ext cx="2394900" cy="250200"/>
-          </a:xfrm>
-          <a:prstGeom prst="rect">
-            <a:avLst/>
-          </a:prstGeom>
-          <a:solidFill>
-            <a:schemeClr val="lt2"/>
-          </a:solidFill>
-          <a:ln w="9525" cap="flat" cmpd="sng">
-            <a:solidFill>
-              <a:schemeClr val="dk2"/>
-            </a:solidFill>
-            <a:prstDash val="solid"/>
-            <a:round/>
-            <a:headEnd type="none" w="sm" len="sm"/>
-            <a:tailEnd type="none" w="sm" len="sm"/>
-          </a:ln>
-        </p:spPr>
-        <p:txBody>
-          <a:bodyPr spcFirstLastPara="1" wrap="square" lIns="91425" tIns="91425" rIns="91425" bIns="91425" anchor="ctr" anchorCtr="0">
-            <a:noAutofit/>
-          </a:bodyPr>
-          <a:lstStyle/>
-          <a:p>
-            <a:pPr marL="0" marR="0" lvl="0" indent="0" algn="ctr" rtl="0">
-              <a:lnSpc>
-                <a:spcPct val="100000"/>
-              </a:lnSpc>
-              <a:spcBef>
-                <a:spcPts val="0"/>
-              </a:spcBef>
-              <a:spcAft>
-                <a:spcPts val="0"/>
-              </a:spcAft>
-              <a:buClr>
-                <a:srgbClr val="000000"/>
-              </a:buClr>
-              <a:buSzPts val="1400"/>
-              <a:buFont typeface="Arial"/>
-              <a:buNone/>
-            </a:pPr>
-            <a:r>
-              <a:rPr lang="de" sz="1400" b="0" i="0" u="none" strike="noStrike" cap="none">
-                <a:solidFill>
-                  <a:schemeClr val="dk1"/>
-                </a:solidFill>
-                <a:latin typeface="Calibri"/>
-                <a:ea typeface="Calibri"/>
-                <a:cs typeface="Calibri"/>
-                <a:sym typeface="Calibri"/>
-              </a:rPr>
-              <a:t>- Attack</a:t>
-            </a:r>
-            <a:r>
-              <a:rPr lang="de">
-                <a:solidFill>
-                  <a:schemeClr val="dk1"/>
-                </a:solidFill>
-                <a:latin typeface="Calibri"/>
-                <a:ea typeface="Calibri"/>
-                <a:cs typeface="Calibri"/>
-                <a:sym typeface="Calibri"/>
-              </a:rPr>
-              <a:t>/Abillity -</a:t>
-            </a:r>
-            <a:endParaRPr>
-              <a:solidFill>
-                <a:schemeClr val="dk1"/>
-              </a:solidFill>
-              <a:latin typeface="Calibri"/>
-              <a:ea typeface="Calibri"/>
-              <a:cs typeface="Calibri"/>
-              <a:sym typeface="Calibri"/>
-            </a:endParaRPr>
-          </a:p>
-        </p:txBody>
-      </p:sp>
-      <p:sp>
-        <p:nvSpPr>
-          <p:cNvPr id="232" name="Google Shape;232;g3b636e5de4b_0_0"/>
-          <p:cNvSpPr txBox="1"/>
-          <p:nvPr/>
-        </p:nvSpPr>
-        <p:spPr>
-          <a:xfrm>
-            <a:off x="5525506" y="2840938"/>
-            <a:ext cx="2947800" cy="550500"/>
-          </a:xfrm>
-          <a:prstGeom prst="rect">
-            <a:avLst/>
-          </a:prstGeom>
-          <a:noFill/>
-          <a:ln>
-            <a:noFill/>
-          </a:ln>
-        </p:spPr>
-        <p:txBody>
-          <a:bodyPr spcFirstLastPara="1" wrap="square" lIns="91425" tIns="91425" rIns="91425" bIns="91425" anchor="t" anchorCtr="0">
-            <a:noAutofit/>
-          </a:bodyPr>
-          <a:lstStyle/>
-          <a:p>
-            <a:pPr marL="0" marR="0" lvl="0" indent="0" algn="l" rtl="0">
-              <a:lnSpc>
-                <a:spcPct val="100000"/>
-              </a:lnSpc>
-              <a:spcBef>
-                <a:spcPts val="0"/>
-              </a:spcBef>
-              <a:spcAft>
-                <a:spcPts val="0"/>
-              </a:spcAft>
-              <a:buClr>
-                <a:srgbClr val="000000"/>
-              </a:buClr>
-              <a:buSzPts val="1100"/>
-              <a:buFont typeface="Arial"/>
-              <a:buNone/>
-            </a:pPr>
-            <a:r>
-              <a:rPr lang="de" sz="1100" b="0" i="0" u="none" strike="noStrike" cap="none">
-                <a:solidFill>
-                  <a:schemeClr val="dk1"/>
-                </a:solidFill>
-                <a:latin typeface="Calibri"/>
-                <a:ea typeface="Calibri"/>
-                <a:cs typeface="Calibri"/>
-                <a:sym typeface="Calibri"/>
-              </a:rPr>
-              <a:t>- </a:t>
-            </a:r>
-            <a:endParaRPr sz="1800" b="0" i="0" u="none" strike="noStrike" cap="none">
-              <a:solidFill>
-                <a:schemeClr val="dk1"/>
-              </a:solidFill>
-              <a:latin typeface="Calibri"/>
-              <a:ea typeface="Calibri"/>
-              <a:cs typeface="Calibri"/>
-              <a:sym typeface="Calibri"/>
-            </a:endParaRPr>
-          </a:p>
-        </p:txBody>
-      </p:sp>
-    </p:spTree>
-  </p:cSld>
-  <p:clrMapOvr>
-    <a:masterClrMapping/>
-  </p:clrMapOvr>
-</p:sld>
-</file>
-
-<file path=ppt/slides/slide7.xml><?xml version="1.0" encoding="utf-8"?>
-<p:sld xmlns:a="http://schemas.openxmlformats.org/drawingml/2006/main" xmlns:r="http://schemas.openxmlformats.org/officeDocument/2006/relationships" xmlns:p="http://schemas.openxmlformats.org/presentationml/2006/main">
-  <p:cSld>
-    <p:spTree>
-      <p:nvGrpSpPr>
         <p:cNvPr id="1" name="Shape 236"/>
         <p:cNvGrpSpPr/>
         <p:nvPr/>
@@ -29506,11 +28586,17 @@
         <p:nvGraphicFramePr>
           <p:cNvPr id="237" name="Google Shape;237;p6"/>
           <p:cNvGraphicFramePr/>
-          <p:nvPr/>
+          <p:nvPr>
+            <p:extLst>
+              <p:ext uri="{D42A27DB-BD31-4B8C-83A1-F6EECF244321}">
+                <p14:modId xmlns:p14="http://schemas.microsoft.com/office/powerpoint/2010/main" val="1391958761"/>
+              </p:ext>
+            </p:extLst>
+          </p:nvPr>
         </p:nvGraphicFramePr>
         <p:xfrm>
           <a:off x="35626" y="50514"/>
-          <a:ext cx="3000000" cy="3000000"/>
+          <a:ext cx="9108375" cy="5734701"/>
         </p:xfrm>
         <a:graphic>
           <a:graphicData uri="http://schemas.openxmlformats.org/drawingml/2006/table">
@@ -29605,30 +28691,14 @@
                         <a:buNone/>
                       </a:pPr>
                       <a:r>
-                        <a:rPr lang="de" sz="1100" b="1" u="none" strike="noStrike" cap="none">
+                        <a:rPr lang="de" sz="1100" b="1" u="none" strike="noStrike" cap="none" dirty="0">
                           <a:solidFill>
                             <a:schemeClr val="dk1"/>
                           </a:solidFill>
                         </a:rPr>
-                        <a:t>DIALOGUE BARK – </a:t>
+                        <a:t>DIALOGUE BARK – before treatment</a:t>
                       </a:r>
-                      <a:r>
-                        <a:rPr lang="de" sz="1100">
-                          <a:solidFill>
-                            <a:schemeClr val="dk1"/>
-                          </a:solidFill>
-                        </a:rPr>
-                        <a:t>Situation </a:t>
-                      </a:r>
-                      <a:r>
-                        <a:rPr lang="de" sz="1100" b="1" u="none" strike="noStrike" cap="none">
-                          <a:solidFill>
-                            <a:schemeClr val="dk1"/>
-                          </a:solidFill>
-                        </a:rPr>
-                        <a:t>v01</a:t>
-                      </a:r>
-                      <a:endParaRPr sz="1100" u="none" strike="noStrike" cap="none"/>
+                      <a:endParaRPr sz="1100" u="none" strike="noStrike" cap="none" dirty="0"/>
                     </a:p>
                   </a:txBody>
                   <a:tcPr marL="68600" marR="68600" marT="34300" marB="34300">
@@ -29754,7 +28824,43 @@
                         <a:buFont typeface="Arial"/>
                         <a:buNone/>
                       </a:pPr>
-                      <a:endParaRPr sz="1100" u="none" strike="noStrike" cap="none"/>
+                      <a:r>
+                        <a:rPr lang="en-GB" sz="1100" u="none" strike="noStrike" cap="none" dirty="0"/>
+                        <a:t>“Ich </a:t>
+                      </a:r>
+                      <a:r>
+                        <a:rPr lang="en-GB" sz="1100" u="none" strike="noStrike" cap="none" dirty="0" err="1"/>
+                        <a:t>hoffe</a:t>
+                      </a:r>
+                      <a:r>
+                        <a:rPr lang="en-GB" sz="1100" u="none" strike="noStrike" cap="none" dirty="0"/>
+                        <a:t> </a:t>
+                      </a:r>
+                      <a:r>
+                        <a:rPr lang="en-GB" sz="1100" u="none" strike="noStrike" cap="none" dirty="0" err="1"/>
+                        <a:t>ihr</a:t>
+                      </a:r>
+                      <a:r>
+                        <a:rPr lang="en-GB" sz="1100" u="none" strike="noStrike" cap="none" dirty="0"/>
+                        <a:t> </a:t>
+                      </a:r>
+                      <a:r>
+                        <a:rPr lang="en-GB" sz="1100" u="none" strike="noStrike" cap="none" dirty="0" err="1"/>
+                        <a:t>könnt</a:t>
+                      </a:r>
+                      <a:r>
+                        <a:rPr lang="en-GB" sz="1100" u="none" strike="noStrike" cap="none" dirty="0"/>
+                        <a:t> mir </a:t>
+                      </a:r>
+                      <a:r>
+                        <a:rPr lang="en-GB" sz="1100" u="none" strike="noStrike" cap="none" dirty="0" err="1"/>
+                        <a:t>helfen</a:t>
+                      </a:r>
+                      <a:r>
+                        <a:rPr lang="en-GB" sz="1100" u="none" strike="noStrike" cap="none" dirty="0"/>
+                        <a:t>…”</a:t>
+                      </a:r>
+                      <a:endParaRPr sz="1100" u="none" strike="noStrike" cap="none" dirty="0"/>
                     </a:p>
                   </a:txBody>
                   <a:tcPr marL="68600" marR="68600" marT="34300" marB="34300">
@@ -29783,7 +28889,7 @@
                         <a:buFont typeface="Arial"/>
                         <a:buNone/>
                       </a:pPr>
-                      <a:endParaRPr sz="1100" u="none" strike="noStrike" cap="none"/>
+                      <a:endParaRPr sz="1100" u="none" strike="noStrike" cap="none" dirty="0"/>
                     </a:p>
                   </a:txBody>
                   <a:tcPr marL="68600" marR="68600" marT="34300" marB="34300">
@@ -29849,7 +28955,35 @@
                         <a:buFont typeface="Arial"/>
                         <a:buNone/>
                       </a:pPr>
-                      <a:endParaRPr sz="1100" u="none" strike="noStrike" cap="none"/>
+                      <a:r>
+                        <a:rPr lang="en-GB" sz="1100" u="none" strike="noStrike" cap="none" dirty="0"/>
+                        <a:t>“…</a:t>
+                      </a:r>
+                      <a:r>
+                        <a:rPr lang="en-GB" sz="1100" u="none" strike="noStrike" cap="none" dirty="0" err="1"/>
+                        <a:t>aber</a:t>
+                      </a:r>
+                      <a:r>
+                        <a:rPr lang="en-GB" sz="1100" u="none" strike="noStrike" cap="none" dirty="0"/>
+                        <a:t> was </a:t>
+                      </a:r>
+                      <a:r>
+                        <a:rPr lang="en-GB" sz="1100" u="none" strike="noStrike" cap="none" dirty="0" err="1"/>
+                        <a:t>wenn</a:t>
+                      </a:r>
+                      <a:r>
+                        <a:rPr lang="en-GB" sz="1100" u="none" strike="noStrike" cap="none" dirty="0"/>
+                        <a:t> es nicht </a:t>
+                      </a:r>
+                      <a:r>
+                        <a:rPr lang="en-GB" sz="1100" u="none" strike="noStrike" cap="none" dirty="0" err="1"/>
+                        <a:t>klappt</a:t>
+                      </a:r>
+                      <a:r>
+                        <a:rPr lang="en-GB" sz="1100" u="none" strike="noStrike" cap="none" dirty="0"/>
+                        <a:t>?”</a:t>
+                      </a:r>
+                      <a:endParaRPr sz="1100" u="none" strike="noStrike" cap="none" dirty="0"/>
                     </a:p>
                   </a:txBody>
                   <a:tcPr marL="68600" marR="68600" marT="34300" marB="34300">
@@ -29944,7 +29078,43 @@
                         <a:buFont typeface="Arial"/>
                         <a:buNone/>
                       </a:pPr>
-                      <a:endParaRPr sz="1100" u="none" strike="noStrike" cap="none"/>
+                      <a:r>
+                        <a:rPr lang="en-GB" sz="1100" u="none" strike="noStrike" cap="none" dirty="0"/>
+                        <a:t>“</a:t>
+                      </a:r>
+                      <a:r>
+                        <a:rPr lang="en-GB" sz="1100" u="none" strike="noStrike" cap="none" dirty="0" err="1"/>
+                        <a:t>Funktioniert</a:t>
+                      </a:r>
+                      <a:r>
+                        <a:rPr lang="en-GB" sz="1100" u="none" strike="noStrike" cap="none" dirty="0"/>
+                        <a:t> das </a:t>
+                      </a:r>
+                      <a:r>
+                        <a:rPr lang="en-GB" sz="1100" u="none" strike="noStrike" cap="none" dirty="0" err="1"/>
+                        <a:t>überhaupt</a:t>
+                      </a:r>
+                      <a:r>
+                        <a:rPr lang="en-GB" sz="1100" u="none" strike="noStrike" cap="none" dirty="0"/>
+                        <a:t> </a:t>
+                      </a:r>
+                      <a:r>
+                        <a:rPr lang="en-GB" sz="1100" u="none" strike="noStrike" cap="none" dirty="0" err="1"/>
+                        <a:t>bei</a:t>
+                      </a:r>
+                      <a:r>
+                        <a:rPr lang="en-GB" sz="1100" u="none" strike="noStrike" cap="none" dirty="0"/>
+                        <a:t> </a:t>
+                      </a:r>
+                      <a:r>
+                        <a:rPr lang="en-GB" sz="1100" u="none" strike="noStrike" cap="none" dirty="0" err="1"/>
+                        <a:t>Alpträumen</a:t>
+                      </a:r>
+                      <a:r>
+                        <a:rPr lang="en-GB" sz="1100" u="none" strike="noStrike" cap="none" dirty="0"/>
+                        <a:t>?”</a:t>
+                      </a:r>
+                      <a:endParaRPr sz="1100" u="none" strike="noStrike" cap="none" dirty="0"/>
                     </a:p>
                   </a:txBody>
                   <a:tcPr marL="68600" marR="68600" marT="34300" marB="34300">
@@ -30334,26 +29504,14 @@
                         <a:buNone/>
                       </a:pPr>
                       <a:r>
-                        <a:rPr lang="de" sz="1100" b="1" u="none" strike="noStrike" cap="none">
+                        <a:rPr lang="de" sz="1100" b="1" u="none" strike="noStrike" cap="none" dirty="0">
                           <a:solidFill>
                             <a:schemeClr val="dk1"/>
                           </a:solidFill>
                         </a:rPr>
-                        <a:t>DIALOGUE BARK – </a:t>
+                        <a:t>DIALOGUE BARK – success</a:t>
                       </a:r>
-                      <a:r>
-                        <a:rPr lang="de" sz="1100" b="1"/>
-                        <a:t>Situation </a:t>
-                      </a:r>
-                      <a:r>
-                        <a:rPr lang="de" sz="1100" b="1" u="none" strike="noStrike" cap="none">
-                          <a:solidFill>
-                            <a:schemeClr val="dk1"/>
-                          </a:solidFill>
-                        </a:rPr>
-                        <a:t> v01</a:t>
-                      </a:r>
-                      <a:endParaRPr sz="1100" u="none" strike="noStrike" cap="none"/>
+                      <a:endParaRPr sz="1100" u="none" strike="noStrike" cap="none" dirty="0"/>
                     </a:p>
                   </a:txBody>
                   <a:tcPr marL="68600" marR="68600" marT="34300" marB="34300">
@@ -30472,7 +29630,27 @@
                         <a:buFont typeface="Arial"/>
                         <a:buNone/>
                       </a:pPr>
-                      <a:endParaRPr sz="1100" u="none" strike="noStrike" cap="none"/>
+                      <a:r>
+                        <a:rPr lang="en-GB" sz="1100" u="none" strike="noStrike" cap="none" dirty="0"/>
+                        <a:t>“Puh, das hat </a:t>
+                      </a:r>
+                      <a:r>
+                        <a:rPr lang="en-GB" sz="1100" u="none" strike="noStrike" cap="none" dirty="0" err="1"/>
+                        <a:t>echt</a:t>
+                      </a:r>
+                      <a:r>
+                        <a:rPr lang="en-GB" sz="1100" u="none" strike="noStrike" cap="none" dirty="0"/>
+                        <a:t> gut </a:t>
+                      </a:r>
+                      <a:r>
+                        <a:rPr lang="en-GB" sz="1100" u="none" strike="noStrike" cap="none" dirty="0" err="1"/>
+                        <a:t>getan</a:t>
+                      </a:r>
+                      <a:r>
+                        <a:rPr lang="en-GB" sz="1100" u="none" strike="noStrike" cap="none" dirty="0"/>
+                        <a:t>.”</a:t>
+                      </a:r>
+                      <a:endParaRPr sz="1100" u="none" strike="noStrike" cap="none" dirty="0"/>
                     </a:p>
                   </a:txBody>
                   <a:tcPr marL="68600" marR="68600" marT="34300" marB="34300">
@@ -30567,7 +29745,59 @@
                         <a:buFont typeface="Arial"/>
                         <a:buNone/>
                       </a:pPr>
-                      <a:endParaRPr sz="1100" u="none" strike="noStrike" cap="none"/>
+                      <a:r>
+                        <a:rPr lang="en-GB" sz="1100" u="none" strike="noStrike" cap="none" dirty="0"/>
+                        <a:t>“Ich muss das </a:t>
+                      </a:r>
+                      <a:r>
+                        <a:rPr lang="en-GB" sz="1100" u="none" strike="noStrike" cap="none" dirty="0" err="1"/>
+                        <a:t>öfter</a:t>
+                      </a:r>
+                      <a:r>
+                        <a:rPr lang="en-GB" sz="1100" u="none" strike="noStrike" cap="none" dirty="0"/>
+                        <a:t> </a:t>
+                      </a:r>
+                      <a:r>
+                        <a:rPr lang="en-GB" sz="1100" u="none" strike="noStrike" cap="none" dirty="0" err="1"/>
+                        <a:t>machen</a:t>
+                      </a:r>
+                      <a:r>
+                        <a:rPr lang="en-GB" sz="1100" u="none" strike="noStrike" cap="none" dirty="0"/>
+                        <a:t>, </a:t>
+                      </a:r>
+                      <a:r>
+                        <a:rPr lang="en-GB" sz="1100" u="none" strike="noStrike" cap="none" dirty="0" err="1"/>
+                        <a:t>dann</a:t>
+                      </a:r>
+                      <a:r>
+                        <a:rPr lang="en-GB" sz="1100" u="none" strike="noStrike" cap="none" dirty="0"/>
+                        <a:t> </a:t>
+                      </a:r>
+                      <a:r>
+                        <a:rPr lang="en-GB" sz="1100" u="none" strike="noStrike" cap="none" dirty="0" err="1"/>
+                        <a:t>werde</a:t>
+                      </a:r>
+                      <a:r>
+                        <a:rPr lang="en-GB" sz="1100" u="none" strike="noStrike" cap="none" dirty="0"/>
+                        <a:t> ich </a:t>
+                      </a:r>
+                      <a:r>
+                        <a:rPr lang="en-GB" sz="1100" u="none" strike="noStrike" cap="none" dirty="0" err="1"/>
+                        <a:t>bestimmt</a:t>
+                      </a:r>
+                      <a:r>
+                        <a:rPr lang="en-GB" sz="1100" u="none" strike="noStrike" cap="none" dirty="0"/>
+                        <a:t> stark </a:t>
+                      </a:r>
+                      <a:r>
+                        <a:rPr lang="en-GB" sz="1100" u="none" strike="noStrike" cap="none" dirty="0" err="1"/>
+                        <a:t>genug</a:t>
+                      </a:r>
+                      <a:r>
+                        <a:rPr lang="en-GB" sz="1100" u="none" strike="noStrike" cap="none" dirty="0"/>
+                        <a:t>!”</a:t>
+                      </a:r>
+                      <a:endParaRPr sz="1100" u="none" strike="noStrike" cap="none" dirty="0"/>
                     </a:p>
                   </a:txBody>
                   <a:tcPr marL="68600" marR="68600" marT="34300" marB="34300">
@@ -30609,7 +29839,7 @@
                   </a:ext>
                 </a:extLst>
               </a:tr>
-              <a:tr h="239450">
+              <a:tr h="287981">
                 <a:tc>
                   <a:txBody>
                     <a:bodyPr/>
@@ -30662,7 +29892,35 @@
                         <a:buFont typeface="Arial"/>
                         <a:buNone/>
                       </a:pPr>
-                      <a:endParaRPr sz="1100" u="none" strike="noStrike" cap="none"/>
+                      <a:r>
+                        <a:rPr lang="en-GB" sz="1100" u="none" strike="noStrike" cap="none" dirty="0"/>
+                        <a:t>“Das war cool! Ich </a:t>
+                      </a:r>
+                      <a:r>
+                        <a:rPr lang="en-GB" sz="1100" u="none" strike="noStrike" cap="none" dirty="0" err="1"/>
+                        <a:t>hoffe</a:t>
+                      </a:r>
+                      <a:r>
+                        <a:rPr lang="en-GB" sz="1100" u="none" strike="noStrike" cap="none" dirty="0"/>
+                        <a:t>, ich </a:t>
+                      </a:r>
+                      <a:r>
+                        <a:rPr lang="en-GB" sz="1100" u="none" strike="noStrike" cap="none" dirty="0" err="1"/>
+                        <a:t>kann</a:t>
+                      </a:r>
+                      <a:r>
+                        <a:rPr lang="en-GB" sz="1100" u="none" strike="noStrike" cap="none" dirty="0"/>
+                        <a:t> mal </a:t>
+                      </a:r>
+                      <a:r>
+                        <a:rPr lang="en-GB" sz="1100" u="none" strike="noStrike" cap="none" dirty="0" err="1"/>
+                        <a:t>wiederkommen</a:t>
+                      </a:r>
+                      <a:r>
+                        <a:rPr lang="en-GB" sz="1100" u="none" strike="noStrike" cap="none" dirty="0"/>
+                        <a:t>”</a:t>
+                      </a:r>
+                      <a:endParaRPr sz="1100" u="none" strike="noStrike" cap="none" dirty="0"/>
                     </a:p>
                   </a:txBody>
                   <a:tcPr marL="68600" marR="68600" marT="34300" marB="34300">
@@ -31052,26 +30310,14 @@
                         <a:buNone/>
                       </a:pPr>
                       <a:r>
-                        <a:rPr lang="de" sz="1100" b="1" u="none" strike="noStrike" cap="none">
+                        <a:rPr lang="de" sz="1100" b="1" u="none" strike="noStrike" cap="none" dirty="0">
                           <a:solidFill>
                             <a:schemeClr val="dk1"/>
                           </a:solidFill>
                         </a:rPr>
-                        <a:t>DIALOGUE BARK – </a:t>
+                        <a:t>DIALOGUE BARK – fail</a:t>
                       </a:r>
-                      <a:r>
-                        <a:rPr lang="de" sz="1100" b="1"/>
-                        <a:t>Situation </a:t>
-                      </a:r>
-                      <a:r>
-                        <a:rPr lang="de" sz="1100" b="1" u="none" strike="noStrike" cap="none">
-                          <a:solidFill>
-                            <a:schemeClr val="dk1"/>
-                          </a:solidFill>
-                        </a:rPr>
-                        <a:t> v01</a:t>
-                      </a:r>
-                      <a:endParaRPr sz="1100" u="none" strike="noStrike" cap="none"/>
+                      <a:endParaRPr sz="1100" u="none" strike="noStrike" cap="none" dirty="0"/>
                     </a:p>
                   </a:txBody>
                   <a:tcPr marL="68600" marR="68600" marT="34300" marB="34300">
@@ -31190,7 +30436,43 @@
                         <a:buFont typeface="Arial"/>
                         <a:buNone/>
                       </a:pPr>
-                      <a:endParaRPr sz="900" u="none" strike="noStrike" cap="none"/>
+                      <a:r>
+                        <a:rPr lang="en-GB" sz="900" u="none" strike="noStrike" cap="none" dirty="0"/>
+                        <a:t>“Ich </a:t>
+                      </a:r>
+                      <a:r>
+                        <a:rPr lang="en-GB" sz="900" u="none" strike="noStrike" cap="none" dirty="0" err="1"/>
+                        <a:t>hätte</a:t>
+                      </a:r>
+                      <a:r>
+                        <a:rPr lang="en-GB" sz="900" u="none" strike="noStrike" cap="none" dirty="0"/>
+                        <a:t> nicht an die </a:t>
+                      </a:r>
+                      <a:r>
+                        <a:rPr lang="en-GB" sz="900" u="none" strike="noStrike" cap="none" dirty="0" err="1"/>
+                        <a:t>Wirkung</a:t>
+                      </a:r>
+                      <a:r>
+                        <a:rPr lang="en-GB" sz="900" u="none" strike="noStrike" cap="none" dirty="0"/>
+                        <a:t> </a:t>
+                      </a:r>
+                      <a:r>
+                        <a:rPr lang="en-GB" sz="900" u="none" strike="noStrike" cap="none" dirty="0" err="1"/>
+                        <a:t>glauben</a:t>
+                      </a:r>
+                      <a:r>
+                        <a:rPr lang="en-GB" sz="900" u="none" strike="noStrike" cap="none" dirty="0"/>
+                        <a:t>  </a:t>
+                      </a:r>
+                      <a:r>
+                        <a:rPr lang="en-GB" sz="900" u="none" strike="noStrike" cap="none" dirty="0" err="1"/>
+                        <a:t>sollen</a:t>
+                      </a:r>
+                      <a:r>
+                        <a:rPr lang="en-GB" sz="900" u="none" strike="noStrike" cap="none" dirty="0"/>
+                        <a:t>”</a:t>
+                      </a:r>
+                      <a:endParaRPr sz="900" u="none" strike="noStrike" cap="none" dirty="0"/>
                     </a:p>
                   </a:txBody>
                   <a:tcPr marL="68600" marR="68600" marT="34300" marB="34300">
@@ -31285,7 +30567,43 @@
                         <a:buFont typeface="Arial"/>
                         <a:buNone/>
                       </a:pPr>
-                      <a:endParaRPr sz="900" u="none" strike="noStrike" cap="none"/>
+                      <a:r>
+                        <a:rPr lang="en-GB" sz="900" u="none" strike="noStrike" cap="none" dirty="0"/>
+                        <a:t>“Mein Vater </a:t>
+                      </a:r>
+                      <a:r>
+                        <a:rPr lang="en-GB" sz="900" u="none" strike="noStrike" cap="none" dirty="0" err="1"/>
+                        <a:t>schreibt</a:t>
+                      </a:r>
+                      <a:r>
+                        <a:rPr lang="en-GB" sz="900" u="none" strike="noStrike" cap="none" dirty="0"/>
+                        <a:t> </a:t>
+                      </a:r>
+                      <a:r>
+                        <a:rPr lang="en-GB" sz="900" u="none" strike="noStrike" cap="none" dirty="0" err="1"/>
+                        <a:t>euch</a:t>
+                      </a:r>
+                      <a:r>
+                        <a:rPr lang="en-GB" sz="900" u="none" strike="noStrike" cap="none" dirty="0"/>
+                        <a:t> </a:t>
+                      </a:r>
+                      <a:r>
+                        <a:rPr lang="en-GB" sz="900" u="none" strike="noStrike" cap="none" dirty="0" err="1"/>
+                        <a:t>eine</a:t>
+                      </a:r>
+                      <a:r>
+                        <a:rPr lang="en-GB" sz="900" u="none" strike="noStrike" cap="none" dirty="0"/>
+                        <a:t> 1-Sterne </a:t>
+                      </a:r>
+                      <a:r>
+                        <a:rPr lang="en-GB" sz="900" u="none" strike="noStrike" cap="none" dirty="0" err="1"/>
+                        <a:t>Rezension</a:t>
+                      </a:r>
+                      <a:r>
+                        <a:rPr lang="en-GB" sz="900" u="none" strike="noStrike" cap="none" dirty="0"/>
+                        <a:t>!”</a:t>
+                      </a:r>
+                      <a:endParaRPr sz="900" u="none" strike="noStrike" cap="none" dirty="0"/>
                     </a:p>
                   </a:txBody>
                   <a:tcPr marL="68600" marR="68600" marT="34300" marB="34300">
@@ -31380,2238 +30698,35 @@
                         <a:buFont typeface="Arial"/>
                         <a:buNone/>
                       </a:pPr>
-                      <a:endParaRPr sz="900" u="none" strike="noStrike" cap="none"/>
-                    </a:p>
-                  </a:txBody>
-                  <a:tcPr marL="68600" marR="68600" marT="34300" marB="34300">
-                    <a:noFill/>
-                  </a:tcPr>
-                </a:tc>
-                <a:tc>
-                  <a:txBody>
-                    <a:bodyPr/>
-                    <a:lstStyle/>
-                    <a:p>
-                      <a:pPr marL="0" marR="0" lvl="0" indent="0" algn="l" rtl="0">
-                        <a:lnSpc>
-                          <a:spcPct val="100000"/>
-                        </a:lnSpc>
-                        <a:spcBef>
-                          <a:spcPts val="0"/>
-                        </a:spcBef>
-                        <a:spcAft>
-                          <a:spcPts val="0"/>
-                        </a:spcAft>
-                        <a:buClr>
-                          <a:srgbClr val="000000"/>
-                        </a:buClr>
-                        <a:buSzPts val="900"/>
-                        <a:buFont typeface="Arial"/>
-                        <a:buNone/>
-                      </a:pPr>
-                      <a:endParaRPr sz="900" u="none" strike="noStrike" cap="none"/>
-                    </a:p>
-                  </a:txBody>
-                  <a:tcPr marL="68600" marR="68600" marT="34300" marB="34300">
-                    <a:noFill/>
-                  </a:tcPr>
-                </a:tc>
-                <a:extLst>
-                  <a:ext uri="{0D108BD9-81ED-4DB2-BD59-A6C34878D82A}">
-                    <a16:rowId xmlns:a16="http://schemas.microsoft.com/office/drawing/2014/main" val="10017"/>
-                  </a:ext>
-                </a:extLst>
-              </a:tr>
-              <a:tr h="239450">
-                <a:tc>
-                  <a:txBody>
-                    <a:bodyPr/>
-                    <a:lstStyle/>
-                    <a:p>
-                      <a:pPr marL="0" lvl="0" indent="0" algn="l" rtl="0">
-                        <a:spcBef>
-                          <a:spcPts val="0"/>
-                        </a:spcBef>
-                        <a:spcAft>
-                          <a:spcPts val="0"/>
-                        </a:spcAft>
-                        <a:buClr>
-                          <a:schemeClr val="dk1"/>
-                        </a:buClr>
-                        <a:buSzPts val="1100"/>
-                        <a:buFont typeface="Arial"/>
-                        <a:buNone/>
-                      </a:pPr>
                       <a:r>
-                        <a:rPr lang="de" sz="1100"/>
-                        <a:t>Location/Action</a:t>
-                      </a:r>
-                      <a:endParaRPr sz="1100" u="none" strike="noStrike" cap="none"/>
-                    </a:p>
-                  </a:txBody>
-                  <a:tcPr marL="68600" marR="68600" marT="34300" marB="34300">
-                    <a:noFill/>
-                  </a:tcPr>
-                </a:tc>
-                <a:tc>
-                  <a:txBody>
-                    <a:bodyPr/>
-                    <a:lstStyle/>
-                    <a:p>
-                      <a:pPr marL="0" marR="0" lvl="0" indent="0" algn="l" rtl="0">
-                        <a:lnSpc>
-                          <a:spcPct val="100000"/>
-                        </a:lnSpc>
-                        <a:spcBef>
-                          <a:spcPts val="0"/>
-                        </a:spcBef>
-                        <a:spcAft>
-                          <a:spcPts val="0"/>
-                        </a:spcAft>
-                        <a:buClr>
-                          <a:srgbClr val="000000"/>
-                        </a:buClr>
-                        <a:buSzPts val="900"/>
-                        <a:buFont typeface="Arial"/>
-                        <a:buNone/>
-                      </a:pPr>
-                      <a:endParaRPr sz="900" u="none" strike="noStrike" cap="none"/>
-                    </a:p>
-                  </a:txBody>
-                  <a:tcPr marL="68600" marR="68600" marT="34300" marB="34300">
-                    <a:noFill/>
-                  </a:tcPr>
-                </a:tc>
-                <a:tc>
-                  <a:txBody>
-                    <a:bodyPr/>
-                    <a:lstStyle/>
-                    <a:p>
-                      <a:pPr marL="0" marR="0" lvl="0" indent="0" algn="l" rtl="0">
-                        <a:lnSpc>
-                          <a:spcPct val="100000"/>
-                        </a:lnSpc>
-                        <a:spcBef>
-                          <a:spcPts val="0"/>
-                        </a:spcBef>
-                        <a:spcAft>
-                          <a:spcPts val="0"/>
-                        </a:spcAft>
-                        <a:buClr>
-                          <a:srgbClr val="000000"/>
-                        </a:buClr>
-                        <a:buSzPts val="900"/>
-                        <a:buFont typeface="Arial"/>
-                        <a:buNone/>
-                      </a:pPr>
-                      <a:endParaRPr sz="900" u="none" strike="noStrike" cap="none"/>
-                    </a:p>
-                  </a:txBody>
-                  <a:tcPr marL="68600" marR="68600" marT="34300" marB="34300">
-                    <a:noFill/>
-                  </a:tcPr>
-                </a:tc>
-                <a:extLst>
-                  <a:ext uri="{0D108BD9-81ED-4DB2-BD59-A6C34878D82A}">
-                    <a16:rowId xmlns:a16="http://schemas.microsoft.com/office/drawing/2014/main" val="10018"/>
-                  </a:ext>
-                </a:extLst>
-              </a:tr>
-              <a:tr h="239450">
-                <a:tc>
-                  <a:txBody>
-                    <a:bodyPr/>
-                    <a:lstStyle/>
-                    <a:p>
-                      <a:pPr marL="0" lvl="0" indent="0" algn="l" rtl="0">
-                        <a:spcBef>
-                          <a:spcPts val="0"/>
-                        </a:spcBef>
-                        <a:spcAft>
-                          <a:spcPts val="0"/>
-                        </a:spcAft>
-                        <a:buClr>
-                          <a:schemeClr val="dk1"/>
-                        </a:buClr>
-                        <a:buSzPts val="1100"/>
-                        <a:buFont typeface="Arial"/>
-                        <a:buNone/>
-                      </a:pPr>
-                      <a:r>
-                        <a:rPr lang="de" sz="1100"/>
-                        <a:t>Location/Action</a:t>
-                      </a:r>
-                      <a:endParaRPr sz="1100" u="none" strike="noStrike" cap="none"/>
-                    </a:p>
-                  </a:txBody>
-                  <a:tcPr marL="68600" marR="68600" marT="34300" marB="34300">
-                    <a:noFill/>
-                  </a:tcPr>
-                </a:tc>
-                <a:tc>
-                  <a:txBody>
-                    <a:bodyPr/>
-                    <a:lstStyle/>
-                    <a:p>
-                      <a:pPr marL="0" marR="0" lvl="0" indent="0" algn="l" rtl="0">
-                        <a:lnSpc>
-                          <a:spcPct val="100000"/>
-                        </a:lnSpc>
-                        <a:spcBef>
-                          <a:spcPts val="0"/>
-                        </a:spcBef>
-                        <a:spcAft>
-                          <a:spcPts val="0"/>
-                        </a:spcAft>
-                        <a:buClr>
-                          <a:srgbClr val="000000"/>
-                        </a:buClr>
-                        <a:buSzPts val="900"/>
-                        <a:buFont typeface="Arial"/>
-                        <a:buNone/>
-                      </a:pPr>
-                      <a:endParaRPr sz="900" u="none" strike="noStrike" cap="none"/>
-                    </a:p>
-                  </a:txBody>
-                  <a:tcPr marL="68600" marR="68600" marT="34300" marB="34300">
-                    <a:noFill/>
-                  </a:tcPr>
-                </a:tc>
-                <a:tc>
-                  <a:txBody>
-                    <a:bodyPr/>
-                    <a:lstStyle/>
-                    <a:p>
-                      <a:pPr marL="0" marR="0" lvl="0" indent="0" algn="l" rtl="0">
-                        <a:lnSpc>
-                          <a:spcPct val="100000"/>
-                        </a:lnSpc>
-                        <a:spcBef>
-                          <a:spcPts val="0"/>
-                        </a:spcBef>
-                        <a:spcAft>
-                          <a:spcPts val="0"/>
-                        </a:spcAft>
-                        <a:buClr>
-                          <a:srgbClr val="000000"/>
-                        </a:buClr>
-                        <a:buSzPts val="900"/>
-                        <a:buFont typeface="Arial"/>
-                        <a:buNone/>
-                      </a:pPr>
-                      <a:endParaRPr sz="900" u="none" strike="noStrike" cap="none"/>
-                    </a:p>
-                  </a:txBody>
-                  <a:tcPr marL="68600" marR="68600" marT="34300" marB="34300">
-                    <a:noFill/>
-                  </a:tcPr>
-                </a:tc>
-                <a:extLst>
-                  <a:ext uri="{0D108BD9-81ED-4DB2-BD59-A6C34878D82A}">
-                    <a16:rowId xmlns:a16="http://schemas.microsoft.com/office/drawing/2014/main" val="10019"/>
-                  </a:ext>
-                </a:extLst>
-              </a:tr>
-              <a:tr h="239450">
-                <a:tc>
-                  <a:txBody>
-                    <a:bodyPr/>
-                    <a:lstStyle/>
-                    <a:p>
-                      <a:pPr marL="0" lvl="0" indent="0" algn="l" rtl="0">
-                        <a:spcBef>
-                          <a:spcPts val="0"/>
-                        </a:spcBef>
-                        <a:spcAft>
-                          <a:spcPts val="0"/>
-                        </a:spcAft>
-                        <a:buClr>
-                          <a:schemeClr val="dk1"/>
-                        </a:buClr>
-                        <a:buSzPts val="1100"/>
-                        <a:buFont typeface="Arial"/>
-                        <a:buNone/>
-                      </a:pPr>
-                      <a:r>
-                        <a:rPr lang="de" sz="1100"/>
-                        <a:t>Location/Action</a:t>
-                      </a:r>
-                      <a:endParaRPr sz="1100" u="none" strike="noStrike" cap="none"/>
-                    </a:p>
-                  </a:txBody>
-                  <a:tcPr marL="68600" marR="68600" marT="34300" marB="34300">
-                    <a:noFill/>
-                  </a:tcPr>
-                </a:tc>
-                <a:tc>
-                  <a:txBody>
-                    <a:bodyPr/>
-                    <a:lstStyle/>
-                    <a:p>
-                      <a:pPr marL="0" marR="0" lvl="0" indent="0" algn="l" rtl="0">
-                        <a:lnSpc>
-                          <a:spcPct val="100000"/>
-                        </a:lnSpc>
-                        <a:spcBef>
-                          <a:spcPts val="0"/>
-                        </a:spcBef>
-                        <a:spcAft>
-                          <a:spcPts val="0"/>
-                        </a:spcAft>
-                        <a:buClr>
-                          <a:srgbClr val="000000"/>
-                        </a:buClr>
-                        <a:buSzPts val="900"/>
-                        <a:buFont typeface="Arial"/>
-                        <a:buNone/>
-                      </a:pPr>
-                      <a:endParaRPr sz="900" u="none" strike="noStrike" cap="none"/>
-                    </a:p>
-                  </a:txBody>
-                  <a:tcPr marL="68600" marR="68600" marT="34300" marB="34300">
-                    <a:noFill/>
-                  </a:tcPr>
-                </a:tc>
-                <a:tc>
-                  <a:txBody>
-                    <a:bodyPr/>
-                    <a:lstStyle/>
-                    <a:p>
-                      <a:pPr marL="0" marR="0" lvl="0" indent="0" algn="l" rtl="0">
-                        <a:lnSpc>
-                          <a:spcPct val="100000"/>
-                        </a:lnSpc>
-                        <a:spcBef>
-                          <a:spcPts val="0"/>
-                        </a:spcBef>
-                        <a:spcAft>
-                          <a:spcPts val="0"/>
-                        </a:spcAft>
-                        <a:buClr>
-                          <a:srgbClr val="000000"/>
-                        </a:buClr>
-                        <a:buSzPts val="900"/>
-                        <a:buFont typeface="Arial"/>
-                        <a:buNone/>
-                      </a:pPr>
-                      <a:endParaRPr sz="900" u="none" strike="noStrike" cap="none"/>
-                    </a:p>
-                  </a:txBody>
-                  <a:tcPr marL="68600" marR="68600" marT="34300" marB="34300">
-                    <a:noFill/>
-                  </a:tcPr>
-                </a:tc>
-                <a:extLst>
-                  <a:ext uri="{0D108BD9-81ED-4DB2-BD59-A6C34878D82A}">
-                    <a16:rowId xmlns:a16="http://schemas.microsoft.com/office/drawing/2014/main" val="10020"/>
-                  </a:ext>
-                </a:extLst>
-              </a:tr>
-            </a:tbl>
-          </a:graphicData>
-        </a:graphic>
-      </p:graphicFrame>
-    </p:spTree>
-  </p:cSld>
-  <p:clrMapOvr>
-    <a:masterClrMapping/>
-  </p:clrMapOvr>
-</p:sld>
-</file>
-
-<file path=ppt/slides/slide8.xml><?xml version="1.0" encoding="utf-8"?>
-<p:sld xmlns:a="http://schemas.openxmlformats.org/drawingml/2006/main" xmlns:r="http://schemas.openxmlformats.org/officeDocument/2006/relationships" xmlns:p="http://schemas.openxmlformats.org/presentationml/2006/main">
-  <p:cSld>
-    <p:spTree>
-      <p:nvGrpSpPr>
-        <p:cNvPr id="1" name="Shape 241"/>
-        <p:cNvGrpSpPr/>
-        <p:nvPr/>
-      </p:nvGrpSpPr>
-      <p:grpSpPr>
-        <a:xfrm>
-          <a:off x="0" y="0"/>
-          <a:ext cx="0" cy="0"/>
-          <a:chOff x="0" y="0"/>
-          <a:chExt cx="0" cy="0"/>
-        </a:xfrm>
-      </p:grpSpPr>
-      <p:graphicFrame>
-        <p:nvGraphicFramePr>
-          <p:cNvPr id="242" name="Google Shape;242;p7"/>
-          <p:cNvGraphicFramePr/>
-          <p:nvPr/>
-        </p:nvGraphicFramePr>
-        <p:xfrm>
-          <a:off x="35626" y="50514"/>
-          <a:ext cx="9108400" cy="5521740"/>
-        </p:xfrm>
-        <a:graphic>
-          <a:graphicData uri="http://schemas.openxmlformats.org/drawingml/2006/table">
-            <a:tbl>
-              <a:tblPr firstRow="1" bandRow="1">
-                <a:noFill/>
-                <a:tableStyleId>{692E3274-4D5C-44BF-BB08-FA6336CB3DAF}</a:tableStyleId>
-              </a:tblPr>
-              <a:tblGrid>
-                <a:gridCol w="1302800">
-                  <a:extLst>
-                    <a:ext uri="{9D8B030D-6E8A-4147-A177-3AD203B41FA5}">
-                      <a16:colId xmlns:a16="http://schemas.microsoft.com/office/drawing/2014/main" val="20000"/>
-                    </a:ext>
-                  </a:extLst>
-                </a:gridCol>
-                <a:gridCol w="3928750">
-                  <a:extLst>
-                    <a:ext uri="{9D8B030D-6E8A-4147-A177-3AD203B41FA5}">
-                      <a16:colId xmlns:a16="http://schemas.microsoft.com/office/drawing/2014/main" val="20001"/>
-                    </a:ext>
-                  </a:extLst>
-                </a:gridCol>
-                <a:gridCol w="3876850">
-                  <a:extLst>
-                    <a:ext uri="{9D8B030D-6E8A-4147-A177-3AD203B41FA5}">
-                      <a16:colId xmlns:a16="http://schemas.microsoft.com/office/drawing/2014/main" val="20002"/>
-                    </a:ext>
-                  </a:extLst>
-                </a:gridCol>
-              </a:tblGrid>
-              <a:tr h="239450">
-                <a:tc>
-                  <a:txBody>
-                    <a:bodyPr/>
-                    <a:lstStyle/>
-                    <a:p>
-                      <a:pPr marL="0" marR="0" lvl="0" indent="0" algn="ctr" rtl="0">
-                        <a:lnSpc>
-                          <a:spcPct val="100000"/>
-                        </a:lnSpc>
-                        <a:spcBef>
-                          <a:spcPts val="0"/>
-                        </a:spcBef>
-                        <a:spcAft>
-                          <a:spcPts val="0"/>
-                        </a:spcAft>
-                        <a:buClr>
-                          <a:schemeClr val="dk1"/>
-                        </a:buClr>
-                        <a:buSzPts val="1100"/>
-                        <a:buFont typeface="Arial"/>
-                        <a:buNone/>
-                      </a:pPr>
-                      <a:r>
-                        <a:rPr lang="de" sz="1100" b="1" u="none" strike="noStrike" cap="none">
-                          <a:solidFill>
-                            <a:schemeClr val="dk1"/>
-                          </a:solidFill>
-                        </a:rPr>
-                        <a:t>Character: (Name)</a:t>
-                      </a:r>
-                      <a:endParaRPr sz="1100" u="none" strike="noStrike" cap="none"/>
-                    </a:p>
-                  </a:txBody>
-                  <a:tcPr marL="68600" marR="68600" marT="34300" marB="34300">
-                    <a:solidFill>
-                      <a:srgbClr val="FFC000"/>
-                    </a:solidFill>
-                  </a:tcPr>
-                </a:tc>
-                <a:tc>
-                  <a:txBody>
-                    <a:bodyPr/>
-                    <a:lstStyle/>
-                    <a:p>
-                      <a:pPr marL="0" marR="0" lvl="0" indent="0" algn="ctr" rtl="0">
-                        <a:lnSpc>
-                          <a:spcPct val="100000"/>
-                        </a:lnSpc>
-                        <a:spcBef>
-                          <a:spcPts val="0"/>
-                        </a:spcBef>
-                        <a:spcAft>
-                          <a:spcPts val="0"/>
-                        </a:spcAft>
-                        <a:buClr>
-                          <a:schemeClr val="dk1"/>
-                        </a:buClr>
-                        <a:buSzPts val="1100"/>
-                        <a:buFont typeface="Arial"/>
-                        <a:buNone/>
-                      </a:pPr>
-                      <a:r>
-                        <a:rPr lang="de" sz="1100" b="1" u="none" strike="noStrike" cap="none">
-                          <a:solidFill>
-                            <a:schemeClr val="dk1"/>
-                          </a:solidFill>
-                        </a:rPr>
-                        <a:t>DIALOGUE BARK – </a:t>
+                        <a:rPr lang="en-GB" sz="900" u="none" strike="noStrike" cap="none" dirty="0"/>
+                        <a:t>“Ich muss mir </a:t>
                       </a:r>
                       <a:r>
-                        <a:rPr lang="de" sz="1100">
-                          <a:solidFill>
-                            <a:schemeClr val="dk1"/>
-                          </a:solidFill>
-                        </a:rPr>
-                        <a:t>Situation </a:t>
+                        <a:rPr lang="en-GB" sz="900" u="none" strike="noStrike" cap="none" dirty="0" err="1"/>
+                        <a:t>wohl</a:t>
                       </a:r>
                       <a:r>
-                        <a:rPr lang="de" sz="1100" b="1" u="none" strike="noStrike" cap="none">
-                          <a:solidFill>
-                            <a:schemeClr val="dk1"/>
-                          </a:solidFill>
-                        </a:rPr>
-                        <a:t>v01 </a:t>
-                      </a:r>
-                      <a:endParaRPr sz="1100" u="none" strike="noStrike" cap="none"/>
-                    </a:p>
-                  </a:txBody>
-                  <a:tcPr marL="68600" marR="68600" marT="34300" marB="34300">
-                    <a:solidFill>
-                      <a:srgbClr val="FFC000"/>
-                    </a:solidFill>
-                  </a:tcPr>
-                </a:tc>
-                <a:tc>
-                  <a:txBody>
-                    <a:bodyPr/>
-                    <a:lstStyle/>
-                    <a:p>
-                      <a:pPr marL="0" marR="0" lvl="0" indent="0" algn="ctr" rtl="0">
-                        <a:lnSpc>
-                          <a:spcPct val="100000"/>
-                        </a:lnSpc>
-                        <a:spcBef>
-                          <a:spcPts val="0"/>
-                        </a:spcBef>
-                        <a:spcAft>
-                          <a:spcPts val="0"/>
-                        </a:spcAft>
-                        <a:buClr>
-                          <a:schemeClr val="dk1"/>
-                        </a:buClr>
-                        <a:buSzPts val="1100"/>
-                        <a:buFont typeface="Arial"/>
-                        <a:buNone/>
-                      </a:pPr>
-                      <a:r>
-                        <a:rPr lang="de" sz="1100" b="1" u="none" strike="noStrike" cap="none">
-                          <a:solidFill>
-                            <a:schemeClr val="dk1"/>
-                          </a:solidFill>
-                        </a:rPr>
-                        <a:t>DIALOGUE BARK – </a:t>
+                        <a:rPr lang="en-GB" sz="900" u="none" strike="noStrike" cap="none" dirty="0"/>
+                        <a:t> was </a:t>
                       </a:r>
                       <a:r>
-                        <a:rPr lang="de" sz="1100">
-                          <a:solidFill>
-                            <a:schemeClr val="dk1"/>
-                          </a:solidFill>
-                        </a:rPr>
-                        <a:t>Situation </a:t>
+                        <a:rPr lang="en-GB" sz="900" u="none" strike="noStrike" cap="none" dirty="0" err="1"/>
+                        <a:t>anderes</a:t>
                       </a:r>
                       <a:r>
-                        <a:rPr lang="de" sz="1100" b="1" u="none" strike="noStrike" cap="none">
-                          <a:solidFill>
-                            <a:schemeClr val="dk1"/>
-                          </a:solidFill>
-                        </a:rPr>
-                        <a:t> v02</a:t>
-                      </a:r>
-                      <a:endParaRPr sz="1100" u="none" strike="noStrike" cap="none"/>
-                    </a:p>
-                  </a:txBody>
-                  <a:tcPr marL="68600" marR="68600" marT="34300" marB="34300">
-                    <a:solidFill>
-                      <a:srgbClr val="FFC000"/>
-                    </a:solidFill>
-                  </a:tcPr>
-                </a:tc>
-                <a:extLst>
-                  <a:ext uri="{0D108BD9-81ED-4DB2-BD59-A6C34878D82A}">
-                    <a16:rowId xmlns:a16="http://schemas.microsoft.com/office/drawing/2014/main" val="10000"/>
-                  </a:ext>
-                </a:extLst>
-              </a:tr>
-              <a:tr h="239450">
-                <a:tc>
-                  <a:txBody>
-                    <a:bodyPr/>
-                    <a:lstStyle/>
-                    <a:p>
-                      <a:pPr marL="0" lvl="0" indent="0" algn="l" rtl="0">
-                        <a:spcBef>
-                          <a:spcPts val="0"/>
-                        </a:spcBef>
-                        <a:spcAft>
-                          <a:spcPts val="0"/>
-                        </a:spcAft>
-                        <a:buClr>
-                          <a:schemeClr val="dk1"/>
-                        </a:buClr>
-                        <a:buSzPts val="1100"/>
-                        <a:buFont typeface="Arial"/>
-                        <a:buNone/>
-                      </a:pPr>
-                      <a:r>
-                        <a:rPr lang="de" sz="1100"/>
-                        <a:t>Location/Action</a:t>
-                      </a:r>
-                      <a:endParaRPr sz="1100" u="none" strike="noStrike" cap="none"/>
-                    </a:p>
-                  </a:txBody>
-                  <a:tcPr marL="68600" marR="68600" marT="34300" marB="34300">
-                    <a:noFill/>
-                  </a:tcPr>
-                </a:tc>
-                <a:tc>
-                  <a:txBody>
-                    <a:bodyPr/>
-                    <a:lstStyle/>
-                    <a:p>
-                      <a:pPr marL="0" marR="0" lvl="0" indent="0" algn="l" rtl="0">
-                        <a:lnSpc>
-                          <a:spcPct val="100000"/>
-                        </a:lnSpc>
-                        <a:spcBef>
-                          <a:spcPts val="0"/>
-                        </a:spcBef>
-                        <a:spcAft>
-                          <a:spcPts val="0"/>
-                        </a:spcAft>
-                        <a:buClr>
-                          <a:srgbClr val="000000"/>
-                        </a:buClr>
-                        <a:buSzPts val="1100"/>
-                        <a:buFont typeface="Arial"/>
-                        <a:buNone/>
-                      </a:pPr>
-                      <a:endParaRPr sz="1100" u="none" strike="noStrike" cap="none"/>
-                    </a:p>
-                  </a:txBody>
-                  <a:tcPr marL="68600" marR="68600" marT="34300" marB="34300">
-                    <a:noFill/>
-                  </a:tcPr>
-                </a:tc>
-                <a:tc>
-                  <a:txBody>
-                    <a:bodyPr/>
-                    <a:lstStyle/>
-                    <a:p>
-                      <a:pPr marL="0" marR="0" lvl="0" indent="0" algn="l" rtl="0">
-                        <a:lnSpc>
-                          <a:spcPct val="100000"/>
-                        </a:lnSpc>
-                        <a:spcBef>
-                          <a:spcPts val="0"/>
-                        </a:spcBef>
-                        <a:spcAft>
-                          <a:spcPts val="0"/>
-                        </a:spcAft>
-                        <a:buClr>
-                          <a:srgbClr val="000000"/>
-                        </a:buClr>
-                        <a:buSzPts val="1100"/>
-                        <a:buFont typeface="Arial"/>
-                        <a:buNone/>
-                      </a:pPr>
-                      <a:endParaRPr sz="1100" u="none" strike="noStrike" cap="none"/>
-                    </a:p>
-                  </a:txBody>
-                  <a:tcPr marL="68600" marR="68600" marT="34300" marB="34300">
-                    <a:noFill/>
-                  </a:tcPr>
-                </a:tc>
-                <a:extLst>
-                  <a:ext uri="{0D108BD9-81ED-4DB2-BD59-A6C34878D82A}">
-                    <a16:rowId xmlns:a16="http://schemas.microsoft.com/office/drawing/2014/main" val="10001"/>
-                  </a:ext>
-                </a:extLst>
-              </a:tr>
-              <a:tr h="239450">
-                <a:tc>
-                  <a:txBody>
-                    <a:bodyPr/>
-                    <a:lstStyle/>
-                    <a:p>
-                      <a:pPr marL="0" lvl="0" indent="0" algn="l" rtl="0">
-                        <a:spcBef>
-                          <a:spcPts val="0"/>
-                        </a:spcBef>
-                        <a:spcAft>
-                          <a:spcPts val="0"/>
-                        </a:spcAft>
-                        <a:buClr>
-                          <a:schemeClr val="dk1"/>
-                        </a:buClr>
-                        <a:buSzPts val="1100"/>
-                        <a:buFont typeface="Arial"/>
-                        <a:buNone/>
-                      </a:pPr>
-                      <a:r>
-                        <a:rPr lang="de" sz="1100"/>
-                        <a:t>Location/Action</a:t>
-                      </a:r>
-                      <a:endParaRPr sz="1100" u="none" strike="noStrike" cap="none"/>
-                    </a:p>
-                  </a:txBody>
-                  <a:tcPr marL="68600" marR="68600" marT="34300" marB="34300">
-                    <a:noFill/>
-                  </a:tcPr>
-                </a:tc>
-                <a:tc>
-                  <a:txBody>
-                    <a:bodyPr/>
-                    <a:lstStyle/>
-                    <a:p>
-                      <a:pPr marL="0" marR="0" lvl="0" indent="0" algn="l" rtl="0">
-                        <a:lnSpc>
-                          <a:spcPct val="100000"/>
-                        </a:lnSpc>
-                        <a:spcBef>
-                          <a:spcPts val="0"/>
-                        </a:spcBef>
-                        <a:spcAft>
-                          <a:spcPts val="0"/>
-                        </a:spcAft>
-                        <a:buClr>
-                          <a:srgbClr val="000000"/>
-                        </a:buClr>
-                        <a:buSzPts val="1100"/>
-                        <a:buFont typeface="Arial"/>
-                        <a:buNone/>
-                      </a:pPr>
-                      <a:endParaRPr sz="1100" u="none" strike="noStrike" cap="none"/>
-                    </a:p>
-                  </a:txBody>
-                  <a:tcPr marL="68600" marR="68600" marT="34300" marB="34300">
-                    <a:noFill/>
-                  </a:tcPr>
-                </a:tc>
-                <a:tc>
-                  <a:txBody>
-                    <a:bodyPr/>
-                    <a:lstStyle/>
-                    <a:p>
-                      <a:pPr marL="0" marR="0" lvl="0" indent="0" algn="l" rtl="0">
-                        <a:lnSpc>
-                          <a:spcPct val="100000"/>
-                        </a:lnSpc>
-                        <a:spcBef>
-                          <a:spcPts val="0"/>
-                        </a:spcBef>
-                        <a:spcAft>
-                          <a:spcPts val="0"/>
-                        </a:spcAft>
-                        <a:buClr>
-                          <a:srgbClr val="000000"/>
-                        </a:buClr>
-                        <a:buSzPts val="1100"/>
-                        <a:buFont typeface="Arial"/>
-                        <a:buNone/>
-                      </a:pPr>
-                      <a:endParaRPr sz="1100" u="none" strike="noStrike" cap="none"/>
-                    </a:p>
-                  </a:txBody>
-                  <a:tcPr marL="68600" marR="68600" marT="34300" marB="34300">
-                    <a:noFill/>
-                  </a:tcPr>
-                </a:tc>
-                <a:extLst>
-                  <a:ext uri="{0D108BD9-81ED-4DB2-BD59-A6C34878D82A}">
-                    <a16:rowId xmlns:a16="http://schemas.microsoft.com/office/drawing/2014/main" val="10002"/>
-                  </a:ext>
-                </a:extLst>
-              </a:tr>
-              <a:tr h="239450">
-                <a:tc>
-                  <a:txBody>
-                    <a:bodyPr/>
-                    <a:lstStyle/>
-                    <a:p>
-                      <a:pPr marL="0" lvl="0" indent="0" algn="l" rtl="0">
-                        <a:spcBef>
-                          <a:spcPts val="0"/>
-                        </a:spcBef>
-                        <a:spcAft>
-                          <a:spcPts val="0"/>
-                        </a:spcAft>
-                        <a:buClr>
-                          <a:schemeClr val="dk1"/>
-                        </a:buClr>
-                        <a:buSzPts val="1100"/>
-                        <a:buFont typeface="Arial"/>
-                        <a:buNone/>
-                      </a:pPr>
-                      <a:r>
-                        <a:rPr lang="de" sz="1100"/>
-                        <a:t>Location/Action</a:t>
-                      </a:r>
-                      <a:endParaRPr sz="1100" u="none" strike="noStrike" cap="none"/>
-                    </a:p>
-                  </a:txBody>
-                  <a:tcPr marL="68600" marR="68600" marT="34300" marB="34300">
-                    <a:noFill/>
-                  </a:tcPr>
-                </a:tc>
-                <a:tc>
-                  <a:txBody>
-                    <a:bodyPr/>
-                    <a:lstStyle/>
-                    <a:p>
-                      <a:pPr marL="0" marR="0" lvl="0" indent="0" algn="l" rtl="0">
-                        <a:lnSpc>
-                          <a:spcPct val="100000"/>
-                        </a:lnSpc>
-                        <a:spcBef>
-                          <a:spcPts val="0"/>
-                        </a:spcBef>
-                        <a:spcAft>
-                          <a:spcPts val="0"/>
-                        </a:spcAft>
-                        <a:buClr>
-                          <a:srgbClr val="000000"/>
-                        </a:buClr>
-                        <a:buSzPts val="1100"/>
-                        <a:buFont typeface="Arial"/>
-                        <a:buNone/>
-                      </a:pPr>
-                      <a:endParaRPr sz="1100" u="none" strike="noStrike" cap="none"/>
-                    </a:p>
-                  </a:txBody>
-                  <a:tcPr marL="68600" marR="68600" marT="34300" marB="34300">
-                    <a:noFill/>
-                  </a:tcPr>
-                </a:tc>
-                <a:tc>
-                  <a:txBody>
-                    <a:bodyPr/>
-                    <a:lstStyle/>
-                    <a:p>
-                      <a:pPr marL="0" marR="0" lvl="0" indent="0" algn="l" rtl="0">
-                        <a:lnSpc>
-                          <a:spcPct val="100000"/>
-                        </a:lnSpc>
-                        <a:spcBef>
-                          <a:spcPts val="0"/>
-                        </a:spcBef>
-                        <a:spcAft>
-                          <a:spcPts val="0"/>
-                        </a:spcAft>
-                        <a:buClr>
-                          <a:srgbClr val="000000"/>
-                        </a:buClr>
-                        <a:buSzPts val="1100"/>
-                        <a:buFont typeface="Arial"/>
-                        <a:buNone/>
-                      </a:pPr>
-                      <a:endParaRPr sz="1100" u="none" strike="noStrike" cap="none"/>
-                    </a:p>
-                  </a:txBody>
-                  <a:tcPr marL="68600" marR="68600" marT="34300" marB="34300">
-                    <a:noFill/>
-                  </a:tcPr>
-                </a:tc>
-                <a:extLst>
-                  <a:ext uri="{0D108BD9-81ED-4DB2-BD59-A6C34878D82A}">
-                    <a16:rowId xmlns:a16="http://schemas.microsoft.com/office/drawing/2014/main" val="10003"/>
-                  </a:ext>
-                </a:extLst>
-              </a:tr>
-              <a:tr h="239450">
-                <a:tc>
-                  <a:txBody>
-                    <a:bodyPr/>
-                    <a:lstStyle/>
-                    <a:p>
-                      <a:pPr marL="0" lvl="0" indent="0" algn="l" rtl="0">
-                        <a:spcBef>
-                          <a:spcPts val="0"/>
-                        </a:spcBef>
-                        <a:spcAft>
-                          <a:spcPts val="0"/>
-                        </a:spcAft>
-                        <a:buClr>
-                          <a:schemeClr val="dk1"/>
-                        </a:buClr>
-                        <a:buSzPts val="1100"/>
-                        <a:buFont typeface="Arial"/>
-                        <a:buNone/>
-                      </a:pPr>
-                      <a:r>
-                        <a:rPr lang="de" sz="1100"/>
-                        <a:t>Location/Action</a:t>
-                      </a:r>
-                      <a:endParaRPr sz="1100" u="none" strike="noStrike" cap="none"/>
-                    </a:p>
-                  </a:txBody>
-                  <a:tcPr marL="68600" marR="68600" marT="34300" marB="34300">
-                    <a:noFill/>
-                  </a:tcPr>
-                </a:tc>
-                <a:tc>
-                  <a:txBody>
-                    <a:bodyPr/>
-                    <a:lstStyle/>
-                    <a:p>
-                      <a:pPr marL="0" marR="0" lvl="0" indent="0" algn="l" rtl="0">
-                        <a:lnSpc>
-                          <a:spcPct val="100000"/>
-                        </a:lnSpc>
-                        <a:spcBef>
-                          <a:spcPts val="0"/>
-                        </a:spcBef>
-                        <a:spcAft>
-                          <a:spcPts val="0"/>
-                        </a:spcAft>
-                        <a:buClr>
-                          <a:srgbClr val="000000"/>
-                        </a:buClr>
-                        <a:buSzPts val="1100"/>
-                        <a:buFont typeface="Arial"/>
-                        <a:buNone/>
-                      </a:pPr>
-                      <a:endParaRPr sz="1100" u="none" strike="noStrike" cap="none"/>
-                    </a:p>
-                  </a:txBody>
-                  <a:tcPr marL="68600" marR="68600" marT="34300" marB="34300">
-                    <a:noFill/>
-                  </a:tcPr>
-                </a:tc>
-                <a:tc>
-                  <a:txBody>
-                    <a:bodyPr/>
-                    <a:lstStyle/>
-                    <a:p>
-                      <a:pPr marL="0" marR="0" lvl="0" indent="0" algn="l" rtl="0">
-                        <a:lnSpc>
-                          <a:spcPct val="100000"/>
-                        </a:lnSpc>
-                        <a:spcBef>
-                          <a:spcPts val="0"/>
-                        </a:spcBef>
-                        <a:spcAft>
-                          <a:spcPts val="0"/>
-                        </a:spcAft>
-                        <a:buClr>
-                          <a:srgbClr val="000000"/>
-                        </a:buClr>
-                        <a:buSzPts val="1100"/>
-                        <a:buFont typeface="Arial"/>
-                        <a:buNone/>
-                      </a:pPr>
-                      <a:endParaRPr sz="1100" u="none" strike="noStrike" cap="none"/>
-                    </a:p>
-                  </a:txBody>
-                  <a:tcPr marL="68600" marR="68600" marT="34300" marB="34300">
-                    <a:noFill/>
-                  </a:tcPr>
-                </a:tc>
-                <a:extLst>
-                  <a:ext uri="{0D108BD9-81ED-4DB2-BD59-A6C34878D82A}">
-                    <a16:rowId xmlns:a16="http://schemas.microsoft.com/office/drawing/2014/main" val="10004"/>
-                  </a:ext>
-                </a:extLst>
-              </a:tr>
-              <a:tr h="239450">
-                <a:tc>
-                  <a:txBody>
-                    <a:bodyPr/>
-                    <a:lstStyle/>
-                    <a:p>
-                      <a:pPr marL="0" lvl="0" indent="0" algn="l" rtl="0">
-                        <a:spcBef>
-                          <a:spcPts val="0"/>
-                        </a:spcBef>
-                        <a:spcAft>
-                          <a:spcPts val="0"/>
-                        </a:spcAft>
-                        <a:buClr>
-                          <a:schemeClr val="dk1"/>
-                        </a:buClr>
-                        <a:buSzPts val="1100"/>
-                        <a:buFont typeface="Arial"/>
-                        <a:buNone/>
-                      </a:pPr>
-                      <a:r>
-                        <a:rPr lang="de" sz="1100"/>
-                        <a:t>Location/Action</a:t>
-                      </a:r>
-                      <a:endParaRPr sz="1100" u="none" strike="noStrike" cap="none"/>
-                    </a:p>
-                  </a:txBody>
-                  <a:tcPr marL="68600" marR="68600" marT="34300" marB="34300">
-                    <a:noFill/>
-                  </a:tcPr>
-                </a:tc>
-                <a:tc>
-                  <a:txBody>
-                    <a:bodyPr/>
-                    <a:lstStyle/>
-                    <a:p>
-                      <a:pPr marL="0" marR="0" lvl="0" indent="0" algn="l" rtl="0">
-                        <a:lnSpc>
-                          <a:spcPct val="100000"/>
-                        </a:lnSpc>
-                        <a:spcBef>
-                          <a:spcPts val="0"/>
-                        </a:spcBef>
-                        <a:spcAft>
-                          <a:spcPts val="0"/>
-                        </a:spcAft>
-                        <a:buClr>
-                          <a:srgbClr val="000000"/>
-                        </a:buClr>
-                        <a:buSzPts val="1100"/>
-                        <a:buFont typeface="Arial"/>
-                        <a:buNone/>
-                      </a:pPr>
-                      <a:endParaRPr sz="1100" u="none" strike="noStrike" cap="none"/>
-                    </a:p>
-                  </a:txBody>
-                  <a:tcPr marL="68600" marR="68600" marT="34300" marB="34300">
-                    <a:noFill/>
-                  </a:tcPr>
-                </a:tc>
-                <a:tc>
-                  <a:txBody>
-                    <a:bodyPr/>
-                    <a:lstStyle/>
-                    <a:p>
-                      <a:pPr marL="0" marR="0" lvl="0" indent="0" algn="l" rtl="0">
-                        <a:lnSpc>
-                          <a:spcPct val="100000"/>
-                        </a:lnSpc>
-                        <a:spcBef>
-                          <a:spcPts val="0"/>
-                        </a:spcBef>
-                        <a:spcAft>
-                          <a:spcPts val="0"/>
-                        </a:spcAft>
-                        <a:buClr>
-                          <a:srgbClr val="000000"/>
-                        </a:buClr>
-                        <a:buSzPts val="1100"/>
-                        <a:buFont typeface="Arial"/>
-                        <a:buNone/>
-                      </a:pPr>
-                      <a:endParaRPr sz="1100" u="none" strike="noStrike" cap="none"/>
-                    </a:p>
-                  </a:txBody>
-                  <a:tcPr marL="68600" marR="68600" marT="34300" marB="34300">
-                    <a:noFill/>
-                  </a:tcPr>
-                </a:tc>
-                <a:extLst>
-                  <a:ext uri="{0D108BD9-81ED-4DB2-BD59-A6C34878D82A}">
-                    <a16:rowId xmlns:a16="http://schemas.microsoft.com/office/drawing/2014/main" val="10005"/>
-                  </a:ext>
-                </a:extLst>
-              </a:tr>
-              <a:tr h="239450">
-                <a:tc>
-                  <a:txBody>
-                    <a:bodyPr/>
-                    <a:lstStyle/>
-                    <a:p>
-                      <a:pPr marL="0" lvl="0" indent="0" algn="l" rtl="0">
-                        <a:spcBef>
-                          <a:spcPts val="0"/>
-                        </a:spcBef>
-                        <a:spcAft>
-                          <a:spcPts val="0"/>
-                        </a:spcAft>
-                        <a:buClr>
-                          <a:schemeClr val="dk1"/>
-                        </a:buClr>
-                        <a:buSzPts val="1100"/>
-                        <a:buFont typeface="Arial"/>
-                        <a:buNone/>
-                      </a:pPr>
-                      <a:r>
-                        <a:rPr lang="de" sz="1100"/>
-                        <a:t>Location/Action</a:t>
-                      </a:r>
-                      <a:endParaRPr sz="1100" u="none" strike="noStrike" cap="none"/>
-                    </a:p>
-                  </a:txBody>
-                  <a:tcPr marL="68600" marR="68600" marT="34300" marB="34300">
-                    <a:noFill/>
-                  </a:tcPr>
-                </a:tc>
-                <a:tc>
-                  <a:txBody>
-                    <a:bodyPr/>
-                    <a:lstStyle/>
-                    <a:p>
-                      <a:pPr marL="0" marR="0" lvl="0" indent="0" algn="l" rtl="0">
-                        <a:lnSpc>
-                          <a:spcPct val="100000"/>
-                        </a:lnSpc>
-                        <a:spcBef>
-                          <a:spcPts val="0"/>
-                        </a:spcBef>
-                        <a:spcAft>
-                          <a:spcPts val="0"/>
-                        </a:spcAft>
-                        <a:buClr>
-                          <a:srgbClr val="000000"/>
-                        </a:buClr>
-                        <a:buSzPts val="1100"/>
-                        <a:buFont typeface="Arial"/>
-                        <a:buNone/>
-                      </a:pPr>
-                      <a:endParaRPr sz="1100" u="none" strike="noStrike" cap="none"/>
-                    </a:p>
-                  </a:txBody>
-                  <a:tcPr marL="68600" marR="68600" marT="34300" marB="34300">
-                    <a:noFill/>
-                  </a:tcPr>
-                </a:tc>
-                <a:tc>
-                  <a:txBody>
-                    <a:bodyPr/>
-                    <a:lstStyle/>
-                    <a:p>
-                      <a:pPr marL="0" marR="0" lvl="0" indent="0" algn="l" rtl="0">
-                        <a:lnSpc>
-                          <a:spcPct val="100000"/>
-                        </a:lnSpc>
-                        <a:spcBef>
-                          <a:spcPts val="0"/>
-                        </a:spcBef>
-                        <a:spcAft>
-                          <a:spcPts val="0"/>
-                        </a:spcAft>
-                        <a:buClr>
-                          <a:srgbClr val="000000"/>
-                        </a:buClr>
-                        <a:buSzPts val="1100"/>
-                        <a:buFont typeface="Arial"/>
-                        <a:buNone/>
-                      </a:pPr>
-                      <a:endParaRPr sz="1100" u="none" strike="noStrike" cap="none"/>
-                    </a:p>
-                  </a:txBody>
-                  <a:tcPr marL="68600" marR="68600" marT="34300" marB="34300">
-                    <a:noFill/>
-                  </a:tcPr>
-                </a:tc>
-                <a:extLst>
-                  <a:ext uri="{0D108BD9-81ED-4DB2-BD59-A6C34878D82A}">
-                    <a16:rowId xmlns:a16="http://schemas.microsoft.com/office/drawing/2014/main" val="10006"/>
-                  </a:ext>
-                </a:extLst>
-              </a:tr>
-              <a:tr h="239450">
-                <a:tc>
-                  <a:txBody>
-                    <a:bodyPr/>
-                    <a:lstStyle/>
-                    <a:p>
-                      <a:pPr marL="0" marR="0" lvl="0" indent="0" algn="ctr" rtl="0">
-                        <a:lnSpc>
-                          <a:spcPct val="100000"/>
-                        </a:lnSpc>
-                        <a:spcBef>
-                          <a:spcPts val="0"/>
-                        </a:spcBef>
-                        <a:spcAft>
-                          <a:spcPts val="0"/>
-                        </a:spcAft>
-                        <a:buClr>
-                          <a:srgbClr val="000000"/>
-                        </a:buClr>
-                        <a:buSzPts val="1100"/>
-                        <a:buFont typeface="Arial"/>
-                        <a:buNone/>
-                      </a:pPr>
-                      <a:r>
-                        <a:rPr lang="de" sz="1100" b="1" u="none" strike="noStrike" cap="none">
-                          <a:solidFill>
-                            <a:schemeClr val="dk1"/>
-                          </a:solidFill>
-                        </a:rPr>
-                        <a:t>Character: (Name)</a:t>
-                      </a:r>
-                      <a:endParaRPr sz="1100" u="none" strike="noStrike" cap="none"/>
-                    </a:p>
-                  </a:txBody>
-                  <a:tcPr marL="68600" marR="68600" marT="34300" marB="34300">
-                    <a:solidFill>
-                      <a:srgbClr val="FFC000"/>
-                    </a:solidFill>
-                  </a:tcPr>
-                </a:tc>
-                <a:tc>
-                  <a:txBody>
-                    <a:bodyPr/>
-                    <a:lstStyle/>
-                    <a:p>
-                      <a:pPr marL="0" marR="0" lvl="0" indent="0" algn="ctr" rtl="0">
-                        <a:lnSpc>
-                          <a:spcPct val="100000"/>
-                        </a:lnSpc>
-                        <a:spcBef>
-                          <a:spcPts val="0"/>
-                        </a:spcBef>
-                        <a:spcAft>
-                          <a:spcPts val="0"/>
-                        </a:spcAft>
-                        <a:buClr>
-                          <a:schemeClr val="dk1"/>
-                        </a:buClr>
-                        <a:buSzPts val="1100"/>
-                        <a:buFont typeface="Arial"/>
-                        <a:buNone/>
-                      </a:pPr>
-                      <a:r>
-                        <a:rPr lang="de" sz="1100" b="1" u="none" strike="noStrike" cap="none">
-                          <a:solidFill>
-                            <a:schemeClr val="dk1"/>
-                          </a:solidFill>
-                        </a:rPr>
-                        <a:t>DIALOGUE BARK – </a:t>
+                        <a:rPr lang="en-GB" sz="900" u="none" strike="noStrike" cap="none" dirty="0"/>
+                        <a:t> </a:t>
                       </a:r>
                       <a:r>
-                        <a:rPr lang="de" sz="1100" b="1"/>
-                        <a:t>Situation </a:t>
+                        <a:rPr lang="en-GB" sz="900" u="none" strike="noStrike" cap="none" dirty="0" err="1"/>
+                        <a:t>überlegen</a:t>
                       </a:r>
                       <a:r>
-                        <a:rPr lang="de" sz="1100" b="1" u="none" strike="noStrike" cap="none">
-                          <a:solidFill>
-                            <a:schemeClr val="dk1"/>
-                          </a:solidFill>
-                        </a:rPr>
-                        <a:t> v01</a:t>
+                        <a:rPr lang="en-GB" sz="900" u="none" strike="noStrike" cap="none" dirty="0"/>
+                        <a:t>…”</a:t>
                       </a:r>
-                      <a:endParaRPr sz="1100" u="none" strike="noStrike" cap="none"/>
-                    </a:p>
-                  </a:txBody>
-                  <a:tcPr marL="68600" marR="68600" marT="34300" marB="34300">
-                    <a:solidFill>
-                      <a:srgbClr val="FFC000"/>
-                    </a:solidFill>
-                  </a:tcPr>
-                </a:tc>
-                <a:tc>
-                  <a:txBody>
-                    <a:bodyPr/>
-                    <a:lstStyle/>
-                    <a:p>
-                      <a:pPr marL="0" marR="0" lvl="0" indent="0" algn="ctr" rtl="0">
-                        <a:lnSpc>
-                          <a:spcPct val="100000"/>
-                        </a:lnSpc>
-                        <a:spcBef>
-                          <a:spcPts val="0"/>
-                        </a:spcBef>
-                        <a:spcAft>
-                          <a:spcPts val="0"/>
-                        </a:spcAft>
-                        <a:buClr>
-                          <a:schemeClr val="dk1"/>
-                        </a:buClr>
-                        <a:buSzPts val="1100"/>
-                        <a:buFont typeface="Arial"/>
-                        <a:buNone/>
-                      </a:pPr>
-                      <a:r>
-                        <a:rPr lang="de" sz="1100" b="1" u="none" strike="noStrike" cap="none">
-                          <a:solidFill>
-                            <a:schemeClr val="dk1"/>
-                          </a:solidFill>
-                        </a:rPr>
-                        <a:t>DIALOGUE BARK – </a:t>
-                      </a:r>
-                      <a:r>
-                        <a:rPr lang="de" sz="1100" b="1"/>
-                        <a:t>Situation </a:t>
-                      </a:r>
-                      <a:r>
-                        <a:rPr lang="de" sz="1100" b="1" u="none" strike="noStrike" cap="none">
-                          <a:solidFill>
-                            <a:schemeClr val="dk1"/>
-                          </a:solidFill>
-                        </a:rPr>
-                        <a:t> v02</a:t>
-                      </a:r>
-                      <a:endParaRPr sz="1100" u="none" strike="noStrike" cap="none"/>
-                    </a:p>
-                  </a:txBody>
-                  <a:tcPr marL="68600" marR="68600" marT="34300" marB="34300">
-                    <a:solidFill>
-                      <a:srgbClr val="FFC000"/>
-                    </a:solidFill>
-                  </a:tcPr>
-                </a:tc>
-                <a:extLst>
-                  <a:ext uri="{0D108BD9-81ED-4DB2-BD59-A6C34878D82A}">
-                    <a16:rowId xmlns:a16="http://schemas.microsoft.com/office/drawing/2014/main" val="10007"/>
-                  </a:ext>
-                </a:extLst>
-              </a:tr>
-              <a:tr h="239450">
-                <a:tc>
-                  <a:txBody>
-                    <a:bodyPr/>
-                    <a:lstStyle/>
-                    <a:p>
-                      <a:pPr marL="0" lvl="0" indent="0" algn="l" rtl="0">
-                        <a:spcBef>
-                          <a:spcPts val="0"/>
-                        </a:spcBef>
-                        <a:spcAft>
-                          <a:spcPts val="0"/>
-                        </a:spcAft>
-                        <a:buClr>
-                          <a:schemeClr val="dk1"/>
-                        </a:buClr>
-                        <a:buSzPts val="1100"/>
-                        <a:buFont typeface="Arial"/>
-                        <a:buNone/>
-                      </a:pPr>
-                      <a:r>
-                        <a:rPr lang="de" sz="1100"/>
-                        <a:t>Location/Action</a:t>
-                      </a:r>
-                      <a:endParaRPr sz="1100" u="none" strike="noStrike" cap="none"/>
-                    </a:p>
-                  </a:txBody>
-                  <a:tcPr marL="68600" marR="68600" marT="34300" marB="34300">
-                    <a:noFill/>
-                  </a:tcPr>
-                </a:tc>
-                <a:tc>
-                  <a:txBody>
-                    <a:bodyPr/>
-                    <a:lstStyle/>
-                    <a:p>
-                      <a:pPr marL="0" marR="0" lvl="0" indent="0" algn="l" rtl="0">
-                        <a:lnSpc>
-                          <a:spcPct val="100000"/>
-                        </a:lnSpc>
-                        <a:spcBef>
-                          <a:spcPts val="0"/>
-                        </a:spcBef>
-                        <a:spcAft>
-                          <a:spcPts val="0"/>
-                        </a:spcAft>
-                        <a:buClr>
-                          <a:srgbClr val="000000"/>
-                        </a:buClr>
-                        <a:buSzPts val="1100"/>
-                        <a:buFont typeface="Arial"/>
-                        <a:buNone/>
-                      </a:pPr>
-                      <a:endParaRPr sz="1100" u="none" strike="noStrike" cap="none"/>
-                    </a:p>
-                  </a:txBody>
-                  <a:tcPr marL="68600" marR="68600" marT="34300" marB="34300">
-                    <a:noFill/>
-                  </a:tcPr>
-                </a:tc>
-                <a:tc>
-                  <a:txBody>
-                    <a:bodyPr/>
-                    <a:lstStyle/>
-                    <a:p>
-                      <a:pPr marL="0" marR="0" lvl="0" indent="0" algn="l" rtl="0">
-                        <a:lnSpc>
-                          <a:spcPct val="100000"/>
-                        </a:lnSpc>
-                        <a:spcBef>
-                          <a:spcPts val="0"/>
-                        </a:spcBef>
-                        <a:spcAft>
-                          <a:spcPts val="0"/>
-                        </a:spcAft>
-                        <a:buClr>
-                          <a:srgbClr val="000000"/>
-                        </a:buClr>
-                        <a:buSzPts val="1100"/>
-                        <a:buFont typeface="Arial"/>
-                        <a:buNone/>
-                      </a:pPr>
-                      <a:endParaRPr sz="1100" u="none" strike="noStrike" cap="none"/>
-                    </a:p>
-                  </a:txBody>
-                  <a:tcPr marL="68600" marR="68600" marT="34300" marB="34300">
-                    <a:noFill/>
-                  </a:tcPr>
-                </a:tc>
-                <a:extLst>
-                  <a:ext uri="{0D108BD9-81ED-4DB2-BD59-A6C34878D82A}">
-                    <a16:rowId xmlns:a16="http://schemas.microsoft.com/office/drawing/2014/main" val="10008"/>
-                  </a:ext>
-                </a:extLst>
-              </a:tr>
-              <a:tr h="239450">
-                <a:tc>
-                  <a:txBody>
-                    <a:bodyPr/>
-                    <a:lstStyle/>
-                    <a:p>
-                      <a:pPr marL="0" lvl="0" indent="0" algn="l" rtl="0">
-                        <a:spcBef>
-                          <a:spcPts val="0"/>
-                        </a:spcBef>
-                        <a:spcAft>
-                          <a:spcPts val="0"/>
-                        </a:spcAft>
-                        <a:buClr>
-                          <a:schemeClr val="dk1"/>
-                        </a:buClr>
-                        <a:buSzPts val="1100"/>
-                        <a:buFont typeface="Arial"/>
-                        <a:buNone/>
-                      </a:pPr>
-                      <a:r>
-                        <a:rPr lang="de" sz="1100"/>
-                        <a:t>Location/Action</a:t>
-                      </a:r>
-                      <a:endParaRPr sz="1100" u="none" strike="noStrike" cap="none"/>
-                    </a:p>
-                  </a:txBody>
-                  <a:tcPr marL="68600" marR="68600" marT="34300" marB="34300">
-                    <a:noFill/>
-                  </a:tcPr>
-                </a:tc>
-                <a:tc>
-                  <a:txBody>
-                    <a:bodyPr/>
-                    <a:lstStyle/>
-                    <a:p>
-                      <a:pPr marL="0" marR="0" lvl="0" indent="0" algn="l" rtl="0">
-                        <a:lnSpc>
-                          <a:spcPct val="100000"/>
-                        </a:lnSpc>
-                        <a:spcBef>
-                          <a:spcPts val="0"/>
-                        </a:spcBef>
-                        <a:spcAft>
-                          <a:spcPts val="0"/>
-                        </a:spcAft>
-                        <a:buClr>
-                          <a:srgbClr val="000000"/>
-                        </a:buClr>
-                        <a:buSzPts val="1100"/>
-                        <a:buFont typeface="Arial"/>
-                        <a:buNone/>
-                      </a:pPr>
-                      <a:endParaRPr sz="1100" u="none" strike="noStrike" cap="none" dirty="0"/>
-                    </a:p>
-                  </a:txBody>
-                  <a:tcPr marL="68600" marR="68600" marT="34300" marB="34300">
-                    <a:noFill/>
-                  </a:tcPr>
-                </a:tc>
-                <a:tc>
-                  <a:txBody>
-                    <a:bodyPr/>
-                    <a:lstStyle/>
-                    <a:p>
-                      <a:pPr marL="0" marR="0" lvl="0" indent="0" algn="l" rtl="0">
-                        <a:lnSpc>
-                          <a:spcPct val="100000"/>
-                        </a:lnSpc>
-                        <a:spcBef>
-                          <a:spcPts val="0"/>
-                        </a:spcBef>
-                        <a:spcAft>
-                          <a:spcPts val="0"/>
-                        </a:spcAft>
-                        <a:buClr>
-                          <a:srgbClr val="000000"/>
-                        </a:buClr>
-                        <a:buSzPts val="1100"/>
-                        <a:buFont typeface="Arial"/>
-                        <a:buNone/>
-                      </a:pPr>
-                      <a:endParaRPr sz="1100" u="none" strike="noStrike" cap="none"/>
-                    </a:p>
-                  </a:txBody>
-                  <a:tcPr marL="68600" marR="68600" marT="34300" marB="34300">
-                    <a:noFill/>
-                  </a:tcPr>
-                </a:tc>
-                <a:extLst>
-                  <a:ext uri="{0D108BD9-81ED-4DB2-BD59-A6C34878D82A}">
-                    <a16:rowId xmlns:a16="http://schemas.microsoft.com/office/drawing/2014/main" val="10009"/>
-                  </a:ext>
-                </a:extLst>
-              </a:tr>
-              <a:tr h="239450">
-                <a:tc>
-                  <a:txBody>
-                    <a:bodyPr/>
-                    <a:lstStyle/>
-                    <a:p>
-                      <a:pPr marL="0" lvl="0" indent="0" algn="l" rtl="0">
-                        <a:spcBef>
-                          <a:spcPts val="0"/>
-                        </a:spcBef>
-                        <a:spcAft>
-                          <a:spcPts val="0"/>
-                        </a:spcAft>
-                        <a:buClr>
-                          <a:schemeClr val="dk1"/>
-                        </a:buClr>
-                        <a:buSzPts val="1100"/>
-                        <a:buFont typeface="Arial"/>
-                        <a:buNone/>
-                      </a:pPr>
-                      <a:r>
-                        <a:rPr lang="de" sz="1100"/>
-                        <a:t>Location/Action</a:t>
-                      </a:r>
-                      <a:endParaRPr sz="1100" u="none" strike="noStrike" cap="none"/>
-                    </a:p>
-                  </a:txBody>
-                  <a:tcPr marL="68600" marR="68600" marT="34300" marB="34300">
-                    <a:noFill/>
-                  </a:tcPr>
-                </a:tc>
-                <a:tc>
-                  <a:txBody>
-                    <a:bodyPr/>
-                    <a:lstStyle/>
-                    <a:p>
-                      <a:pPr marL="0" marR="0" lvl="0" indent="0" algn="l" rtl="0">
-                        <a:lnSpc>
-                          <a:spcPct val="100000"/>
-                        </a:lnSpc>
-                        <a:spcBef>
-                          <a:spcPts val="0"/>
-                        </a:spcBef>
-                        <a:spcAft>
-                          <a:spcPts val="0"/>
-                        </a:spcAft>
-                        <a:buClr>
-                          <a:srgbClr val="000000"/>
-                        </a:buClr>
-                        <a:buSzPts val="1100"/>
-                        <a:buFont typeface="Arial"/>
-                        <a:buNone/>
-                      </a:pPr>
-                      <a:endParaRPr sz="1100" u="none" strike="noStrike" cap="none"/>
-                    </a:p>
-                  </a:txBody>
-                  <a:tcPr marL="68600" marR="68600" marT="34300" marB="34300">
-                    <a:noFill/>
-                  </a:tcPr>
-                </a:tc>
-                <a:tc>
-                  <a:txBody>
-                    <a:bodyPr/>
-                    <a:lstStyle/>
-                    <a:p>
-                      <a:pPr marL="0" marR="0" lvl="0" indent="0" algn="l" rtl="0">
-                        <a:lnSpc>
-                          <a:spcPct val="100000"/>
-                        </a:lnSpc>
-                        <a:spcBef>
-                          <a:spcPts val="0"/>
-                        </a:spcBef>
-                        <a:spcAft>
-                          <a:spcPts val="0"/>
-                        </a:spcAft>
-                        <a:buClr>
-                          <a:srgbClr val="000000"/>
-                        </a:buClr>
-                        <a:buSzPts val="1100"/>
-                        <a:buFont typeface="Arial"/>
-                        <a:buNone/>
-                      </a:pPr>
-                      <a:endParaRPr sz="1100" u="none" strike="noStrike" cap="none"/>
-                    </a:p>
-                  </a:txBody>
-                  <a:tcPr marL="68600" marR="68600" marT="34300" marB="34300">
-                    <a:noFill/>
-                  </a:tcPr>
-                </a:tc>
-                <a:extLst>
-                  <a:ext uri="{0D108BD9-81ED-4DB2-BD59-A6C34878D82A}">
-                    <a16:rowId xmlns:a16="http://schemas.microsoft.com/office/drawing/2014/main" val="10010"/>
-                  </a:ext>
-                </a:extLst>
-              </a:tr>
-              <a:tr h="239450">
-                <a:tc>
-                  <a:txBody>
-                    <a:bodyPr/>
-                    <a:lstStyle/>
-                    <a:p>
-                      <a:pPr marL="0" lvl="0" indent="0" algn="l" rtl="0">
-                        <a:spcBef>
-                          <a:spcPts val="0"/>
-                        </a:spcBef>
-                        <a:spcAft>
-                          <a:spcPts val="0"/>
-                        </a:spcAft>
-                        <a:buClr>
-                          <a:schemeClr val="dk1"/>
-                        </a:buClr>
-                        <a:buSzPts val="1100"/>
-                        <a:buFont typeface="Arial"/>
-                        <a:buNone/>
-                      </a:pPr>
-                      <a:r>
-                        <a:rPr lang="de" sz="1100"/>
-                        <a:t>Location/Action</a:t>
-                      </a:r>
-                      <a:endParaRPr sz="1100" u="none" strike="noStrike" cap="none"/>
-                    </a:p>
-                  </a:txBody>
-                  <a:tcPr marL="68600" marR="68600" marT="34300" marB="34300">
-                    <a:noFill/>
-                  </a:tcPr>
-                </a:tc>
-                <a:tc>
-                  <a:txBody>
-                    <a:bodyPr/>
-                    <a:lstStyle/>
-                    <a:p>
-                      <a:pPr marL="0" marR="0" lvl="0" indent="0" algn="l" rtl="0">
-                        <a:lnSpc>
-                          <a:spcPct val="100000"/>
-                        </a:lnSpc>
-                        <a:spcBef>
-                          <a:spcPts val="0"/>
-                        </a:spcBef>
-                        <a:spcAft>
-                          <a:spcPts val="0"/>
-                        </a:spcAft>
-                        <a:buClr>
-                          <a:srgbClr val="000000"/>
-                        </a:buClr>
-                        <a:buSzPts val="1100"/>
-                        <a:buFont typeface="Arial"/>
-                        <a:buNone/>
-                      </a:pPr>
-                      <a:endParaRPr sz="1100" u="none" strike="noStrike" cap="none"/>
-                    </a:p>
-                  </a:txBody>
-                  <a:tcPr marL="68600" marR="68600" marT="34300" marB="34300">
-                    <a:noFill/>
-                  </a:tcPr>
-                </a:tc>
-                <a:tc>
-                  <a:txBody>
-                    <a:bodyPr/>
-                    <a:lstStyle/>
-                    <a:p>
-                      <a:pPr marL="0" marR="0" lvl="0" indent="0" algn="l" rtl="0">
-                        <a:lnSpc>
-                          <a:spcPct val="100000"/>
-                        </a:lnSpc>
-                        <a:spcBef>
-                          <a:spcPts val="0"/>
-                        </a:spcBef>
-                        <a:spcAft>
-                          <a:spcPts val="0"/>
-                        </a:spcAft>
-                        <a:buClr>
-                          <a:srgbClr val="000000"/>
-                        </a:buClr>
-                        <a:buSzPts val="1100"/>
-                        <a:buFont typeface="Arial"/>
-                        <a:buNone/>
-                      </a:pPr>
-                      <a:endParaRPr sz="1100" u="none" strike="noStrike" cap="none"/>
-                    </a:p>
-                  </a:txBody>
-                  <a:tcPr marL="68600" marR="68600" marT="34300" marB="34300">
-                    <a:noFill/>
-                  </a:tcPr>
-                </a:tc>
-                <a:extLst>
-                  <a:ext uri="{0D108BD9-81ED-4DB2-BD59-A6C34878D82A}">
-                    <a16:rowId xmlns:a16="http://schemas.microsoft.com/office/drawing/2014/main" val="10011"/>
-                  </a:ext>
-                </a:extLst>
-              </a:tr>
-              <a:tr h="239450">
-                <a:tc>
-                  <a:txBody>
-                    <a:bodyPr/>
-                    <a:lstStyle/>
-                    <a:p>
-                      <a:pPr marL="0" lvl="0" indent="0" algn="l" rtl="0">
-                        <a:spcBef>
-                          <a:spcPts val="0"/>
-                        </a:spcBef>
-                        <a:spcAft>
-                          <a:spcPts val="0"/>
-                        </a:spcAft>
-                        <a:buClr>
-                          <a:schemeClr val="dk1"/>
-                        </a:buClr>
-                        <a:buSzPts val="1100"/>
-                        <a:buFont typeface="Arial"/>
-                        <a:buNone/>
-                      </a:pPr>
-                      <a:r>
-                        <a:rPr lang="de" sz="1100"/>
-                        <a:t>Location/Action</a:t>
-                      </a:r>
-                      <a:endParaRPr sz="1100" u="none" strike="noStrike" cap="none"/>
-                    </a:p>
-                  </a:txBody>
-                  <a:tcPr marL="68600" marR="68600" marT="34300" marB="34300">
-                    <a:noFill/>
-                  </a:tcPr>
-                </a:tc>
-                <a:tc>
-                  <a:txBody>
-                    <a:bodyPr/>
-                    <a:lstStyle/>
-                    <a:p>
-                      <a:pPr marL="0" marR="0" lvl="0" indent="0" algn="l" rtl="0">
-                        <a:lnSpc>
-                          <a:spcPct val="100000"/>
-                        </a:lnSpc>
-                        <a:spcBef>
-                          <a:spcPts val="0"/>
-                        </a:spcBef>
-                        <a:spcAft>
-                          <a:spcPts val="0"/>
-                        </a:spcAft>
-                        <a:buClr>
-                          <a:srgbClr val="000000"/>
-                        </a:buClr>
-                        <a:buSzPts val="900"/>
-                        <a:buFont typeface="Arial"/>
-                        <a:buNone/>
-                      </a:pPr>
-                      <a:endParaRPr sz="900" u="none" strike="noStrike" cap="none"/>
-                    </a:p>
-                  </a:txBody>
-                  <a:tcPr marL="68600" marR="68600" marT="34300" marB="34300">
-                    <a:noFill/>
-                  </a:tcPr>
-                </a:tc>
-                <a:tc>
-                  <a:txBody>
-                    <a:bodyPr/>
-                    <a:lstStyle/>
-                    <a:p>
-                      <a:pPr marL="0" marR="0" lvl="0" indent="0" algn="l" rtl="0">
-                        <a:lnSpc>
-                          <a:spcPct val="100000"/>
-                        </a:lnSpc>
-                        <a:spcBef>
-                          <a:spcPts val="0"/>
-                        </a:spcBef>
-                        <a:spcAft>
-                          <a:spcPts val="0"/>
-                        </a:spcAft>
-                        <a:buClr>
-                          <a:srgbClr val="000000"/>
-                        </a:buClr>
-                        <a:buSzPts val="900"/>
-                        <a:buFont typeface="Arial"/>
-                        <a:buNone/>
-                      </a:pPr>
-                      <a:endParaRPr sz="900" u="none" strike="noStrike" cap="none"/>
-                    </a:p>
-                  </a:txBody>
-                  <a:tcPr marL="68600" marR="68600" marT="34300" marB="34300">
-                    <a:noFill/>
-                  </a:tcPr>
-                </a:tc>
-                <a:extLst>
-                  <a:ext uri="{0D108BD9-81ED-4DB2-BD59-A6C34878D82A}">
-                    <a16:rowId xmlns:a16="http://schemas.microsoft.com/office/drawing/2014/main" val="10012"/>
-                  </a:ext>
-                </a:extLst>
-              </a:tr>
-              <a:tr h="239450">
-                <a:tc>
-                  <a:txBody>
-                    <a:bodyPr/>
-                    <a:lstStyle/>
-                    <a:p>
-                      <a:pPr marL="0" lvl="0" indent="0" algn="l" rtl="0">
-                        <a:spcBef>
-                          <a:spcPts val="0"/>
-                        </a:spcBef>
-                        <a:spcAft>
-                          <a:spcPts val="0"/>
-                        </a:spcAft>
-                        <a:buClr>
-                          <a:schemeClr val="dk1"/>
-                        </a:buClr>
-                        <a:buSzPts val="1100"/>
-                        <a:buFont typeface="Arial"/>
-                        <a:buNone/>
-                      </a:pPr>
-                      <a:r>
-                        <a:rPr lang="de" sz="1100"/>
-                        <a:t>Location/Action</a:t>
-                      </a:r>
-                      <a:endParaRPr sz="1100" u="none" strike="noStrike" cap="none"/>
-                    </a:p>
-                  </a:txBody>
-                  <a:tcPr marL="68600" marR="68600" marT="34300" marB="34300">
-                    <a:noFill/>
-                  </a:tcPr>
-                </a:tc>
-                <a:tc>
-                  <a:txBody>
-                    <a:bodyPr/>
-                    <a:lstStyle/>
-                    <a:p>
-                      <a:pPr marL="0" marR="0" lvl="0" indent="0" algn="l" rtl="0">
-                        <a:lnSpc>
-                          <a:spcPct val="100000"/>
-                        </a:lnSpc>
-                        <a:spcBef>
-                          <a:spcPts val="0"/>
-                        </a:spcBef>
-                        <a:spcAft>
-                          <a:spcPts val="0"/>
-                        </a:spcAft>
-                        <a:buClr>
-                          <a:srgbClr val="000000"/>
-                        </a:buClr>
-                        <a:buSzPts val="900"/>
-                        <a:buFont typeface="Arial"/>
-                        <a:buNone/>
-                      </a:pPr>
-                      <a:endParaRPr sz="900" u="none" strike="noStrike" cap="none"/>
-                    </a:p>
-                  </a:txBody>
-                  <a:tcPr marL="68600" marR="68600" marT="34300" marB="34300">
-                    <a:noFill/>
-                  </a:tcPr>
-                </a:tc>
-                <a:tc>
-                  <a:txBody>
-                    <a:bodyPr/>
-                    <a:lstStyle/>
-                    <a:p>
-                      <a:pPr marL="0" marR="0" lvl="0" indent="0" algn="l" rtl="0">
-                        <a:lnSpc>
-                          <a:spcPct val="100000"/>
-                        </a:lnSpc>
-                        <a:spcBef>
-                          <a:spcPts val="0"/>
-                        </a:spcBef>
-                        <a:spcAft>
-                          <a:spcPts val="0"/>
-                        </a:spcAft>
-                        <a:buClr>
-                          <a:srgbClr val="000000"/>
-                        </a:buClr>
-                        <a:buSzPts val="900"/>
-                        <a:buFont typeface="Arial"/>
-                        <a:buNone/>
-                      </a:pPr>
-                      <a:endParaRPr sz="900" u="none" strike="noStrike" cap="none"/>
-                    </a:p>
-                  </a:txBody>
-                  <a:tcPr marL="68600" marR="68600" marT="34300" marB="34300">
-                    <a:noFill/>
-                  </a:tcPr>
-                </a:tc>
-                <a:extLst>
-                  <a:ext uri="{0D108BD9-81ED-4DB2-BD59-A6C34878D82A}">
-                    <a16:rowId xmlns:a16="http://schemas.microsoft.com/office/drawing/2014/main" val="10013"/>
-                  </a:ext>
-                </a:extLst>
-              </a:tr>
-              <a:tr h="239450">
-                <a:tc>
-                  <a:txBody>
-                    <a:bodyPr/>
-                    <a:lstStyle/>
-                    <a:p>
-                      <a:pPr marL="0" marR="0" lvl="0" indent="0" algn="ctr" rtl="0">
-                        <a:lnSpc>
-                          <a:spcPct val="100000"/>
-                        </a:lnSpc>
-                        <a:spcBef>
-                          <a:spcPts val="0"/>
-                        </a:spcBef>
-                        <a:spcAft>
-                          <a:spcPts val="0"/>
-                        </a:spcAft>
-                        <a:buClr>
-                          <a:schemeClr val="dk1"/>
-                        </a:buClr>
-                        <a:buSzPts val="1100"/>
-                        <a:buFont typeface="Arial"/>
-                        <a:buNone/>
-                      </a:pPr>
-                      <a:r>
-                        <a:rPr lang="de" sz="1100" b="1" u="none" strike="noStrike" cap="none">
-                          <a:solidFill>
-                            <a:schemeClr val="dk1"/>
-                          </a:solidFill>
-                        </a:rPr>
-                        <a:t>Character: (Name)</a:t>
-                      </a:r>
-                      <a:endParaRPr sz="1100" u="none" strike="noStrike" cap="none"/>
-                    </a:p>
-                  </a:txBody>
-                  <a:tcPr marL="68600" marR="68600" marT="34300" marB="34300">
-                    <a:solidFill>
-                      <a:srgbClr val="FFC000"/>
-                    </a:solidFill>
-                  </a:tcPr>
-                </a:tc>
-                <a:tc>
-                  <a:txBody>
-                    <a:bodyPr/>
-                    <a:lstStyle/>
-                    <a:p>
-                      <a:pPr marL="0" marR="0" lvl="0" indent="0" algn="ctr" rtl="0">
-                        <a:lnSpc>
-                          <a:spcPct val="100000"/>
-                        </a:lnSpc>
-                        <a:spcBef>
-                          <a:spcPts val="0"/>
-                        </a:spcBef>
-                        <a:spcAft>
-                          <a:spcPts val="0"/>
-                        </a:spcAft>
-                        <a:buClr>
-                          <a:schemeClr val="dk1"/>
-                        </a:buClr>
-                        <a:buSzPts val="1100"/>
-                        <a:buFont typeface="Arial"/>
-                        <a:buNone/>
-                      </a:pPr>
-                      <a:r>
-                        <a:rPr lang="de" sz="1100" b="1" u="none" strike="noStrike" cap="none">
-                          <a:solidFill>
-                            <a:schemeClr val="dk1"/>
-                          </a:solidFill>
-                        </a:rPr>
-                        <a:t>DIALOGUE BARK –  </a:t>
-                      </a:r>
-                      <a:r>
-                        <a:rPr lang="de" sz="1100" b="1"/>
-                        <a:t>Situation </a:t>
-                      </a:r>
-                      <a:r>
-                        <a:rPr lang="de" sz="1100" b="1" u="none" strike="noStrike" cap="none">
-                          <a:solidFill>
-                            <a:schemeClr val="dk1"/>
-                          </a:solidFill>
-                        </a:rPr>
-                        <a:t>v01</a:t>
-                      </a:r>
-                      <a:endParaRPr sz="1100" u="none" strike="noStrike" cap="none"/>
-                    </a:p>
-                  </a:txBody>
-                  <a:tcPr marL="68600" marR="68600" marT="34300" marB="34300">
-                    <a:solidFill>
-                      <a:srgbClr val="FFC000"/>
-                    </a:solidFill>
-                  </a:tcPr>
-                </a:tc>
-                <a:tc>
-                  <a:txBody>
-                    <a:bodyPr/>
-                    <a:lstStyle/>
-                    <a:p>
-                      <a:pPr marL="0" marR="0" lvl="0" indent="0" algn="ctr" rtl="0">
-                        <a:lnSpc>
-                          <a:spcPct val="100000"/>
-                        </a:lnSpc>
-                        <a:spcBef>
-                          <a:spcPts val="0"/>
-                        </a:spcBef>
-                        <a:spcAft>
-                          <a:spcPts val="0"/>
-                        </a:spcAft>
-                        <a:buClr>
-                          <a:schemeClr val="dk1"/>
-                        </a:buClr>
-                        <a:buSzPts val="1100"/>
-                        <a:buFont typeface="Arial"/>
-                        <a:buNone/>
-                      </a:pPr>
-                      <a:r>
-                        <a:rPr lang="de" sz="1100" b="1" u="none" strike="noStrike" cap="none">
-                          <a:solidFill>
-                            <a:schemeClr val="dk1"/>
-                          </a:solidFill>
-                        </a:rPr>
-                        <a:t>DIALOGUE BARK –  </a:t>
-                      </a:r>
-                      <a:r>
-                        <a:rPr lang="de" sz="1100" b="1"/>
-                        <a:t>Situation </a:t>
-                      </a:r>
-                      <a:r>
-                        <a:rPr lang="de" sz="1100" b="1" u="none" strike="noStrike" cap="none">
-                          <a:solidFill>
-                            <a:schemeClr val="dk1"/>
-                          </a:solidFill>
-                        </a:rPr>
-                        <a:t>v02</a:t>
-                      </a:r>
-                      <a:endParaRPr sz="1100" u="none" strike="noStrike" cap="none"/>
-                    </a:p>
-                  </a:txBody>
-                  <a:tcPr marL="68600" marR="68600" marT="34300" marB="34300">
-                    <a:solidFill>
-                      <a:srgbClr val="FFC000"/>
-                    </a:solidFill>
-                  </a:tcPr>
-                </a:tc>
-                <a:extLst>
-                  <a:ext uri="{0D108BD9-81ED-4DB2-BD59-A6C34878D82A}">
-                    <a16:rowId xmlns:a16="http://schemas.microsoft.com/office/drawing/2014/main" val="10014"/>
-                  </a:ext>
-                </a:extLst>
-              </a:tr>
-              <a:tr h="239450">
-                <a:tc>
-                  <a:txBody>
-                    <a:bodyPr/>
-                    <a:lstStyle/>
-                    <a:p>
-                      <a:pPr marL="0" lvl="0" indent="0" algn="l" rtl="0">
-                        <a:spcBef>
-                          <a:spcPts val="0"/>
-                        </a:spcBef>
-                        <a:spcAft>
-                          <a:spcPts val="0"/>
-                        </a:spcAft>
-                        <a:buClr>
-                          <a:schemeClr val="dk1"/>
-                        </a:buClr>
-                        <a:buSzPts val="1100"/>
-                        <a:buFont typeface="Arial"/>
-                        <a:buNone/>
-                      </a:pPr>
-                      <a:r>
-                        <a:rPr lang="de" sz="1100"/>
-                        <a:t>Location/Action</a:t>
-                      </a:r>
-                      <a:endParaRPr sz="1100" u="none" strike="noStrike" cap="none"/>
-                    </a:p>
-                  </a:txBody>
-                  <a:tcPr marL="68600" marR="68600" marT="34300" marB="34300">
-                    <a:noFill/>
-                  </a:tcPr>
-                </a:tc>
-                <a:tc>
-                  <a:txBody>
-                    <a:bodyPr/>
-                    <a:lstStyle/>
-                    <a:p>
-                      <a:pPr marL="0" marR="0" lvl="0" indent="0" algn="l" rtl="0">
-                        <a:lnSpc>
-                          <a:spcPct val="100000"/>
-                        </a:lnSpc>
-                        <a:spcBef>
-                          <a:spcPts val="0"/>
-                        </a:spcBef>
-                        <a:spcAft>
-                          <a:spcPts val="0"/>
-                        </a:spcAft>
-                        <a:buClr>
-                          <a:srgbClr val="000000"/>
-                        </a:buClr>
-                        <a:buSzPts val="900"/>
-                        <a:buFont typeface="Arial"/>
-                        <a:buNone/>
-                      </a:pPr>
-                      <a:endParaRPr sz="900" u="none" strike="noStrike" cap="none"/>
-                    </a:p>
-                  </a:txBody>
-                  <a:tcPr marL="68600" marR="68600" marT="34300" marB="34300">
-                    <a:noFill/>
-                  </a:tcPr>
-                </a:tc>
-                <a:tc>
-                  <a:txBody>
-                    <a:bodyPr/>
-                    <a:lstStyle/>
-                    <a:p>
-                      <a:pPr marL="0" marR="0" lvl="0" indent="0" algn="l" rtl="0">
-                        <a:lnSpc>
-                          <a:spcPct val="100000"/>
-                        </a:lnSpc>
-                        <a:spcBef>
-                          <a:spcPts val="0"/>
-                        </a:spcBef>
-                        <a:spcAft>
-                          <a:spcPts val="0"/>
-                        </a:spcAft>
-                        <a:buClr>
-                          <a:srgbClr val="000000"/>
-                        </a:buClr>
-                        <a:buSzPts val="900"/>
-                        <a:buFont typeface="Arial"/>
-                        <a:buNone/>
-                      </a:pPr>
-                      <a:endParaRPr sz="900" u="none" strike="noStrike" cap="none"/>
-                    </a:p>
-                  </a:txBody>
-                  <a:tcPr marL="68600" marR="68600" marT="34300" marB="34300">
-                    <a:noFill/>
-                  </a:tcPr>
-                </a:tc>
-                <a:extLst>
-                  <a:ext uri="{0D108BD9-81ED-4DB2-BD59-A6C34878D82A}">
-                    <a16:rowId xmlns:a16="http://schemas.microsoft.com/office/drawing/2014/main" val="10015"/>
-                  </a:ext>
-                </a:extLst>
-              </a:tr>
-              <a:tr h="239450">
-                <a:tc>
-                  <a:txBody>
-                    <a:bodyPr/>
-                    <a:lstStyle/>
-                    <a:p>
-                      <a:pPr marL="0" lvl="0" indent="0" algn="l" rtl="0">
-                        <a:spcBef>
-                          <a:spcPts val="0"/>
-                        </a:spcBef>
-                        <a:spcAft>
-                          <a:spcPts val="0"/>
-                        </a:spcAft>
-                        <a:buClr>
-                          <a:schemeClr val="dk1"/>
-                        </a:buClr>
-                        <a:buSzPts val="1100"/>
-                        <a:buFont typeface="Arial"/>
-                        <a:buNone/>
-                      </a:pPr>
-                      <a:r>
-                        <a:rPr lang="de" sz="1100"/>
-                        <a:t>Location/Action</a:t>
-                      </a:r>
-                      <a:endParaRPr sz="1100" u="none" strike="noStrike" cap="none"/>
-                    </a:p>
-                  </a:txBody>
-                  <a:tcPr marL="68600" marR="68600" marT="34300" marB="34300">
-                    <a:noFill/>
-                  </a:tcPr>
-                </a:tc>
-                <a:tc>
-                  <a:txBody>
-                    <a:bodyPr/>
-                    <a:lstStyle/>
-                    <a:p>
-                      <a:pPr marL="0" marR="0" lvl="0" indent="0" algn="l" rtl="0">
-                        <a:lnSpc>
-                          <a:spcPct val="100000"/>
-                        </a:lnSpc>
-                        <a:spcBef>
-                          <a:spcPts val="0"/>
-                        </a:spcBef>
-                        <a:spcAft>
-                          <a:spcPts val="0"/>
-                        </a:spcAft>
-                        <a:buClr>
-                          <a:srgbClr val="000000"/>
-                        </a:buClr>
-                        <a:buSzPts val="900"/>
-                        <a:buFont typeface="Arial"/>
-                        <a:buNone/>
-                      </a:pPr>
-                      <a:endParaRPr sz="900" u="none" strike="noStrike" cap="none"/>
-                    </a:p>
-                  </a:txBody>
-                  <a:tcPr marL="68600" marR="68600" marT="34300" marB="34300">
-                    <a:noFill/>
-                  </a:tcPr>
-                </a:tc>
-                <a:tc>
-                  <a:txBody>
-                    <a:bodyPr/>
-                    <a:lstStyle/>
-                    <a:p>
-                      <a:pPr marL="0" marR="0" lvl="0" indent="0" algn="l" rtl="0">
-                        <a:lnSpc>
-                          <a:spcPct val="100000"/>
-                        </a:lnSpc>
-                        <a:spcBef>
-                          <a:spcPts val="0"/>
-                        </a:spcBef>
-                        <a:spcAft>
-                          <a:spcPts val="0"/>
-                        </a:spcAft>
-                        <a:buClr>
-                          <a:srgbClr val="000000"/>
-                        </a:buClr>
-                        <a:buSzPts val="900"/>
-                        <a:buFont typeface="Arial"/>
-                        <a:buNone/>
-                      </a:pPr>
-                      <a:endParaRPr sz="900" u="none" strike="noStrike" cap="none"/>
-                    </a:p>
-                  </a:txBody>
-                  <a:tcPr marL="68600" marR="68600" marT="34300" marB="34300">
-                    <a:noFill/>
-                  </a:tcPr>
-                </a:tc>
-                <a:extLst>
-                  <a:ext uri="{0D108BD9-81ED-4DB2-BD59-A6C34878D82A}">
-                    <a16:rowId xmlns:a16="http://schemas.microsoft.com/office/drawing/2014/main" val="10016"/>
-                  </a:ext>
-                </a:extLst>
-              </a:tr>
-              <a:tr h="239450">
-                <a:tc>
-                  <a:txBody>
-                    <a:bodyPr/>
-                    <a:lstStyle/>
-                    <a:p>
-                      <a:pPr marL="0" lvl="0" indent="0" algn="l" rtl="0">
-                        <a:spcBef>
-                          <a:spcPts val="0"/>
-                        </a:spcBef>
-                        <a:spcAft>
-                          <a:spcPts val="0"/>
-                        </a:spcAft>
-                        <a:buClr>
-                          <a:schemeClr val="dk1"/>
-                        </a:buClr>
-                        <a:buSzPts val="1100"/>
-                        <a:buFont typeface="Arial"/>
-                        <a:buNone/>
-                      </a:pPr>
-                      <a:r>
-                        <a:rPr lang="de" sz="1100"/>
-                        <a:t>Location/Action</a:t>
-                      </a:r>
-                      <a:endParaRPr sz="1100" u="none" strike="noStrike" cap="none"/>
-                    </a:p>
-                  </a:txBody>
-                  <a:tcPr marL="68600" marR="68600" marT="34300" marB="34300">
-                    <a:noFill/>
-                  </a:tcPr>
-                </a:tc>
-                <a:tc>
-                  <a:txBody>
-                    <a:bodyPr/>
-                    <a:lstStyle/>
-                    <a:p>
-                      <a:pPr marL="0" marR="0" lvl="0" indent="0" algn="l" rtl="0">
-                        <a:lnSpc>
-                          <a:spcPct val="100000"/>
-                        </a:lnSpc>
-                        <a:spcBef>
-                          <a:spcPts val="0"/>
-                        </a:spcBef>
-                        <a:spcAft>
-                          <a:spcPts val="0"/>
-                        </a:spcAft>
-                        <a:buClr>
-                          <a:srgbClr val="000000"/>
-                        </a:buClr>
-                        <a:buSzPts val="900"/>
-                        <a:buFont typeface="Arial"/>
-                        <a:buNone/>
-                      </a:pPr>
-                      <a:endParaRPr sz="900" u="none" strike="noStrike" cap="none"/>
+                      <a:endParaRPr sz="900" u="none" strike="noStrike" cap="none" dirty="0"/>
                     </a:p>
                   </a:txBody>
                   <a:tcPr marL="68600" marR="68600" marT="34300" marB="34300">
@@ -33942,72 +31057,6 @@
           </a:graphicData>
         </a:graphic>
       </p:graphicFrame>
-      <p:sp>
-        <p:nvSpPr>
-          <p:cNvPr id="243" name="Google Shape;243;p7"/>
-          <p:cNvSpPr txBox="1"/>
-          <p:nvPr/>
-        </p:nvSpPr>
-        <p:spPr>
-          <a:xfrm>
-            <a:off x="0" y="0"/>
-            <a:ext cx="3000000" cy="400200"/>
-          </a:xfrm>
-          <a:prstGeom prst="rect">
-            <a:avLst/>
-          </a:prstGeom>
-          <a:noFill/>
-          <a:ln>
-            <a:noFill/>
-          </a:ln>
-        </p:spPr>
-        <p:txBody>
-          <a:bodyPr spcFirstLastPara="1" wrap="square" lIns="91425" tIns="91425" rIns="91425" bIns="91425" anchor="t" anchorCtr="0">
-            <a:spAutoFit/>
-          </a:bodyPr>
-          <a:lstStyle/>
-          <a:p>
-            <a:pPr marL="0" marR="0" lvl="0" indent="0" algn="l" rtl="0">
-              <a:lnSpc>
-                <a:spcPct val="100000"/>
-              </a:lnSpc>
-              <a:spcBef>
-                <a:spcPts val="0"/>
-              </a:spcBef>
-              <a:spcAft>
-                <a:spcPts val="0"/>
-              </a:spcAft>
-              <a:buClr>
-                <a:srgbClr val="000000"/>
-              </a:buClr>
-              <a:buSzPts val="1400"/>
-              <a:buFont typeface="Arial"/>
-              <a:buNone/>
-            </a:pPr>
-            <a:r>
-              <a:rPr lang="de" sz="1400" b="0" i="0" u="none" strike="noStrike" cap="none">
-                <a:solidFill>
-                  <a:srgbClr val="000000"/>
-                </a:solidFill>
-                <a:latin typeface="Arial"/>
-                <a:ea typeface="Arial"/>
-                <a:cs typeface="Arial"/>
-                <a:sym typeface="Arial"/>
-              </a:rPr>
-              <a:t> </a:t>
-            </a:r>
-            <a:endParaRPr sz="1400" b="0" i="0" u="none" strike="noStrike" cap="none">
-              <a:solidFill>
-                <a:srgbClr val="000000"/>
-              </a:solidFill>
-              <a:latin typeface="Arial"/>
-              <a:ea typeface="Arial"/>
-              <a:cs typeface="Arial"/>
-              <a:sym typeface="Arial"/>
-            </a:endParaRPr>
-          </a:p>
-        </p:txBody>
-      </p:sp>
     </p:spTree>
   </p:cSld>
   <p:clrMapOvr>
